--- a/GameMechanic.pptx
+++ b/GameMechanic.pptx
@@ -7,9 +7,16 @@
   <p:sldIdLst>
     <p:sldId id="256" r:id="rId2"/>
     <p:sldId id="257" r:id="rId3"/>
-    <p:sldId id="260" r:id="rId4"/>
-    <p:sldId id="258" r:id="rId5"/>
-    <p:sldId id="259" r:id="rId6"/>
+    <p:sldId id="262" r:id="rId4"/>
+    <p:sldId id="267" r:id="rId5"/>
+    <p:sldId id="263" r:id="rId6"/>
+    <p:sldId id="264" r:id="rId7"/>
+    <p:sldId id="265" r:id="rId8"/>
+    <p:sldId id="266" r:id="rId9"/>
+    <p:sldId id="261" r:id="rId10"/>
+    <p:sldId id="260" r:id="rId11"/>
+    <p:sldId id="258" r:id="rId12"/>
+    <p:sldId id="259" r:id="rId13"/>
   </p:sldIdLst>
   <p:sldSz cx="12192000" cy="6858000"/>
   <p:notesSz cx="6858000" cy="9144000"/>
@@ -274,7 +281,7 @@
           <a:p>
             <a:fld id="{7BF6C28E-19A6-41B5-9463-ADBDF47FBF11}" type="datetimeFigureOut">
               <a:rPr lang="nl-NL" smtClean="0"/>
-              <a:t>18-9-2023</a:t>
+              <a:t>20-9-2023</a:t>
             </a:fld>
             <a:endParaRPr lang="nl-NL"/>
           </a:p>
@@ -328,7 +335,7 @@
           <a:p>
             <a:fld id="{9D87CB72-874C-4AB9-B2AB-14F3DB711081}" type="slidenum">
               <a:rPr lang="nl-NL" smtClean="0"/>
-              <a:t>‹nr.›</a:t>
+              <a:t>‹#›</a:t>
             </a:fld>
             <a:endParaRPr lang="nl-NL"/>
           </a:p>
@@ -472,7 +479,7 @@
           <a:p>
             <a:fld id="{7BF6C28E-19A6-41B5-9463-ADBDF47FBF11}" type="datetimeFigureOut">
               <a:rPr lang="nl-NL" smtClean="0"/>
-              <a:t>18-9-2023</a:t>
+              <a:t>20-9-2023</a:t>
             </a:fld>
             <a:endParaRPr lang="nl-NL"/>
           </a:p>
@@ -526,7 +533,7 @@
           <a:p>
             <a:fld id="{9D87CB72-874C-4AB9-B2AB-14F3DB711081}" type="slidenum">
               <a:rPr lang="nl-NL" smtClean="0"/>
-              <a:t>‹nr.›</a:t>
+              <a:t>‹#›</a:t>
             </a:fld>
             <a:endParaRPr lang="nl-NL"/>
           </a:p>
@@ -680,7 +687,7 @@
           <a:p>
             <a:fld id="{7BF6C28E-19A6-41B5-9463-ADBDF47FBF11}" type="datetimeFigureOut">
               <a:rPr lang="nl-NL" smtClean="0"/>
-              <a:t>18-9-2023</a:t>
+              <a:t>20-9-2023</a:t>
             </a:fld>
             <a:endParaRPr lang="nl-NL"/>
           </a:p>
@@ -734,7 +741,7 @@
           <a:p>
             <a:fld id="{9D87CB72-874C-4AB9-B2AB-14F3DB711081}" type="slidenum">
               <a:rPr lang="nl-NL" smtClean="0"/>
-              <a:t>‹nr.›</a:t>
+              <a:t>‹#›</a:t>
             </a:fld>
             <a:endParaRPr lang="nl-NL"/>
           </a:p>
@@ -878,7 +885,7 @@
           <a:p>
             <a:fld id="{7BF6C28E-19A6-41B5-9463-ADBDF47FBF11}" type="datetimeFigureOut">
               <a:rPr lang="nl-NL" smtClean="0"/>
-              <a:t>18-9-2023</a:t>
+              <a:t>20-9-2023</a:t>
             </a:fld>
             <a:endParaRPr lang="nl-NL"/>
           </a:p>
@@ -932,7 +939,7 @@
           <a:p>
             <a:fld id="{9D87CB72-874C-4AB9-B2AB-14F3DB711081}" type="slidenum">
               <a:rPr lang="nl-NL" smtClean="0"/>
-              <a:t>‹nr.›</a:t>
+              <a:t>‹#›</a:t>
             </a:fld>
             <a:endParaRPr lang="nl-NL"/>
           </a:p>
@@ -1153,7 +1160,7 @@
           <a:p>
             <a:fld id="{7BF6C28E-19A6-41B5-9463-ADBDF47FBF11}" type="datetimeFigureOut">
               <a:rPr lang="nl-NL" smtClean="0"/>
-              <a:t>18-9-2023</a:t>
+              <a:t>20-9-2023</a:t>
             </a:fld>
             <a:endParaRPr lang="nl-NL"/>
           </a:p>
@@ -1207,7 +1214,7 @@
           <a:p>
             <a:fld id="{9D87CB72-874C-4AB9-B2AB-14F3DB711081}" type="slidenum">
               <a:rPr lang="nl-NL" smtClean="0"/>
-              <a:t>‹nr.›</a:t>
+              <a:t>‹#›</a:t>
             </a:fld>
             <a:endParaRPr lang="nl-NL"/>
           </a:p>
@@ -1418,7 +1425,7 @@
           <a:p>
             <a:fld id="{7BF6C28E-19A6-41B5-9463-ADBDF47FBF11}" type="datetimeFigureOut">
               <a:rPr lang="nl-NL" smtClean="0"/>
-              <a:t>18-9-2023</a:t>
+              <a:t>20-9-2023</a:t>
             </a:fld>
             <a:endParaRPr lang="nl-NL"/>
           </a:p>
@@ -1472,7 +1479,7 @@
           <a:p>
             <a:fld id="{9D87CB72-874C-4AB9-B2AB-14F3DB711081}" type="slidenum">
               <a:rPr lang="nl-NL" smtClean="0"/>
-              <a:t>‹nr.›</a:t>
+              <a:t>‹#›</a:t>
             </a:fld>
             <a:endParaRPr lang="nl-NL"/>
           </a:p>
@@ -1830,7 +1837,7 @@
           <a:p>
             <a:fld id="{7BF6C28E-19A6-41B5-9463-ADBDF47FBF11}" type="datetimeFigureOut">
               <a:rPr lang="nl-NL" smtClean="0"/>
-              <a:t>18-9-2023</a:t>
+              <a:t>20-9-2023</a:t>
             </a:fld>
             <a:endParaRPr lang="nl-NL"/>
           </a:p>
@@ -1884,7 +1891,7 @@
           <a:p>
             <a:fld id="{9D87CB72-874C-4AB9-B2AB-14F3DB711081}" type="slidenum">
               <a:rPr lang="nl-NL" smtClean="0"/>
-              <a:t>‹nr.›</a:t>
+              <a:t>‹#›</a:t>
             </a:fld>
             <a:endParaRPr lang="nl-NL"/>
           </a:p>
@@ -1971,7 +1978,7 @@
           <a:p>
             <a:fld id="{7BF6C28E-19A6-41B5-9463-ADBDF47FBF11}" type="datetimeFigureOut">
               <a:rPr lang="nl-NL" smtClean="0"/>
-              <a:t>18-9-2023</a:t>
+              <a:t>20-9-2023</a:t>
             </a:fld>
             <a:endParaRPr lang="nl-NL"/>
           </a:p>
@@ -2025,7 +2032,7 @@
           <a:p>
             <a:fld id="{9D87CB72-874C-4AB9-B2AB-14F3DB711081}" type="slidenum">
               <a:rPr lang="nl-NL" smtClean="0"/>
-              <a:t>‹nr.›</a:t>
+              <a:t>‹#›</a:t>
             </a:fld>
             <a:endParaRPr lang="nl-NL"/>
           </a:p>
@@ -2084,7 +2091,7 @@
           <a:p>
             <a:fld id="{7BF6C28E-19A6-41B5-9463-ADBDF47FBF11}" type="datetimeFigureOut">
               <a:rPr lang="nl-NL" smtClean="0"/>
-              <a:t>18-9-2023</a:t>
+              <a:t>20-9-2023</a:t>
             </a:fld>
             <a:endParaRPr lang="nl-NL"/>
           </a:p>
@@ -2138,7 +2145,7 @@
           <a:p>
             <a:fld id="{9D87CB72-874C-4AB9-B2AB-14F3DB711081}" type="slidenum">
               <a:rPr lang="nl-NL" smtClean="0"/>
-              <a:t>‹nr.›</a:t>
+              <a:t>‹#›</a:t>
             </a:fld>
             <a:endParaRPr lang="nl-NL"/>
           </a:p>
@@ -2395,7 +2402,7 @@
           <a:p>
             <a:fld id="{7BF6C28E-19A6-41B5-9463-ADBDF47FBF11}" type="datetimeFigureOut">
               <a:rPr lang="nl-NL" smtClean="0"/>
-              <a:t>18-9-2023</a:t>
+              <a:t>20-9-2023</a:t>
             </a:fld>
             <a:endParaRPr lang="nl-NL"/>
           </a:p>
@@ -2449,7 +2456,7 @@
           <a:p>
             <a:fld id="{9D87CB72-874C-4AB9-B2AB-14F3DB711081}" type="slidenum">
               <a:rPr lang="nl-NL" smtClean="0"/>
-              <a:t>‹nr.›</a:t>
+              <a:t>‹#›</a:t>
             </a:fld>
             <a:endParaRPr lang="nl-NL"/>
           </a:p>
@@ -2683,7 +2690,7 @@
           <a:p>
             <a:fld id="{7BF6C28E-19A6-41B5-9463-ADBDF47FBF11}" type="datetimeFigureOut">
               <a:rPr lang="nl-NL" smtClean="0"/>
-              <a:t>18-9-2023</a:t>
+              <a:t>20-9-2023</a:t>
             </a:fld>
             <a:endParaRPr lang="nl-NL"/>
           </a:p>
@@ -2737,7 +2744,7 @@
           <a:p>
             <a:fld id="{9D87CB72-874C-4AB9-B2AB-14F3DB711081}" type="slidenum">
               <a:rPr lang="nl-NL" smtClean="0"/>
-              <a:t>‹nr.›</a:t>
+              <a:t>‹#›</a:t>
             </a:fld>
             <a:endParaRPr lang="nl-NL"/>
           </a:p>
@@ -2924,7 +2931,7 @@
           <a:p>
             <a:fld id="{7BF6C28E-19A6-41B5-9463-ADBDF47FBF11}" type="datetimeFigureOut">
               <a:rPr lang="nl-NL" smtClean="0"/>
-              <a:t>18-9-2023</a:t>
+              <a:t>20-9-2023</a:t>
             </a:fld>
             <a:endParaRPr lang="nl-NL"/>
           </a:p>
@@ -3014,7 +3021,7 @@
           <a:p>
             <a:fld id="{9D87CB72-874C-4AB9-B2AB-14F3DB711081}" type="slidenum">
               <a:rPr lang="nl-NL" smtClean="0"/>
-              <a:t>‹nr.›</a:t>
+              <a:t>‹#›</a:t>
             </a:fld>
             <a:endParaRPr lang="nl-NL"/>
           </a:p>
@@ -3407,6 +3414,884 @@
 </p:sld>
 </file>
 
+<file path=ppt/slides/slide10.xml><?xml version="1.0" encoding="utf-8"?>
+<p:sld xmlns:a="http://schemas.openxmlformats.org/drawingml/2006/main" xmlns:r="http://schemas.openxmlformats.org/officeDocument/2006/relationships" xmlns:p="http://schemas.openxmlformats.org/presentationml/2006/main">
+  <p:cSld>
+    <p:spTree>
+      <p:nvGrpSpPr>
+        <p:cNvPr id="1" name=""/>
+        <p:cNvGrpSpPr/>
+        <p:nvPr/>
+      </p:nvGrpSpPr>
+      <p:grpSpPr>
+        <a:xfrm>
+          <a:off x="0" y="0"/>
+          <a:ext cx="0" cy="0"/>
+          <a:chOff x="0" y="0"/>
+          <a:chExt cx="0" cy="0"/>
+        </a:xfrm>
+      </p:grpSpPr>
+      <p:sp>
+        <p:nvSpPr>
+          <p:cNvPr id="2" name="Titel 1">
+            <a:extLst>
+              <a:ext uri="{FF2B5EF4-FFF2-40B4-BE49-F238E27FC236}">
+                <a16:creationId xmlns:a16="http://schemas.microsoft.com/office/drawing/2014/main" id="{67ADB432-F3B8-CF36-FE64-924F36582E7B}"/>
+              </a:ext>
+            </a:extLst>
+          </p:cNvPr>
+          <p:cNvSpPr>
+            <a:spLocks noGrp="1"/>
+          </p:cNvSpPr>
+          <p:nvPr>
+            <p:ph type="title"/>
+          </p:nvPr>
+        </p:nvSpPr>
+        <p:spPr/>
+        <p:txBody>
+          <a:bodyPr/>
+          <a:lstStyle/>
+          <a:p>
+            <a:r>
+              <a:rPr lang="nl-NL" dirty="0"/>
+              <a:t>Idee 1: </a:t>
+            </a:r>
+            <a:r>
+              <a:rPr lang="nl-NL" dirty="0" err="1"/>
+              <a:t>Subclass</a:t>
+            </a:r>
+            <a:r>
+              <a:rPr lang="nl-NL" dirty="0"/>
+              <a:t> </a:t>
+            </a:r>
+            <a:r>
+              <a:rPr lang="nl-NL" dirty="0" err="1"/>
+              <a:t>Sandbox</a:t>
+            </a:r>
+            <a:r>
+              <a:rPr lang="nl-NL" dirty="0"/>
+              <a:t> </a:t>
+            </a:r>
+          </a:p>
+        </p:txBody>
+      </p:sp>
+      <p:sp>
+        <p:nvSpPr>
+          <p:cNvPr id="4" name="Rechthoek 3">
+            <a:extLst>
+              <a:ext uri="{FF2B5EF4-FFF2-40B4-BE49-F238E27FC236}">
+                <a16:creationId xmlns:a16="http://schemas.microsoft.com/office/drawing/2014/main" id="{E5C761F4-8F8A-EB27-4D45-036AA0E77830}"/>
+              </a:ext>
+            </a:extLst>
+          </p:cNvPr>
+          <p:cNvSpPr/>
+          <p:nvPr/>
+        </p:nvSpPr>
+        <p:spPr>
+          <a:xfrm>
+            <a:off x="2649339" y="3348763"/>
+            <a:ext cx="1483628" cy="635841"/>
+          </a:xfrm>
+          <a:prstGeom prst="rect">
+            <a:avLst/>
+          </a:prstGeom>
+        </p:spPr>
+        <p:style>
+          <a:lnRef idx="2">
+            <a:schemeClr val="accent1">
+              <a:shade val="15000"/>
+            </a:schemeClr>
+          </a:lnRef>
+          <a:fillRef idx="1">
+            <a:schemeClr val="accent1"/>
+          </a:fillRef>
+          <a:effectRef idx="0">
+            <a:schemeClr val="accent1"/>
+          </a:effectRef>
+          <a:fontRef idx="minor">
+            <a:schemeClr val="lt1"/>
+          </a:fontRef>
+        </p:style>
+        <p:txBody>
+          <a:bodyPr rtlCol="0" anchor="ctr"/>
+          <a:lstStyle/>
+          <a:p>
+            <a:pPr algn="ctr"/>
+            <a:r>
+              <a:rPr lang="nl-NL" dirty="0"/>
+              <a:t>&lt;&lt;abstract&gt;&gt;</a:t>
+            </a:r>
+          </a:p>
+          <a:p>
+            <a:pPr algn="ctr"/>
+            <a:r>
+              <a:rPr lang="nl-NL" dirty="0" err="1"/>
+              <a:t>Workers</a:t>
+            </a:r>
+            <a:endParaRPr lang="nl-NL" dirty="0"/>
+          </a:p>
+        </p:txBody>
+      </p:sp>
+      <p:sp>
+        <p:nvSpPr>
+          <p:cNvPr id="6" name="Rechthoek 5">
+            <a:extLst>
+              <a:ext uri="{FF2B5EF4-FFF2-40B4-BE49-F238E27FC236}">
+                <a16:creationId xmlns:a16="http://schemas.microsoft.com/office/drawing/2014/main" id="{96C66D6A-7615-2F3A-7C13-22D88EC53EE0}"/>
+              </a:ext>
+            </a:extLst>
+          </p:cNvPr>
+          <p:cNvSpPr/>
+          <p:nvPr/>
+        </p:nvSpPr>
+        <p:spPr>
+          <a:xfrm>
+            <a:off x="1629974" y="4536676"/>
+            <a:ext cx="1041568" cy="635841"/>
+          </a:xfrm>
+          <a:prstGeom prst="rect">
+            <a:avLst/>
+          </a:prstGeom>
+        </p:spPr>
+        <p:style>
+          <a:lnRef idx="2">
+            <a:schemeClr val="accent1">
+              <a:shade val="15000"/>
+            </a:schemeClr>
+          </a:lnRef>
+          <a:fillRef idx="1">
+            <a:schemeClr val="accent1"/>
+          </a:fillRef>
+          <a:effectRef idx="0">
+            <a:schemeClr val="accent1"/>
+          </a:effectRef>
+          <a:fontRef idx="minor">
+            <a:schemeClr val="lt1"/>
+          </a:fontRef>
+        </p:style>
+        <p:txBody>
+          <a:bodyPr rtlCol="0" anchor="ctr"/>
+          <a:lstStyle/>
+          <a:p>
+            <a:pPr algn="ctr"/>
+            <a:r>
+              <a:rPr lang="nl-NL" dirty="0"/>
+              <a:t>Bakker</a:t>
+            </a:r>
+          </a:p>
+        </p:txBody>
+      </p:sp>
+      <p:sp>
+        <p:nvSpPr>
+          <p:cNvPr id="7" name="Rechthoek 6">
+            <a:extLst>
+              <a:ext uri="{FF2B5EF4-FFF2-40B4-BE49-F238E27FC236}">
+                <a16:creationId xmlns:a16="http://schemas.microsoft.com/office/drawing/2014/main" id="{817BCD5E-6218-EDEB-AF44-538EF3C23F4D}"/>
+              </a:ext>
+            </a:extLst>
+          </p:cNvPr>
+          <p:cNvSpPr/>
+          <p:nvPr/>
+        </p:nvSpPr>
+        <p:spPr>
+          <a:xfrm>
+            <a:off x="2870369" y="4536675"/>
+            <a:ext cx="1041568" cy="635841"/>
+          </a:xfrm>
+          <a:prstGeom prst="rect">
+            <a:avLst/>
+          </a:prstGeom>
+        </p:spPr>
+        <p:style>
+          <a:lnRef idx="2">
+            <a:schemeClr val="accent1">
+              <a:shade val="15000"/>
+            </a:schemeClr>
+          </a:lnRef>
+          <a:fillRef idx="1">
+            <a:schemeClr val="accent1"/>
+          </a:fillRef>
+          <a:effectRef idx="0">
+            <a:schemeClr val="accent1"/>
+          </a:effectRef>
+          <a:fontRef idx="minor">
+            <a:schemeClr val="lt1"/>
+          </a:fontRef>
+        </p:style>
+        <p:txBody>
+          <a:bodyPr rtlCol="0" anchor="ctr"/>
+          <a:lstStyle/>
+          <a:p>
+            <a:pPr algn="ctr"/>
+            <a:r>
+              <a:rPr lang="nl-NL" dirty="0"/>
+              <a:t>Administrator</a:t>
+            </a:r>
+          </a:p>
+        </p:txBody>
+      </p:sp>
+      <p:sp>
+        <p:nvSpPr>
+          <p:cNvPr id="8" name="Rechthoek 7">
+            <a:extLst>
+              <a:ext uri="{FF2B5EF4-FFF2-40B4-BE49-F238E27FC236}">
+                <a16:creationId xmlns:a16="http://schemas.microsoft.com/office/drawing/2014/main" id="{137C5069-9DEF-760E-BA53-35B196B6C208}"/>
+              </a:ext>
+            </a:extLst>
+          </p:cNvPr>
+          <p:cNvSpPr/>
+          <p:nvPr/>
+        </p:nvSpPr>
+        <p:spPr>
+          <a:xfrm>
+            <a:off x="4080486" y="4536675"/>
+            <a:ext cx="1041568" cy="635841"/>
+          </a:xfrm>
+          <a:prstGeom prst="rect">
+            <a:avLst/>
+          </a:prstGeom>
+        </p:spPr>
+        <p:style>
+          <a:lnRef idx="2">
+            <a:schemeClr val="accent1">
+              <a:shade val="15000"/>
+            </a:schemeClr>
+          </a:lnRef>
+          <a:fillRef idx="1">
+            <a:schemeClr val="accent1"/>
+          </a:fillRef>
+          <a:effectRef idx="0">
+            <a:schemeClr val="accent1"/>
+          </a:effectRef>
+          <a:fontRef idx="minor">
+            <a:schemeClr val="lt1"/>
+          </a:fontRef>
+        </p:style>
+        <p:txBody>
+          <a:bodyPr rtlCol="0" anchor="ctr"/>
+          <a:lstStyle/>
+          <a:p>
+            <a:pPr algn="ctr"/>
+            <a:r>
+              <a:rPr lang="nl-NL" dirty="0"/>
+              <a:t>Tank Station</a:t>
+            </a:r>
+          </a:p>
+        </p:txBody>
+      </p:sp>
+      <p:sp>
+        <p:nvSpPr>
+          <p:cNvPr id="3" name="Tekstvak 2">
+            <a:extLst>
+              <a:ext uri="{FF2B5EF4-FFF2-40B4-BE49-F238E27FC236}">
+                <a16:creationId xmlns:a16="http://schemas.microsoft.com/office/drawing/2014/main" id="{55D492D6-E9FA-F143-A9EE-28E1F16CEECC}"/>
+              </a:ext>
+            </a:extLst>
+          </p:cNvPr>
+          <p:cNvSpPr txBox="1"/>
+          <p:nvPr/>
+        </p:nvSpPr>
+        <p:spPr>
+          <a:xfrm>
+            <a:off x="920456" y="1822744"/>
+            <a:ext cx="11084958" cy="646331"/>
+          </a:xfrm>
+          <a:prstGeom prst="rect">
+            <a:avLst/>
+          </a:prstGeom>
+          <a:noFill/>
+        </p:spPr>
+        <p:txBody>
+          <a:bodyPr wrap="none" rtlCol="0">
+            <a:spAutoFit/>
+          </a:bodyPr>
+          <a:lstStyle/>
+          <a:p>
+            <a:r>
+              <a:rPr lang="nl-NL" dirty="0"/>
+              <a:t>De base class: “</a:t>
+            </a:r>
+            <a:r>
+              <a:rPr lang="nl-NL" dirty="0" err="1"/>
+              <a:t>worker</a:t>
+            </a:r>
+            <a:r>
+              <a:rPr lang="nl-NL" dirty="0"/>
+              <a:t>”  heeft vele algemene gemeenschappen. Door Bakker te </a:t>
+            </a:r>
+            <a:r>
+              <a:rPr lang="nl-NL" dirty="0" err="1"/>
+              <a:t>inheriten</a:t>
+            </a:r>
+            <a:r>
+              <a:rPr lang="nl-NL" dirty="0"/>
+              <a:t> van </a:t>
+            </a:r>
+            <a:r>
+              <a:rPr lang="nl-NL" dirty="0" err="1"/>
+              <a:t>van</a:t>
+            </a:r>
+            <a:r>
+              <a:rPr lang="nl-NL" dirty="0"/>
+              <a:t> </a:t>
+            </a:r>
+            <a:r>
+              <a:rPr lang="nl-NL" dirty="0" err="1"/>
+              <a:t>worker</a:t>
+            </a:r>
+            <a:r>
+              <a:rPr lang="nl-NL" dirty="0"/>
+              <a:t> kan ik een </a:t>
+            </a:r>
+          </a:p>
+          <a:p>
+            <a:r>
+              <a:rPr lang="nl-NL" dirty="0"/>
+              <a:t>Nieuw type werker maken zonder veel aan te passen</a:t>
+            </a:r>
+          </a:p>
+        </p:txBody>
+      </p:sp>
+      <p:cxnSp>
+        <p:nvCxnSpPr>
+          <p:cNvPr id="9" name="Connector: Elbow 8">
+            <a:extLst>
+              <a:ext uri="{FF2B5EF4-FFF2-40B4-BE49-F238E27FC236}">
+                <a16:creationId xmlns:a16="http://schemas.microsoft.com/office/drawing/2014/main" id="{858C5A4F-84F0-6B41-E52E-77D9DBB527F8}"/>
+              </a:ext>
+            </a:extLst>
+          </p:cNvPr>
+          <p:cNvCxnSpPr>
+            <a:cxnSpLocks/>
+            <a:stCxn id="6" idx="0"/>
+            <a:endCxn id="4" idx="2"/>
+          </p:cNvCxnSpPr>
+          <p:nvPr/>
+        </p:nvCxnSpPr>
+        <p:spPr>
+          <a:xfrm rot="5400000" flipH="1" flipV="1">
+            <a:off x="2494919" y="3640443"/>
+            <a:ext cx="552072" cy="1240395"/>
+          </a:xfrm>
+          <a:prstGeom prst="bentConnector3">
+            <a:avLst/>
+          </a:prstGeom>
+          <a:ln>
+            <a:tailEnd type="triangle"/>
+          </a:ln>
+        </p:spPr>
+        <p:style>
+          <a:lnRef idx="1">
+            <a:schemeClr val="accent1"/>
+          </a:lnRef>
+          <a:fillRef idx="0">
+            <a:schemeClr val="accent1"/>
+          </a:fillRef>
+          <a:effectRef idx="0">
+            <a:schemeClr val="accent1"/>
+          </a:effectRef>
+          <a:fontRef idx="minor">
+            <a:schemeClr val="tx1"/>
+          </a:fontRef>
+        </p:style>
+      </p:cxnSp>
+      <p:cxnSp>
+        <p:nvCxnSpPr>
+          <p:cNvPr id="11" name="Connector: Elbow 10">
+            <a:extLst>
+              <a:ext uri="{FF2B5EF4-FFF2-40B4-BE49-F238E27FC236}">
+                <a16:creationId xmlns:a16="http://schemas.microsoft.com/office/drawing/2014/main" id="{30AE455C-CF06-DF80-4E88-741A5A25AE5F}"/>
+              </a:ext>
+            </a:extLst>
+          </p:cNvPr>
+          <p:cNvCxnSpPr>
+            <a:cxnSpLocks/>
+            <a:stCxn id="8" idx="0"/>
+            <a:endCxn id="4" idx="2"/>
+          </p:cNvCxnSpPr>
+          <p:nvPr/>
+        </p:nvCxnSpPr>
+        <p:spPr>
+          <a:xfrm rot="16200000" flipV="1">
+            <a:off x="3720177" y="3655581"/>
+            <a:ext cx="552071" cy="1210117"/>
+          </a:xfrm>
+          <a:prstGeom prst="bentConnector3">
+            <a:avLst/>
+          </a:prstGeom>
+          <a:ln>
+            <a:tailEnd type="triangle"/>
+          </a:ln>
+        </p:spPr>
+        <p:style>
+          <a:lnRef idx="1">
+            <a:schemeClr val="accent1"/>
+          </a:lnRef>
+          <a:fillRef idx="0">
+            <a:schemeClr val="accent1"/>
+          </a:fillRef>
+          <a:effectRef idx="0">
+            <a:schemeClr val="accent1"/>
+          </a:effectRef>
+          <a:fontRef idx="minor">
+            <a:schemeClr val="tx1"/>
+          </a:fontRef>
+        </p:style>
+      </p:cxnSp>
+      <p:cxnSp>
+        <p:nvCxnSpPr>
+          <p:cNvPr id="15" name="Straight Arrow Connector 14">
+            <a:extLst>
+              <a:ext uri="{FF2B5EF4-FFF2-40B4-BE49-F238E27FC236}">
+                <a16:creationId xmlns:a16="http://schemas.microsoft.com/office/drawing/2014/main" id="{55574874-18DE-3064-1B9B-5C69067E5010}"/>
+              </a:ext>
+            </a:extLst>
+          </p:cNvPr>
+          <p:cNvCxnSpPr>
+            <a:cxnSpLocks/>
+            <a:stCxn id="7" idx="0"/>
+            <a:endCxn id="4" idx="2"/>
+          </p:cNvCxnSpPr>
+          <p:nvPr/>
+        </p:nvCxnSpPr>
+        <p:spPr>
+          <a:xfrm flipV="1">
+            <a:off x="3391153" y="3984604"/>
+            <a:ext cx="0" cy="552071"/>
+          </a:xfrm>
+          <a:prstGeom prst="straightConnector1">
+            <a:avLst/>
+          </a:prstGeom>
+          <a:ln>
+            <a:tailEnd type="triangle"/>
+          </a:ln>
+        </p:spPr>
+        <p:style>
+          <a:lnRef idx="1">
+            <a:schemeClr val="accent1"/>
+          </a:lnRef>
+          <a:fillRef idx="0">
+            <a:schemeClr val="accent1"/>
+          </a:fillRef>
+          <a:effectRef idx="0">
+            <a:schemeClr val="accent1"/>
+          </a:effectRef>
+          <a:fontRef idx="minor">
+            <a:schemeClr val="tx1"/>
+          </a:fontRef>
+        </p:style>
+      </p:cxnSp>
+      <p:sp>
+        <p:nvSpPr>
+          <p:cNvPr id="22" name="Rectangle 21">
+            <a:extLst>
+              <a:ext uri="{FF2B5EF4-FFF2-40B4-BE49-F238E27FC236}">
+                <a16:creationId xmlns:a16="http://schemas.microsoft.com/office/drawing/2014/main" id="{8334306B-2419-1D6A-59F1-6061839DD5FB}"/>
+              </a:ext>
+            </a:extLst>
+          </p:cNvPr>
+          <p:cNvSpPr/>
+          <p:nvPr/>
+        </p:nvSpPr>
+        <p:spPr>
+          <a:xfrm>
+            <a:off x="7069948" y="3325549"/>
+            <a:ext cx="3584428" cy="1211126"/>
+          </a:xfrm>
+          <a:prstGeom prst="rect">
+            <a:avLst/>
+          </a:prstGeom>
+        </p:spPr>
+        <p:style>
+          <a:lnRef idx="2">
+            <a:schemeClr val="accent1">
+              <a:shade val="15000"/>
+            </a:schemeClr>
+          </a:lnRef>
+          <a:fillRef idx="1">
+            <a:schemeClr val="accent1"/>
+          </a:fillRef>
+          <a:effectRef idx="0">
+            <a:schemeClr val="accent1"/>
+          </a:effectRef>
+          <a:fontRef idx="minor">
+            <a:schemeClr val="lt1"/>
+          </a:fontRef>
+        </p:style>
+        <p:txBody>
+          <a:bodyPr rtlCol="0" anchor="ctr"/>
+          <a:lstStyle/>
+          <a:p>
+            <a:pPr algn="ctr"/>
+            <a:r>
+              <a:rPr lang="nl-NL" dirty="0"/>
+              <a:t>&lt;&lt;</a:t>
+            </a:r>
+            <a:r>
+              <a:rPr lang="nl-NL" dirty="0" err="1"/>
+              <a:t>ScriptableObject</a:t>
+            </a:r>
+            <a:r>
+              <a:rPr lang="nl-NL" dirty="0"/>
+              <a:t>&gt;&gt;</a:t>
+            </a:r>
+          </a:p>
+          <a:p>
+            <a:pPr algn="ctr"/>
+            <a:r>
+              <a:rPr lang="nl-NL" dirty="0"/>
+              <a:t>Bv: </a:t>
+            </a:r>
+            <a:r>
+              <a:rPr lang="nl-NL" dirty="0" err="1"/>
+              <a:t>BakkerData</a:t>
+            </a:r>
+            <a:r>
+              <a:rPr lang="nl-NL" dirty="0"/>
+              <a:t>, </a:t>
+            </a:r>
+            <a:r>
+              <a:rPr lang="nl-NL" dirty="0" err="1"/>
+              <a:t>AdministratorData</a:t>
+            </a:r>
+            <a:endParaRPr lang="nl-NL" dirty="0"/>
+          </a:p>
+        </p:txBody>
+      </p:sp>
+    </p:spTree>
+    <p:extLst>
+      <p:ext uri="{BB962C8B-B14F-4D97-AF65-F5344CB8AC3E}">
+        <p14:creationId xmlns:p14="http://schemas.microsoft.com/office/powerpoint/2010/main" val="2668592944"/>
+      </p:ext>
+    </p:extLst>
+  </p:cSld>
+  <p:clrMapOvr>
+    <a:masterClrMapping/>
+  </p:clrMapOvr>
+</p:sld>
+</file>
+
+<file path=ppt/slides/slide11.xml><?xml version="1.0" encoding="utf-8"?>
+<p:sld xmlns:a="http://schemas.openxmlformats.org/drawingml/2006/main" xmlns:r="http://schemas.openxmlformats.org/officeDocument/2006/relationships" xmlns:p="http://schemas.openxmlformats.org/presentationml/2006/main">
+  <p:cSld>
+    <p:spTree>
+      <p:nvGrpSpPr>
+        <p:cNvPr id="1" name=""/>
+        <p:cNvGrpSpPr/>
+        <p:nvPr/>
+      </p:nvGrpSpPr>
+      <p:grpSpPr>
+        <a:xfrm>
+          <a:off x="0" y="0"/>
+          <a:ext cx="0" cy="0"/>
+          <a:chOff x="0" y="0"/>
+          <a:chExt cx="0" cy="0"/>
+        </a:xfrm>
+      </p:grpSpPr>
+      <p:sp>
+        <p:nvSpPr>
+          <p:cNvPr id="2" name="Titel 1">
+            <a:extLst>
+              <a:ext uri="{FF2B5EF4-FFF2-40B4-BE49-F238E27FC236}">
+                <a16:creationId xmlns:a16="http://schemas.microsoft.com/office/drawing/2014/main" id="{67ADB432-F3B8-CF36-FE64-924F36582E7B}"/>
+              </a:ext>
+            </a:extLst>
+          </p:cNvPr>
+          <p:cNvSpPr>
+            <a:spLocks noGrp="1"/>
+          </p:cNvSpPr>
+          <p:nvPr>
+            <p:ph type="title"/>
+          </p:nvPr>
+        </p:nvSpPr>
+        <p:spPr/>
+        <p:txBody>
+          <a:bodyPr/>
+          <a:lstStyle/>
+          <a:p>
+            <a:r>
+              <a:rPr lang="nl-NL" dirty="0"/>
+              <a:t>Idee 2… </a:t>
+            </a:r>
+          </a:p>
+        </p:txBody>
+      </p:sp>
+      <p:sp>
+        <p:nvSpPr>
+          <p:cNvPr id="3" name="Tijdelijke aanduiding voor inhoud 2">
+            <a:extLst>
+              <a:ext uri="{FF2B5EF4-FFF2-40B4-BE49-F238E27FC236}">
+                <a16:creationId xmlns:a16="http://schemas.microsoft.com/office/drawing/2014/main" id="{D713CE35-95EF-0230-80E2-E12CA6841860}"/>
+              </a:ext>
+            </a:extLst>
+          </p:cNvPr>
+          <p:cNvSpPr>
+            <a:spLocks noGrp="1"/>
+          </p:cNvSpPr>
+          <p:nvPr>
+            <p:ph idx="1"/>
+          </p:nvPr>
+        </p:nvSpPr>
+        <p:spPr/>
+        <p:txBody>
+          <a:bodyPr/>
+          <a:lstStyle/>
+          <a:p>
+            <a:r>
+              <a:rPr lang="nl-NL" b="0" i="1" dirty="0" err="1">
+                <a:solidFill>
+                  <a:srgbClr val="150958"/>
+                </a:solidFill>
+                <a:effectLst/>
+                <a:latin typeface="Lato Extended"/>
+              </a:rPr>
+              <a:t>Decorator</a:t>
+            </a:r>
+            <a:endParaRPr lang="nl-NL" b="0" i="1" dirty="0">
+              <a:solidFill>
+                <a:srgbClr val="150958"/>
+              </a:solidFill>
+              <a:effectLst/>
+              <a:latin typeface="Lato Extended"/>
+            </a:endParaRPr>
+          </a:p>
+          <a:p>
+            <a:r>
+              <a:rPr lang="nl-NL" i="1" dirty="0">
+                <a:solidFill>
+                  <a:srgbClr val="150958"/>
+                </a:solidFill>
+                <a:latin typeface="Lato Extended"/>
+              </a:rPr>
+              <a:t>Object pool</a:t>
+            </a:r>
+          </a:p>
+          <a:p>
+            <a:endParaRPr lang="nl-NL" b="0" i="1" dirty="0">
+              <a:solidFill>
+                <a:srgbClr val="150958"/>
+              </a:solidFill>
+              <a:effectLst/>
+              <a:latin typeface="Lato Extended"/>
+            </a:endParaRPr>
+          </a:p>
+          <a:p>
+            <a:endParaRPr lang="nl-NL" dirty="0"/>
+          </a:p>
+        </p:txBody>
+      </p:sp>
+    </p:spTree>
+    <p:extLst>
+      <p:ext uri="{BB962C8B-B14F-4D97-AF65-F5344CB8AC3E}">
+        <p14:creationId xmlns:p14="http://schemas.microsoft.com/office/powerpoint/2010/main" val="3628665617"/>
+      </p:ext>
+    </p:extLst>
+  </p:cSld>
+  <p:clrMapOvr>
+    <a:masterClrMapping/>
+  </p:clrMapOvr>
+</p:sld>
+</file>
+
+<file path=ppt/slides/slide12.xml><?xml version="1.0" encoding="utf-8"?>
+<p:sld xmlns:a="http://schemas.openxmlformats.org/drawingml/2006/main" xmlns:r="http://schemas.openxmlformats.org/officeDocument/2006/relationships" xmlns:p="http://schemas.openxmlformats.org/presentationml/2006/main">
+  <p:cSld>
+    <p:spTree>
+      <p:nvGrpSpPr>
+        <p:cNvPr id="1" name=""/>
+        <p:cNvGrpSpPr/>
+        <p:nvPr/>
+      </p:nvGrpSpPr>
+      <p:grpSpPr>
+        <a:xfrm>
+          <a:off x="0" y="0"/>
+          <a:ext cx="0" cy="0"/>
+          <a:chOff x="0" y="0"/>
+          <a:chExt cx="0" cy="0"/>
+        </a:xfrm>
+      </p:grpSpPr>
+      <p:sp>
+        <p:nvSpPr>
+          <p:cNvPr id="2" name="Titel 1">
+            <a:extLst>
+              <a:ext uri="{FF2B5EF4-FFF2-40B4-BE49-F238E27FC236}">
+                <a16:creationId xmlns:a16="http://schemas.microsoft.com/office/drawing/2014/main" id="{67ADB432-F3B8-CF36-FE64-924F36582E7B}"/>
+              </a:ext>
+            </a:extLst>
+          </p:cNvPr>
+          <p:cNvSpPr>
+            <a:spLocks noGrp="1"/>
+          </p:cNvSpPr>
+          <p:nvPr>
+            <p:ph type="title"/>
+          </p:nvPr>
+        </p:nvSpPr>
+        <p:spPr/>
+        <p:txBody>
+          <a:bodyPr/>
+          <a:lstStyle/>
+          <a:p>
+            <a:r>
+              <a:rPr lang="nl-NL" dirty="0"/>
+              <a:t>Idee 3 leger </a:t>
+            </a:r>
+            <a:r>
+              <a:rPr lang="nl-NL"/>
+              <a:t>verplaats klik </a:t>
+            </a:r>
+            <a:endParaRPr lang="nl-NL" dirty="0"/>
+          </a:p>
+        </p:txBody>
+      </p:sp>
+      <p:sp>
+        <p:nvSpPr>
+          <p:cNvPr id="3" name="Tijdelijke aanduiding voor inhoud 2">
+            <a:extLst>
+              <a:ext uri="{FF2B5EF4-FFF2-40B4-BE49-F238E27FC236}">
+                <a16:creationId xmlns:a16="http://schemas.microsoft.com/office/drawing/2014/main" id="{D713CE35-95EF-0230-80E2-E12CA6841860}"/>
+              </a:ext>
+            </a:extLst>
+          </p:cNvPr>
+          <p:cNvSpPr>
+            <a:spLocks noGrp="1"/>
+          </p:cNvSpPr>
+          <p:nvPr>
+            <p:ph idx="1"/>
+          </p:nvPr>
+        </p:nvSpPr>
+        <p:spPr/>
+        <p:txBody>
+          <a:bodyPr/>
+          <a:lstStyle/>
+          <a:p>
+            <a:pPr marL="0" indent="0">
+              <a:buNone/>
+            </a:pPr>
+            <a:r>
+              <a:rPr lang="nl-NL" b="0" i="1" dirty="0">
+                <a:solidFill>
+                  <a:srgbClr val="150958"/>
+                </a:solidFill>
+                <a:effectLst/>
+                <a:latin typeface="Lato Extended"/>
+              </a:rPr>
+              <a:t>- </a:t>
+            </a:r>
+            <a:r>
+              <a:rPr lang="nl-NL" b="0" i="1" dirty="0" err="1">
+                <a:solidFill>
+                  <a:srgbClr val="150958"/>
+                </a:solidFill>
+                <a:effectLst/>
+                <a:latin typeface="Lato Extended"/>
+              </a:rPr>
+              <a:t>command</a:t>
+            </a:r>
+            <a:r>
+              <a:rPr lang="nl-NL" b="0" i="1" dirty="0">
+                <a:solidFill>
+                  <a:srgbClr val="150958"/>
+                </a:solidFill>
+                <a:effectLst/>
+                <a:latin typeface="Lato Extended"/>
+              </a:rPr>
+              <a:t> </a:t>
+            </a:r>
+          </a:p>
+          <a:p>
+            <a:pPr marL="0" indent="0">
+              <a:buNone/>
+            </a:pPr>
+            <a:r>
+              <a:rPr lang="nl-NL" b="0" i="1" dirty="0">
+                <a:solidFill>
+                  <a:srgbClr val="150958"/>
+                </a:solidFill>
+                <a:effectLst/>
+                <a:latin typeface="Lato Extended"/>
+              </a:rPr>
+              <a:t>- </a:t>
+            </a:r>
+            <a:r>
+              <a:rPr lang="nl-NL" b="0" i="1" dirty="0" err="1">
+                <a:solidFill>
+                  <a:srgbClr val="150958"/>
+                </a:solidFill>
+                <a:effectLst/>
+                <a:latin typeface="Lato Extended"/>
+              </a:rPr>
+              <a:t>Observer</a:t>
+            </a:r>
+            <a:r>
+              <a:rPr lang="nl-NL" b="0" i="1" dirty="0">
+                <a:solidFill>
+                  <a:srgbClr val="150958"/>
+                </a:solidFill>
+                <a:effectLst/>
+                <a:latin typeface="Lato Extended"/>
+              </a:rPr>
+              <a:t> </a:t>
+            </a:r>
+            <a:r>
+              <a:rPr lang="nl-NL" b="0" i="1" dirty="0" err="1">
+                <a:solidFill>
+                  <a:srgbClr val="150958"/>
+                </a:solidFill>
+                <a:effectLst/>
+                <a:latin typeface="Lato Extended"/>
+              </a:rPr>
+              <a:t>pattern</a:t>
+            </a:r>
+            <a:r>
+              <a:rPr lang="nl-NL" b="0" i="1" dirty="0">
+                <a:solidFill>
+                  <a:srgbClr val="150958"/>
+                </a:solidFill>
+                <a:effectLst/>
+                <a:latin typeface="Lato Extended"/>
+              </a:rPr>
+              <a:t> (event manager)</a:t>
+            </a:r>
+          </a:p>
+          <a:p>
+            <a:pPr marL="0" indent="0">
+              <a:buNone/>
+            </a:pPr>
+            <a:r>
+              <a:rPr lang="nl-NL" i="1" dirty="0">
+                <a:solidFill>
+                  <a:srgbClr val="150958"/>
+                </a:solidFill>
+                <a:latin typeface="Lato Extended"/>
+              </a:rPr>
+              <a:t>- Event que</a:t>
+            </a:r>
+            <a:endParaRPr lang="nl-NL" b="0" i="1" dirty="0">
+              <a:solidFill>
+                <a:srgbClr val="150958"/>
+              </a:solidFill>
+              <a:effectLst/>
+              <a:latin typeface="Lato Extended"/>
+            </a:endParaRPr>
+          </a:p>
+          <a:p>
+            <a:endParaRPr lang="nl-NL" dirty="0"/>
+          </a:p>
+        </p:txBody>
+      </p:sp>
+    </p:spTree>
+    <p:extLst>
+      <p:ext uri="{BB962C8B-B14F-4D97-AF65-F5344CB8AC3E}">
+        <p14:creationId xmlns:p14="http://schemas.microsoft.com/office/powerpoint/2010/main" val="3505702427"/>
+      </p:ext>
+    </p:extLst>
+  </p:cSld>
+  <p:clrMapOvr>
+    <a:masterClrMapping/>
+  </p:clrMapOvr>
+</p:sld>
+</file>
+
 <file path=ppt/slides/slide2.xml><?xml version="1.0" encoding="utf-8"?>
 <p:sld xmlns:a="http://schemas.openxmlformats.org/drawingml/2006/main" xmlns:r="http://schemas.openxmlformats.org/officeDocument/2006/relationships" xmlns:p="http://schemas.openxmlformats.org/presentationml/2006/main">
   <p:cSld>
@@ -3517,7 +4402,7 @@
           <a:p>
             <a:r>
               <a:rPr lang="nl-NL" dirty="0" err="1"/>
-              <a:t>Sandbox</a:t>
+              <a:t>Subclass</a:t>
             </a:r>
             <a:r>
               <a:rPr lang="nl-NL" dirty="0"/>
@@ -3525,19 +4410,11 @@
             </a:r>
             <a:r>
               <a:rPr lang="nl-NL" dirty="0" err="1"/>
-              <a:t>subclass</a:t>
+              <a:t>Sandbox</a:t>
             </a:r>
             <a:r>
               <a:rPr lang="nl-NL" dirty="0"/>
-              <a:t>  of </a:t>
-            </a:r>
-            <a:r>
-              <a:rPr lang="nl-NL" dirty="0" err="1"/>
-              <a:t>Commponent</a:t>
-            </a:r>
-            <a:r>
-              <a:rPr lang="nl-NL" dirty="0"/>
-              <a:t> </a:t>
+              <a:t> (Inheritance)</a:t>
             </a:r>
           </a:p>
           <a:p>
@@ -3607,17 +4484,17 @@
           <a:p>
             <a:r>
               <a:rPr lang="nl-NL" dirty="0"/>
-              <a:t>Idee 1 stad Schema mensen </a:t>
+              <a:t>Mechanic Loop</a:t>
             </a:r>
           </a:p>
         </p:txBody>
       </p:sp>
       <p:sp>
         <p:nvSpPr>
-          <p:cNvPr id="4" name="Rechthoek 3">
+          <p:cNvPr id="5" name="Ovaal 4">
             <a:extLst>
               <a:ext uri="{FF2B5EF4-FFF2-40B4-BE49-F238E27FC236}">
-                <a16:creationId xmlns:a16="http://schemas.microsoft.com/office/drawing/2014/main" id="{E5C761F4-8F8A-EB27-4D45-036AA0E77830}"/>
+                <a16:creationId xmlns:a16="http://schemas.microsoft.com/office/drawing/2014/main" id="{8AB01AF1-753F-F353-6CB2-75D22A36157C}"/>
               </a:ext>
             </a:extLst>
           </p:cNvPr>
@@ -3626,10 +4503,10 @@
         </p:nvSpPr>
         <p:spPr>
           <a:xfrm>
-            <a:off x="1731910" y="3712100"/>
-            <a:ext cx="1041568" cy="635841"/>
+            <a:off x="2093227" y="6011830"/>
+            <a:ext cx="1739984" cy="551063"/>
           </a:xfrm>
-          <a:prstGeom prst="rect">
+          <a:prstGeom prst="ellipse">
             <a:avLst/>
           </a:prstGeom>
         </p:spPr>
@@ -3655,19 +4532,661 @@
           <a:p>
             <a:pPr algn="ctr"/>
             <a:r>
-              <a:rPr lang="nl-NL" dirty="0" err="1"/>
-              <a:t>workers</a:t>
-            </a:r>
-            <a:endParaRPr lang="nl-NL" dirty="0"/>
+              <a:rPr lang="nl-NL" sz="1400" dirty="0"/>
+              <a:t>administrator</a:t>
+            </a:r>
           </a:p>
         </p:txBody>
       </p:sp>
+      <p:graphicFrame>
+        <p:nvGraphicFramePr>
+          <p:cNvPr id="12" name="Tabel 12">
+            <a:extLst>
+              <a:ext uri="{FF2B5EF4-FFF2-40B4-BE49-F238E27FC236}">
+                <a16:creationId xmlns:a16="http://schemas.microsoft.com/office/drawing/2014/main" id="{90DF0F19-6C6A-0B54-FB6B-2A199F8F4272}"/>
+              </a:ext>
+            </a:extLst>
+          </p:cNvPr>
+          <p:cNvGraphicFramePr>
+            <a:graphicFrameLocks noGrp="1"/>
+          </p:cNvGraphicFramePr>
+          <p:nvPr>
+            <p:extLst>
+              <p:ext uri="{D42A27DB-BD31-4B8C-83A1-F6EECF244321}">
+                <p14:modId xmlns:p14="http://schemas.microsoft.com/office/powerpoint/2010/main" val="2133605396"/>
+              </p:ext>
+            </p:extLst>
+          </p:nvPr>
+        </p:nvGraphicFramePr>
+        <p:xfrm>
+          <a:off x="1096070" y="1697749"/>
+          <a:ext cx="10368000" cy="370840"/>
+        </p:xfrm>
+        <a:graphic>
+          <a:graphicData uri="http://schemas.openxmlformats.org/drawingml/2006/table">
+            <a:tbl>
+              <a:tblPr firstRow="1" bandRow="1">
+                <a:tableStyleId>{5C22544A-7EE6-4342-B048-85BDC9FD1C3A}</a:tableStyleId>
+              </a:tblPr>
+              <a:tblGrid>
+                <a:gridCol w="432000">
+                  <a:extLst>
+                    <a:ext uri="{9D8B030D-6E8A-4147-A177-3AD203B41FA5}">
+                      <a16:colId xmlns:a16="http://schemas.microsoft.com/office/drawing/2014/main" val="460867451"/>
+                    </a:ext>
+                  </a:extLst>
+                </a:gridCol>
+                <a:gridCol w="432000">
+                  <a:extLst>
+                    <a:ext uri="{9D8B030D-6E8A-4147-A177-3AD203B41FA5}">
+                      <a16:colId xmlns:a16="http://schemas.microsoft.com/office/drawing/2014/main" val="2445409952"/>
+                    </a:ext>
+                  </a:extLst>
+                </a:gridCol>
+                <a:gridCol w="432000">
+                  <a:extLst>
+                    <a:ext uri="{9D8B030D-6E8A-4147-A177-3AD203B41FA5}">
+                      <a16:colId xmlns:a16="http://schemas.microsoft.com/office/drawing/2014/main" val="2151682526"/>
+                    </a:ext>
+                  </a:extLst>
+                </a:gridCol>
+                <a:gridCol w="432000">
+                  <a:extLst>
+                    <a:ext uri="{9D8B030D-6E8A-4147-A177-3AD203B41FA5}">
+                      <a16:colId xmlns:a16="http://schemas.microsoft.com/office/drawing/2014/main" val="2382324935"/>
+                    </a:ext>
+                  </a:extLst>
+                </a:gridCol>
+                <a:gridCol w="432000">
+                  <a:extLst>
+                    <a:ext uri="{9D8B030D-6E8A-4147-A177-3AD203B41FA5}">
+                      <a16:colId xmlns:a16="http://schemas.microsoft.com/office/drawing/2014/main" val="2873017439"/>
+                    </a:ext>
+                  </a:extLst>
+                </a:gridCol>
+                <a:gridCol w="432000">
+                  <a:extLst>
+                    <a:ext uri="{9D8B030D-6E8A-4147-A177-3AD203B41FA5}">
+                      <a16:colId xmlns:a16="http://schemas.microsoft.com/office/drawing/2014/main" val="1741584497"/>
+                    </a:ext>
+                  </a:extLst>
+                </a:gridCol>
+                <a:gridCol w="432000">
+                  <a:extLst>
+                    <a:ext uri="{9D8B030D-6E8A-4147-A177-3AD203B41FA5}">
+                      <a16:colId xmlns:a16="http://schemas.microsoft.com/office/drawing/2014/main" val="4276133532"/>
+                    </a:ext>
+                  </a:extLst>
+                </a:gridCol>
+                <a:gridCol w="432000">
+                  <a:extLst>
+                    <a:ext uri="{9D8B030D-6E8A-4147-A177-3AD203B41FA5}">
+                      <a16:colId xmlns:a16="http://schemas.microsoft.com/office/drawing/2014/main" val="2278394597"/>
+                    </a:ext>
+                  </a:extLst>
+                </a:gridCol>
+                <a:gridCol w="432000">
+                  <a:extLst>
+                    <a:ext uri="{9D8B030D-6E8A-4147-A177-3AD203B41FA5}">
+                      <a16:colId xmlns:a16="http://schemas.microsoft.com/office/drawing/2014/main" val="1733189475"/>
+                    </a:ext>
+                  </a:extLst>
+                </a:gridCol>
+                <a:gridCol w="432000">
+                  <a:extLst>
+                    <a:ext uri="{9D8B030D-6E8A-4147-A177-3AD203B41FA5}">
+                      <a16:colId xmlns:a16="http://schemas.microsoft.com/office/drawing/2014/main" val="3743190557"/>
+                    </a:ext>
+                  </a:extLst>
+                </a:gridCol>
+                <a:gridCol w="432000">
+                  <a:extLst>
+                    <a:ext uri="{9D8B030D-6E8A-4147-A177-3AD203B41FA5}">
+                      <a16:colId xmlns:a16="http://schemas.microsoft.com/office/drawing/2014/main" val="4150562113"/>
+                    </a:ext>
+                  </a:extLst>
+                </a:gridCol>
+                <a:gridCol w="432000">
+                  <a:extLst>
+                    <a:ext uri="{9D8B030D-6E8A-4147-A177-3AD203B41FA5}">
+                      <a16:colId xmlns:a16="http://schemas.microsoft.com/office/drawing/2014/main" val="154336766"/>
+                    </a:ext>
+                  </a:extLst>
+                </a:gridCol>
+                <a:gridCol w="432000">
+                  <a:extLst>
+                    <a:ext uri="{9D8B030D-6E8A-4147-A177-3AD203B41FA5}">
+                      <a16:colId xmlns:a16="http://schemas.microsoft.com/office/drawing/2014/main" val="1830339965"/>
+                    </a:ext>
+                  </a:extLst>
+                </a:gridCol>
+                <a:gridCol w="432000">
+                  <a:extLst>
+                    <a:ext uri="{9D8B030D-6E8A-4147-A177-3AD203B41FA5}">
+                      <a16:colId xmlns:a16="http://schemas.microsoft.com/office/drawing/2014/main" val="440132147"/>
+                    </a:ext>
+                  </a:extLst>
+                </a:gridCol>
+                <a:gridCol w="432000">
+                  <a:extLst>
+                    <a:ext uri="{9D8B030D-6E8A-4147-A177-3AD203B41FA5}">
+                      <a16:colId xmlns:a16="http://schemas.microsoft.com/office/drawing/2014/main" val="2467063404"/>
+                    </a:ext>
+                  </a:extLst>
+                </a:gridCol>
+                <a:gridCol w="432000">
+                  <a:extLst>
+                    <a:ext uri="{9D8B030D-6E8A-4147-A177-3AD203B41FA5}">
+                      <a16:colId xmlns:a16="http://schemas.microsoft.com/office/drawing/2014/main" val="303654098"/>
+                    </a:ext>
+                  </a:extLst>
+                </a:gridCol>
+                <a:gridCol w="432000">
+                  <a:extLst>
+                    <a:ext uri="{9D8B030D-6E8A-4147-A177-3AD203B41FA5}">
+                      <a16:colId xmlns:a16="http://schemas.microsoft.com/office/drawing/2014/main" val="3019911133"/>
+                    </a:ext>
+                  </a:extLst>
+                </a:gridCol>
+                <a:gridCol w="432000">
+                  <a:extLst>
+                    <a:ext uri="{9D8B030D-6E8A-4147-A177-3AD203B41FA5}">
+                      <a16:colId xmlns:a16="http://schemas.microsoft.com/office/drawing/2014/main" val="728792809"/>
+                    </a:ext>
+                  </a:extLst>
+                </a:gridCol>
+                <a:gridCol w="432000">
+                  <a:extLst>
+                    <a:ext uri="{9D8B030D-6E8A-4147-A177-3AD203B41FA5}">
+                      <a16:colId xmlns:a16="http://schemas.microsoft.com/office/drawing/2014/main" val="3547418016"/>
+                    </a:ext>
+                  </a:extLst>
+                </a:gridCol>
+                <a:gridCol w="432000">
+                  <a:extLst>
+                    <a:ext uri="{9D8B030D-6E8A-4147-A177-3AD203B41FA5}">
+                      <a16:colId xmlns:a16="http://schemas.microsoft.com/office/drawing/2014/main" val="2635663454"/>
+                    </a:ext>
+                  </a:extLst>
+                </a:gridCol>
+                <a:gridCol w="432000">
+                  <a:extLst>
+                    <a:ext uri="{9D8B030D-6E8A-4147-A177-3AD203B41FA5}">
+                      <a16:colId xmlns:a16="http://schemas.microsoft.com/office/drawing/2014/main" val="1010602919"/>
+                    </a:ext>
+                  </a:extLst>
+                </a:gridCol>
+                <a:gridCol w="432000">
+                  <a:extLst>
+                    <a:ext uri="{9D8B030D-6E8A-4147-A177-3AD203B41FA5}">
+                      <a16:colId xmlns:a16="http://schemas.microsoft.com/office/drawing/2014/main" val="1181440095"/>
+                    </a:ext>
+                  </a:extLst>
+                </a:gridCol>
+                <a:gridCol w="432000">
+                  <a:extLst>
+                    <a:ext uri="{9D8B030D-6E8A-4147-A177-3AD203B41FA5}">
+                      <a16:colId xmlns:a16="http://schemas.microsoft.com/office/drawing/2014/main" val="4137236235"/>
+                    </a:ext>
+                  </a:extLst>
+                </a:gridCol>
+                <a:gridCol w="432000">
+                  <a:extLst>
+                    <a:ext uri="{9D8B030D-6E8A-4147-A177-3AD203B41FA5}">
+                      <a16:colId xmlns:a16="http://schemas.microsoft.com/office/drawing/2014/main" val="1918653240"/>
+                    </a:ext>
+                  </a:extLst>
+                </a:gridCol>
+              </a:tblGrid>
+              <a:tr h="370840">
+                <a:tc>
+                  <a:txBody>
+                    <a:bodyPr/>
+                    <a:lstStyle/>
+                    <a:p>
+                      <a:pPr algn="ctr"/>
+                      <a:r>
+                        <a:rPr lang="nl-NL" dirty="0"/>
+                        <a:t>1</a:t>
+                      </a:r>
+                    </a:p>
+                  </a:txBody>
+                  <a:tcPr anchor="ctr">
+                    <a:solidFill>
+                      <a:srgbClr val="002060"/>
+                    </a:solidFill>
+                  </a:tcPr>
+                </a:tc>
+                <a:tc>
+                  <a:txBody>
+                    <a:bodyPr/>
+                    <a:lstStyle/>
+                    <a:p>
+                      <a:pPr algn="ctr"/>
+                      <a:r>
+                        <a:rPr lang="nl-NL" dirty="0"/>
+                        <a:t>2</a:t>
+                      </a:r>
+                    </a:p>
+                  </a:txBody>
+                  <a:tcPr anchor="ctr">
+                    <a:solidFill>
+                      <a:srgbClr val="002060"/>
+                    </a:solidFill>
+                  </a:tcPr>
+                </a:tc>
+                <a:tc>
+                  <a:txBody>
+                    <a:bodyPr/>
+                    <a:lstStyle/>
+                    <a:p>
+                      <a:pPr algn="ctr"/>
+                      <a:r>
+                        <a:rPr lang="nl-NL" dirty="0"/>
+                        <a:t>3</a:t>
+                      </a:r>
+                    </a:p>
+                  </a:txBody>
+                  <a:tcPr anchor="ctr">
+                    <a:solidFill>
+                      <a:srgbClr val="002060"/>
+                    </a:solidFill>
+                  </a:tcPr>
+                </a:tc>
+                <a:tc>
+                  <a:txBody>
+                    <a:bodyPr/>
+                    <a:lstStyle/>
+                    <a:p>
+                      <a:pPr algn="ctr"/>
+                      <a:r>
+                        <a:rPr lang="nl-NL" dirty="0"/>
+                        <a:t>4</a:t>
+                      </a:r>
+                    </a:p>
+                  </a:txBody>
+                  <a:tcPr anchor="ctr">
+                    <a:solidFill>
+                      <a:srgbClr val="002060"/>
+                    </a:solidFill>
+                  </a:tcPr>
+                </a:tc>
+                <a:tc>
+                  <a:txBody>
+                    <a:bodyPr/>
+                    <a:lstStyle/>
+                    <a:p>
+                      <a:pPr algn="ctr"/>
+                      <a:r>
+                        <a:rPr lang="nl-NL" dirty="0"/>
+                        <a:t>5</a:t>
+                      </a:r>
+                    </a:p>
+                  </a:txBody>
+                  <a:tcPr anchor="ctr">
+                    <a:solidFill>
+                      <a:srgbClr val="002060"/>
+                    </a:solidFill>
+                  </a:tcPr>
+                </a:tc>
+                <a:tc>
+                  <a:txBody>
+                    <a:bodyPr/>
+                    <a:lstStyle/>
+                    <a:p>
+                      <a:pPr algn="ctr"/>
+                      <a:r>
+                        <a:rPr lang="nl-NL" dirty="0"/>
+                        <a:t>6</a:t>
+                      </a:r>
+                    </a:p>
+                  </a:txBody>
+                  <a:tcPr anchor="ctr">
+                    <a:solidFill>
+                      <a:srgbClr val="002060"/>
+                    </a:solidFill>
+                  </a:tcPr>
+                </a:tc>
+                <a:tc>
+                  <a:txBody>
+                    <a:bodyPr/>
+                    <a:lstStyle/>
+                    <a:p>
+                      <a:pPr algn="ctr"/>
+                      <a:r>
+                        <a:rPr lang="nl-NL" dirty="0"/>
+                        <a:t>7</a:t>
+                      </a:r>
+                    </a:p>
+                  </a:txBody>
+                  <a:tcPr anchor="ctr">
+                    <a:solidFill>
+                      <a:srgbClr val="002060"/>
+                    </a:solidFill>
+                  </a:tcPr>
+                </a:tc>
+                <a:tc>
+                  <a:txBody>
+                    <a:bodyPr/>
+                    <a:lstStyle/>
+                    <a:p>
+                      <a:pPr algn="ctr"/>
+                      <a:r>
+                        <a:rPr lang="nl-NL" dirty="0"/>
+                        <a:t>8</a:t>
+                      </a:r>
+                    </a:p>
+                  </a:txBody>
+                  <a:tcPr anchor="ctr">
+                    <a:solidFill>
+                      <a:srgbClr val="002060"/>
+                    </a:solidFill>
+                  </a:tcPr>
+                </a:tc>
+                <a:tc>
+                  <a:txBody>
+                    <a:bodyPr/>
+                    <a:lstStyle/>
+                    <a:p>
+                      <a:pPr algn="ctr"/>
+                      <a:r>
+                        <a:rPr lang="nl-NL" dirty="0"/>
+                        <a:t>9</a:t>
+                      </a:r>
+                    </a:p>
+                  </a:txBody>
+                  <a:tcPr anchor="ctr">
+                    <a:solidFill>
+                      <a:srgbClr val="002060"/>
+                    </a:solidFill>
+                  </a:tcPr>
+                </a:tc>
+                <a:tc>
+                  <a:txBody>
+                    <a:bodyPr/>
+                    <a:lstStyle/>
+                    <a:p>
+                      <a:pPr algn="ctr"/>
+                      <a:r>
+                        <a:rPr lang="nl-NL" dirty="0"/>
+                        <a:t>10</a:t>
+                      </a:r>
+                    </a:p>
+                  </a:txBody>
+                  <a:tcPr anchor="ctr">
+                    <a:solidFill>
+                      <a:srgbClr val="002060"/>
+                    </a:solidFill>
+                  </a:tcPr>
+                </a:tc>
+                <a:tc>
+                  <a:txBody>
+                    <a:bodyPr/>
+                    <a:lstStyle/>
+                    <a:p>
+                      <a:pPr algn="ctr"/>
+                      <a:r>
+                        <a:rPr lang="nl-NL" dirty="0"/>
+                        <a:t>11</a:t>
+                      </a:r>
+                    </a:p>
+                  </a:txBody>
+                  <a:tcPr anchor="ctr">
+                    <a:solidFill>
+                      <a:srgbClr val="002060"/>
+                    </a:solidFill>
+                  </a:tcPr>
+                </a:tc>
+                <a:tc>
+                  <a:txBody>
+                    <a:bodyPr/>
+                    <a:lstStyle/>
+                    <a:p>
+                      <a:pPr algn="ctr"/>
+                      <a:r>
+                        <a:rPr lang="nl-NL" dirty="0"/>
+                        <a:t>12</a:t>
+                      </a:r>
+                    </a:p>
+                  </a:txBody>
+                  <a:tcPr anchor="ctr">
+                    <a:solidFill>
+                      <a:srgbClr val="002060"/>
+                    </a:solidFill>
+                  </a:tcPr>
+                </a:tc>
+                <a:tc>
+                  <a:txBody>
+                    <a:bodyPr/>
+                    <a:lstStyle/>
+                    <a:p>
+                      <a:pPr algn="ctr"/>
+                      <a:r>
+                        <a:rPr lang="nl-NL" dirty="0"/>
+                        <a:t>13</a:t>
+                      </a:r>
+                    </a:p>
+                  </a:txBody>
+                  <a:tcPr anchor="ctr">
+                    <a:solidFill>
+                      <a:srgbClr val="002060"/>
+                    </a:solidFill>
+                  </a:tcPr>
+                </a:tc>
+                <a:tc>
+                  <a:txBody>
+                    <a:bodyPr/>
+                    <a:lstStyle/>
+                    <a:p>
+                      <a:pPr algn="ctr"/>
+                      <a:r>
+                        <a:rPr lang="nl-NL" dirty="0"/>
+                        <a:t>14</a:t>
+                      </a:r>
+                    </a:p>
+                  </a:txBody>
+                  <a:tcPr anchor="ctr">
+                    <a:solidFill>
+                      <a:srgbClr val="002060"/>
+                    </a:solidFill>
+                  </a:tcPr>
+                </a:tc>
+                <a:tc>
+                  <a:txBody>
+                    <a:bodyPr/>
+                    <a:lstStyle/>
+                    <a:p>
+                      <a:pPr algn="ctr"/>
+                      <a:r>
+                        <a:rPr lang="nl-NL" dirty="0"/>
+                        <a:t>15</a:t>
+                      </a:r>
+                    </a:p>
+                  </a:txBody>
+                  <a:tcPr anchor="ctr">
+                    <a:solidFill>
+                      <a:srgbClr val="002060"/>
+                    </a:solidFill>
+                  </a:tcPr>
+                </a:tc>
+                <a:tc>
+                  <a:txBody>
+                    <a:bodyPr/>
+                    <a:lstStyle/>
+                    <a:p>
+                      <a:pPr algn="ctr"/>
+                      <a:r>
+                        <a:rPr lang="nl-NL" dirty="0"/>
+                        <a:t>16</a:t>
+                      </a:r>
+                    </a:p>
+                  </a:txBody>
+                  <a:tcPr anchor="ctr">
+                    <a:solidFill>
+                      <a:srgbClr val="002060"/>
+                    </a:solidFill>
+                  </a:tcPr>
+                </a:tc>
+                <a:tc>
+                  <a:txBody>
+                    <a:bodyPr/>
+                    <a:lstStyle/>
+                    <a:p>
+                      <a:pPr algn="ctr"/>
+                      <a:r>
+                        <a:rPr lang="nl-NL" dirty="0"/>
+                        <a:t>17</a:t>
+                      </a:r>
+                    </a:p>
+                  </a:txBody>
+                  <a:tcPr anchor="ctr">
+                    <a:solidFill>
+                      <a:srgbClr val="002060"/>
+                    </a:solidFill>
+                  </a:tcPr>
+                </a:tc>
+                <a:tc>
+                  <a:txBody>
+                    <a:bodyPr/>
+                    <a:lstStyle/>
+                    <a:p>
+                      <a:pPr algn="ctr"/>
+                      <a:r>
+                        <a:rPr lang="nl-NL" dirty="0"/>
+                        <a:t>18</a:t>
+                      </a:r>
+                    </a:p>
+                  </a:txBody>
+                  <a:tcPr anchor="ctr">
+                    <a:solidFill>
+                      <a:srgbClr val="002060"/>
+                    </a:solidFill>
+                  </a:tcPr>
+                </a:tc>
+                <a:tc>
+                  <a:txBody>
+                    <a:bodyPr/>
+                    <a:lstStyle/>
+                    <a:p>
+                      <a:pPr algn="ctr"/>
+                      <a:r>
+                        <a:rPr lang="nl-NL" dirty="0"/>
+                        <a:t>19</a:t>
+                      </a:r>
+                    </a:p>
+                  </a:txBody>
+                  <a:tcPr anchor="ctr">
+                    <a:solidFill>
+                      <a:srgbClr val="002060"/>
+                    </a:solidFill>
+                  </a:tcPr>
+                </a:tc>
+                <a:tc>
+                  <a:txBody>
+                    <a:bodyPr/>
+                    <a:lstStyle/>
+                    <a:p>
+                      <a:pPr algn="ctr"/>
+                      <a:r>
+                        <a:rPr lang="nl-NL" dirty="0"/>
+                        <a:t>20</a:t>
+                      </a:r>
+                    </a:p>
+                  </a:txBody>
+                  <a:tcPr anchor="ctr">
+                    <a:solidFill>
+                      <a:srgbClr val="002060"/>
+                    </a:solidFill>
+                  </a:tcPr>
+                </a:tc>
+                <a:tc>
+                  <a:txBody>
+                    <a:bodyPr/>
+                    <a:lstStyle/>
+                    <a:p>
+                      <a:pPr algn="ctr"/>
+                      <a:r>
+                        <a:rPr lang="nl-NL" dirty="0"/>
+                        <a:t>21</a:t>
+                      </a:r>
+                    </a:p>
+                  </a:txBody>
+                  <a:tcPr anchor="ctr">
+                    <a:solidFill>
+                      <a:srgbClr val="002060"/>
+                    </a:solidFill>
+                  </a:tcPr>
+                </a:tc>
+                <a:tc>
+                  <a:txBody>
+                    <a:bodyPr/>
+                    <a:lstStyle/>
+                    <a:p>
+                      <a:pPr algn="ctr"/>
+                      <a:r>
+                        <a:rPr lang="nl-NL" dirty="0"/>
+                        <a:t>22</a:t>
+                      </a:r>
+                    </a:p>
+                  </a:txBody>
+                  <a:tcPr anchor="ctr">
+                    <a:solidFill>
+                      <a:srgbClr val="002060"/>
+                    </a:solidFill>
+                  </a:tcPr>
+                </a:tc>
+                <a:tc>
+                  <a:txBody>
+                    <a:bodyPr/>
+                    <a:lstStyle/>
+                    <a:p>
+                      <a:pPr algn="ctr"/>
+                      <a:r>
+                        <a:rPr lang="nl-NL" dirty="0"/>
+                        <a:t>23</a:t>
+                      </a:r>
+                    </a:p>
+                  </a:txBody>
+                  <a:tcPr anchor="ctr">
+                    <a:solidFill>
+                      <a:srgbClr val="002060"/>
+                    </a:solidFill>
+                  </a:tcPr>
+                </a:tc>
+                <a:tc>
+                  <a:txBody>
+                    <a:bodyPr/>
+                    <a:lstStyle/>
+                    <a:p>
+                      <a:pPr algn="ctr"/>
+                      <a:r>
+                        <a:rPr lang="nl-NL" dirty="0"/>
+                        <a:t>24</a:t>
+                      </a:r>
+                    </a:p>
+                  </a:txBody>
+                  <a:tcPr anchor="ctr">
+                    <a:solidFill>
+                      <a:srgbClr val="002060"/>
+                    </a:solidFill>
+                  </a:tcPr>
+                </a:tc>
+                <a:extLst>
+                  <a:ext uri="{0D108BD9-81ED-4DB2-BD59-A6C34878D82A}">
+                    <a16:rowId xmlns:a16="http://schemas.microsoft.com/office/drawing/2014/main" val="1216731237"/>
+                  </a:ext>
+                </a:extLst>
+              </a:tr>
+            </a:tbl>
+          </a:graphicData>
+        </a:graphic>
+      </p:graphicFrame>
       <p:sp>
         <p:nvSpPr>
-          <p:cNvPr id="5" name="Rechthoek 4">
+          <p:cNvPr id="14" name="Ovaal 13">
             <a:extLst>
               <a:ext uri="{FF2B5EF4-FFF2-40B4-BE49-F238E27FC236}">
-                <a16:creationId xmlns:a16="http://schemas.microsoft.com/office/drawing/2014/main" id="{EB638631-DAF7-79D7-1B42-66D45F316B26}"/>
+                <a16:creationId xmlns:a16="http://schemas.microsoft.com/office/drawing/2014/main" id="{675C6C1F-3CC7-3900-2CC5-8E31F8DECAA2}"/>
               </a:ext>
             </a:extLst>
           </p:cNvPr>
@@ -3676,10 +5195,10 @@
         </p:nvSpPr>
         <p:spPr>
           <a:xfrm>
-            <a:off x="6915527" y="3712099"/>
-            <a:ext cx="1180848" cy="635841"/>
+            <a:off x="2093228" y="5310509"/>
+            <a:ext cx="1739983" cy="551063"/>
           </a:xfrm>
-          <a:prstGeom prst="rect">
+          <a:prstGeom prst="ellipse">
             <a:avLst/>
           </a:prstGeom>
         </p:spPr>
@@ -3705,12 +5224,8 @@
           <a:p>
             <a:pPr algn="ctr"/>
             <a:r>
-              <a:rPr lang="nl-NL" dirty="0"/>
-              <a:t>Non </a:t>
-            </a:r>
-            <a:r>
-              <a:rPr lang="nl-NL" dirty="0" err="1"/>
-              <a:t>workers</a:t>
+              <a:rPr lang="nl-NL" sz="1400" dirty="0"/>
+              <a:t>bakker</a:t>
             </a:r>
             <a:endParaRPr lang="nl-NL" dirty="0"/>
           </a:p>
@@ -3718,10 +5233,10 @@
       </p:sp>
       <p:sp>
         <p:nvSpPr>
-          <p:cNvPr id="6" name="Rechthoek 5">
+          <p:cNvPr id="15" name="Ovaal 14">
             <a:extLst>
               <a:ext uri="{FF2B5EF4-FFF2-40B4-BE49-F238E27FC236}">
-                <a16:creationId xmlns:a16="http://schemas.microsoft.com/office/drawing/2014/main" id="{96C66D6A-7615-2F3A-7C13-22D88EC53EE0}"/>
+                <a16:creationId xmlns:a16="http://schemas.microsoft.com/office/drawing/2014/main" id="{5F6AE8C7-4ED1-B6B3-10F0-66CFE368AF09}"/>
               </a:ext>
             </a:extLst>
           </p:cNvPr>
@@ -3730,10 +5245,10 @@
         </p:nvSpPr>
         <p:spPr>
           <a:xfrm>
-            <a:off x="491515" y="4609343"/>
-            <a:ext cx="1041568" cy="635841"/>
+            <a:off x="8342637" y="4609188"/>
+            <a:ext cx="1739983" cy="551063"/>
           </a:xfrm>
-          <a:prstGeom prst="rect">
+          <a:prstGeom prst="ellipse">
             <a:avLst/>
           </a:prstGeom>
         </p:spPr>
@@ -3759,18 +5274,19 @@
           <a:p>
             <a:pPr algn="ctr"/>
             <a:r>
-              <a:rPr lang="nl-NL" dirty="0"/>
-              <a:t>Bakker</a:t>
-            </a:r>
+              <a:rPr lang="nl-NL" sz="1400" dirty="0"/>
+              <a:t>Tank Guy</a:t>
+            </a:r>
+            <a:endParaRPr lang="nl-NL" dirty="0"/>
           </a:p>
         </p:txBody>
       </p:sp>
       <p:sp>
         <p:nvSpPr>
-          <p:cNvPr id="7" name="Rechthoek 6">
+          <p:cNvPr id="33" name="Pijl: omhoog 32">
             <a:extLst>
               <a:ext uri="{FF2B5EF4-FFF2-40B4-BE49-F238E27FC236}">
-                <a16:creationId xmlns:a16="http://schemas.microsoft.com/office/drawing/2014/main" id="{817BCD5E-6218-EDEB-AF44-538EF3C23F4D}"/>
+                <a16:creationId xmlns:a16="http://schemas.microsoft.com/office/drawing/2014/main" id="{E37C0E73-3E6D-EAF5-44CA-BED27F5E330B}"/>
               </a:ext>
             </a:extLst>
           </p:cNvPr>
@@ -3779,10 +5295,10 @@
         </p:nvSpPr>
         <p:spPr>
           <a:xfrm>
-            <a:off x="1731910" y="4609342"/>
-            <a:ext cx="1041568" cy="635841"/>
+            <a:off x="1180848" y="2075651"/>
+            <a:ext cx="230114" cy="205891"/>
           </a:xfrm>
-          <a:prstGeom prst="rect">
+          <a:prstGeom prst="upArrow">
             <a:avLst/>
           </a:prstGeom>
         </p:spPr>
@@ -3807,19 +5323,343 @@
           <a:lstStyle/>
           <a:p>
             <a:pPr algn="ctr"/>
-            <a:r>
-              <a:rPr lang="nl-NL" dirty="0"/>
-              <a:t>Administrator</a:t>
-            </a:r>
+            <a:endParaRPr lang="nl-NL"/>
           </a:p>
         </p:txBody>
       </p:sp>
+      <p:graphicFrame>
+        <p:nvGraphicFramePr>
+          <p:cNvPr id="34" name="Tabel 10">
+            <a:extLst>
+              <a:ext uri="{FF2B5EF4-FFF2-40B4-BE49-F238E27FC236}">
+                <a16:creationId xmlns:a16="http://schemas.microsoft.com/office/drawing/2014/main" id="{D074D9D8-A9BF-3014-EBE5-B014C2CB35C9}"/>
+              </a:ext>
+            </a:extLst>
+          </p:cNvPr>
+          <p:cNvGraphicFramePr>
+            <a:graphicFrameLocks noGrp="1"/>
+          </p:cNvGraphicFramePr>
+          <p:nvPr>
+            <p:extLst>
+              <p:ext uri="{D42A27DB-BD31-4B8C-83A1-F6EECF244321}">
+                <p14:modId xmlns:p14="http://schemas.microsoft.com/office/powerpoint/2010/main" val="813300829"/>
+              </p:ext>
+            </p:extLst>
+          </p:nvPr>
+        </p:nvGraphicFramePr>
+        <p:xfrm>
+          <a:off x="2032000" y="3590035"/>
+          <a:ext cx="8128000" cy="370840"/>
+        </p:xfrm>
+        <a:graphic>
+          <a:graphicData uri="http://schemas.openxmlformats.org/drawingml/2006/table">
+            <a:tbl>
+              <a:tblPr firstRow="1" bandRow="1">
+                <a:tableStyleId>{5C22544A-7EE6-4342-B048-85BDC9FD1C3A}</a:tableStyleId>
+              </a:tblPr>
+              <a:tblGrid>
+                <a:gridCol w="2032000">
+                  <a:extLst>
+                    <a:ext uri="{9D8B030D-6E8A-4147-A177-3AD203B41FA5}">
+                      <a16:colId xmlns:a16="http://schemas.microsoft.com/office/drawing/2014/main" val="82315092"/>
+                    </a:ext>
+                  </a:extLst>
+                </a:gridCol>
+                <a:gridCol w="2032000">
+                  <a:extLst>
+                    <a:ext uri="{9D8B030D-6E8A-4147-A177-3AD203B41FA5}">
+                      <a16:colId xmlns:a16="http://schemas.microsoft.com/office/drawing/2014/main" val="1038358519"/>
+                    </a:ext>
+                  </a:extLst>
+                </a:gridCol>
+                <a:gridCol w="2032000">
+                  <a:extLst>
+                    <a:ext uri="{9D8B030D-6E8A-4147-A177-3AD203B41FA5}">
+                      <a16:colId xmlns:a16="http://schemas.microsoft.com/office/drawing/2014/main" val="1603408932"/>
+                    </a:ext>
+                  </a:extLst>
+                </a:gridCol>
+                <a:gridCol w="2032000">
+                  <a:extLst>
+                    <a:ext uri="{9D8B030D-6E8A-4147-A177-3AD203B41FA5}">
+                      <a16:colId xmlns:a16="http://schemas.microsoft.com/office/drawing/2014/main" val="1176514278"/>
+                    </a:ext>
+                  </a:extLst>
+                </a:gridCol>
+              </a:tblGrid>
+              <a:tr h="370840">
+                <a:tc>
+                  <a:txBody>
+                    <a:bodyPr/>
+                    <a:lstStyle/>
+                    <a:p>
+                      <a:pPr algn="ctr"/>
+                      <a:r>
+                        <a:rPr lang="nl-NL" dirty="0"/>
+                        <a:t>Slapen</a:t>
+                      </a:r>
+                    </a:p>
+                  </a:txBody>
+                  <a:tcPr anchor="ctr">
+                    <a:lnL w="12700" cap="flat" cmpd="sng" algn="ctr">
+                      <a:solidFill>
+                        <a:schemeClr val="tx1"/>
+                      </a:solidFill>
+                      <a:prstDash val="solid"/>
+                      <a:round/>
+                      <a:headEnd type="none" w="med" len="med"/>
+                      <a:tailEnd type="none" w="med" len="med"/>
+                    </a:lnL>
+                    <a:lnR w="12700" cap="flat" cmpd="sng" algn="ctr">
+                      <a:solidFill>
+                        <a:schemeClr val="tx1"/>
+                      </a:solidFill>
+                      <a:prstDash val="solid"/>
+                      <a:round/>
+                      <a:headEnd type="none" w="med" len="med"/>
+                      <a:tailEnd type="none" w="med" len="med"/>
+                    </a:lnR>
+                    <a:lnT w="12700" cap="flat" cmpd="sng" algn="ctr">
+                      <a:solidFill>
+                        <a:schemeClr val="tx1"/>
+                      </a:solidFill>
+                      <a:prstDash val="solid"/>
+                      <a:round/>
+                      <a:headEnd type="none" w="med" len="med"/>
+                      <a:tailEnd type="none" w="med" len="med"/>
+                    </a:lnT>
+                    <a:lnB w="12700" cap="flat" cmpd="sng" algn="ctr">
+                      <a:solidFill>
+                        <a:schemeClr val="tx1"/>
+                      </a:solidFill>
+                      <a:prstDash val="solid"/>
+                      <a:round/>
+                      <a:headEnd type="none" w="med" len="med"/>
+                      <a:tailEnd type="none" w="med" len="med"/>
+                    </a:lnB>
+                    <a:lnTlToBr w="12700" cmpd="sng">
+                      <a:noFill/>
+                      <a:prstDash val="solid"/>
+                    </a:lnTlToBr>
+                    <a:lnBlToTr w="12700" cmpd="sng">
+                      <a:noFill/>
+                      <a:prstDash val="solid"/>
+                    </a:lnBlToTr>
+                    <a:solidFill>
+                      <a:schemeClr val="accent6">
+                        <a:lumMod val="40000"/>
+                        <a:lumOff val="60000"/>
+                      </a:schemeClr>
+                    </a:solidFill>
+                  </a:tcPr>
+                </a:tc>
+                <a:tc>
+                  <a:txBody>
+                    <a:bodyPr/>
+                    <a:lstStyle/>
+                    <a:p>
+                      <a:pPr algn="ctr"/>
+                      <a:r>
+                        <a:rPr lang="nl-NL" dirty="0"/>
+                        <a:t>Thuis</a:t>
+                      </a:r>
+                    </a:p>
+                  </a:txBody>
+                  <a:tcPr anchor="ctr">
+                    <a:lnL w="12700" cap="flat" cmpd="sng" algn="ctr">
+                      <a:solidFill>
+                        <a:schemeClr val="tx1"/>
+                      </a:solidFill>
+                      <a:prstDash val="solid"/>
+                      <a:round/>
+                      <a:headEnd type="none" w="med" len="med"/>
+                      <a:tailEnd type="none" w="med" len="med"/>
+                    </a:lnL>
+                    <a:lnR w="12700" cap="flat" cmpd="sng" algn="ctr">
+                      <a:solidFill>
+                        <a:schemeClr val="tx1"/>
+                      </a:solidFill>
+                      <a:prstDash val="solid"/>
+                      <a:round/>
+                      <a:headEnd type="none" w="med" len="med"/>
+                      <a:tailEnd type="none" w="med" len="med"/>
+                    </a:lnR>
+                    <a:lnT w="12700" cap="flat" cmpd="sng" algn="ctr">
+                      <a:solidFill>
+                        <a:schemeClr val="tx1"/>
+                      </a:solidFill>
+                      <a:prstDash val="solid"/>
+                      <a:round/>
+                      <a:headEnd type="none" w="med" len="med"/>
+                      <a:tailEnd type="none" w="med" len="med"/>
+                    </a:lnT>
+                    <a:lnB w="12700" cap="flat" cmpd="sng" algn="ctr">
+                      <a:solidFill>
+                        <a:schemeClr val="tx1"/>
+                      </a:solidFill>
+                      <a:prstDash val="solid"/>
+                      <a:round/>
+                      <a:headEnd type="none" w="med" len="med"/>
+                      <a:tailEnd type="none" w="med" len="med"/>
+                    </a:lnB>
+                    <a:lnTlToBr w="12700" cmpd="sng">
+                      <a:noFill/>
+                      <a:prstDash val="solid"/>
+                    </a:lnTlToBr>
+                    <a:lnBlToTr w="12700" cmpd="sng">
+                      <a:noFill/>
+                      <a:prstDash val="solid"/>
+                    </a:lnBlToTr>
+                    <a:solidFill>
+                      <a:srgbClr val="FFC000"/>
+                    </a:solidFill>
+                  </a:tcPr>
+                </a:tc>
+                <a:tc>
+                  <a:txBody>
+                    <a:bodyPr/>
+                    <a:lstStyle/>
+                    <a:p>
+                      <a:pPr algn="ctr"/>
+                      <a:r>
+                        <a:rPr lang="nl-NL" dirty="0"/>
+                        <a:t>Onderweg</a:t>
+                      </a:r>
+                    </a:p>
+                  </a:txBody>
+                  <a:tcPr anchor="ctr">
+                    <a:lnL w="12700" cap="flat" cmpd="sng" algn="ctr">
+                      <a:solidFill>
+                        <a:schemeClr val="tx1"/>
+                      </a:solidFill>
+                      <a:prstDash val="solid"/>
+                      <a:round/>
+                      <a:headEnd type="none" w="med" len="med"/>
+                      <a:tailEnd type="none" w="med" len="med"/>
+                    </a:lnL>
+                    <a:lnR w="12700" cap="flat" cmpd="sng" algn="ctr">
+                      <a:solidFill>
+                        <a:schemeClr val="tx1"/>
+                      </a:solidFill>
+                      <a:prstDash val="solid"/>
+                      <a:round/>
+                      <a:headEnd type="none" w="med" len="med"/>
+                      <a:tailEnd type="none" w="med" len="med"/>
+                    </a:lnR>
+                    <a:lnT w="12700" cap="flat" cmpd="sng" algn="ctr">
+                      <a:solidFill>
+                        <a:schemeClr val="tx1"/>
+                      </a:solidFill>
+                      <a:prstDash val="solid"/>
+                      <a:round/>
+                      <a:headEnd type="none" w="med" len="med"/>
+                      <a:tailEnd type="none" w="med" len="med"/>
+                    </a:lnT>
+                    <a:lnB w="12700" cap="flat" cmpd="sng" algn="ctr">
+                      <a:solidFill>
+                        <a:schemeClr val="tx1"/>
+                      </a:solidFill>
+                      <a:prstDash val="solid"/>
+                      <a:round/>
+                      <a:headEnd type="none" w="med" len="med"/>
+                      <a:tailEnd type="none" w="med" len="med"/>
+                    </a:lnB>
+                    <a:lnTlToBr w="12700" cmpd="sng">
+                      <a:noFill/>
+                      <a:prstDash val="solid"/>
+                    </a:lnTlToBr>
+                    <a:lnBlToTr w="12700" cmpd="sng">
+                      <a:noFill/>
+                      <a:prstDash val="solid"/>
+                    </a:lnBlToTr>
+                    <a:solidFill>
+                      <a:schemeClr val="accent2">
+                        <a:lumMod val="75000"/>
+                      </a:schemeClr>
+                    </a:solidFill>
+                  </a:tcPr>
+                </a:tc>
+                <a:tc>
+                  <a:txBody>
+                    <a:bodyPr/>
+                    <a:lstStyle/>
+                    <a:p>
+                      <a:pPr algn="ctr"/>
+                      <a:r>
+                        <a:rPr lang="nl-NL" dirty="0"/>
+                        <a:t>Werken</a:t>
+                      </a:r>
+                    </a:p>
+                  </a:txBody>
+                  <a:tcPr anchor="ctr">
+                    <a:lnL w="12700" cap="flat" cmpd="sng" algn="ctr">
+                      <a:solidFill>
+                        <a:schemeClr val="tx1"/>
+                      </a:solidFill>
+                      <a:prstDash val="solid"/>
+                      <a:round/>
+                      <a:headEnd type="none" w="med" len="med"/>
+                      <a:tailEnd type="none" w="med" len="med"/>
+                    </a:lnL>
+                    <a:lnR w="12700" cap="flat" cmpd="sng" algn="ctr">
+                      <a:solidFill>
+                        <a:schemeClr val="tx1"/>
+                      </a:solidFill>
+                      <a:prstDash val="solid"/>
+                      <a:round/>
+                      <a:headEnd type="none" w="med" len="med"/>
+                      <a:tailEnd type="none" w="med" len="med"/>
+                    </a:lnR>
+                    <a:lnT w="12700" cap="flat" cmpd="sng" algn="ctr">
+                      <a:solidFill>
+                        <a:schemeClr val="tx1"/>
+                      </a:solidFill>
+                      <a:prstDash val="solid"/>
+                      <a:round/>
+                      <a:headEnd type="none" w="med" len="med"/>
+                      <a:tailEnd type="none" w="med" len="med"/>
+                    </a:lnT>
+                    <a:lnB w="12700" cap="flat" cmpd="sng" algn="ctr">
+                      <a:solidFill>
+                        <a:schemeClr val="tx1"/>
+                      </a:solidFill>
+                      <a:prstDash val="solid"/>
+                      <a:round/>
+                      <a:headEnd type="none" w="med" len="med"/>
+                      <a:tailEnd type="none" w="med" len="med"/>
+                    </a:lnB>
+                    <a:lnTlToBr w="12700" cmpd="sng">
+                      <a:noFill/>
+                      <a:prstDash val="solid"/>
+                    </a:lnTlToBr>
+                    <a:lnBlToTr w="12700" cmpd="sng">
+                      <a:noFill/>
+                      <a:prstDash val="solid"/>
+                    </a:lnBlToTr>
+                    <a:solidFill>
+                      <a:schemeClr val="accent1">
+                        <a:lumMod val="40000"/>
+                        <a:lumOff val="60000"/>
+                      </a:schemeClr>
+                    </a:solidFill>
+                  </a:tcPr>
+                </a:tc>
+                <a:extLst>
+                  <a:ext uri="{0D108BD9-81ED-4DB2-BD59-A6C34878D82A}">
+                    <a16:rowId xmlns:a16="http://schemas.microsoft.com/office/drawing/2014/main" val="967151873"/>
+                  </a:ext>
+                </a:extLst>
+              </a:tr>
+            </a:tbl>
+          </a:graphicData>
+        </a:graphic>
+      </p:graphicFrame>
       <p:sp>
         <p:nvSpPr>
-          <p:cNvPr id="8" name="Rechthoek 7">
+          <p:cNvPr id="69" name="Rechthoek 68">
             <a:extLst>
               <a:ext uri="{FF2B5EF4-FFF2-40B4-BE49-F238E27FC236}">
-                <a16:creationId xmlns:a16="http://schemas.microsoft.com/office/drawing/2014/main" id="{137C5069-9DEF-760E-BA53-35B196B6C208}"/>
+                <a16:creationId xmlns:a16="http://schemas.microsoft.com/office/drawing/2014/main" id="{8AC19E99-F8BE-AC95-D1A7-E32299718CF1}"/>
               </a:ext>
             </a:extLst>
           </p:cNvPr>
@@ -3828,12 +5668,15 @@
         </p:nvSpPr>
         <p:spPr>
           <a:xfrm>
-            <a:off x="2942027" y="4609342"/>
-            <a:ext cx="1041568" cy="635841"/>
+            <a:off x="161311" y="5403303"/>
+            <a:ext cx="1451104" cy="1325563"/>
           </a:xfrm>
           <a:prstGeom prst="rect">
             <a:avLst/>
           </a:prstGeom>
+          <a:solidFill>
+            <a:schemeClr val="bg1"/>
+          </a:solidFill>
         </p:spPr>
         <p:style>
           <a:lnRef idx="2">
@@ -3857,16 +5700,61 @@
           <a:p>
             <a:pPr algn="ctr"/>
             <a:r>
-              <a:rPr lang="nl-NL" dirty="0"/>
-              <a:t>Tank Station</a:t>
-            </a:r>
+              <a:rPr lang="nl-NL" dirty="0" err="1">
+                <a:solidFill>
+                  <a:schemeClr val="tx1"/>
+                </a:solidFill>
+              </a:rPr>
+              <a:t>GameLoop</a:t>
+            </a:r>
+            <a:endParaRPr lang="nl-NL" dirty="0">
+              <a:solidFill>
+                <a:schemeClr val="tx1"/>
+              </a:solidFill>
+            </a:endParaRPr>
+          </a:p>
+          <a:p>
+            <a:pPr algn="ctr"/>
+            <a:endParaRPr lang="nl-NL" dirty="0">
+              <a:solidFill>
+                <a:schemeClr val="tx1"/>
+              </a:solidFill>
+            </a:endParaRPr>
+          </a:p>
+          <a:p>
+            <a:pPr algn="ctr"/>
+            <a:r>
+              <a:rPr lang="nl-NL" dirty="0">
+                <a:solidFill>
+                  <a:schemeClr val="tx1"/>
+                </a:solidFill>
+              </a:rPr>
+              <a:t>Start (Klik)</a:t>
+            </a:r>
+          </a:p>
+          <a:p>
+            <a:pPr algn="ctr"/>
+            <a:r>
+              <a:rPr lang="nl-NL" dirty="0">
+                <a:solidFill>
+                  <a:schemeClr val="tx1"/>
+                </a:solidFill>
+                <a:hlinkClick r:id="rId2" action="ppaction://hlinksldjump"/>
+              </a:rPr>
+              <a:t>Skip</a:t>
+            </a:r>
+            <a:endParaRPr lang="nl-NL" dirty="0">
+              <a:solidFill>
+                <a:schemeClr val="tx1"/>
+              </a:solidFill>
+            </a:endParaRPr>
           </a:p>
         </p:txBody>
       </p:sp>
     </p:spTree>
     <p:extLst>
       <p:ext uri="{BB962C8B-B14F-4D97-AF65-F5344CB8AC3E}">
-        <p14:creationId xmlns:p14="http://schemas.microsoft.com/office/powerpoint/2010/main" val="2668592944"/>
+        <p14:creationId xmlns:p14="http://schemas.microsoft.com/office/powerpoint/2010/main" val="1088748114"/>
       </p:ext>
     </p:extLst>
   </p:cSld>
@@ -3916,85 +5804,1182 @@
           <a:p>
             <a:r>
               <a:rPr lang="nl-NL" dirty="0"/>
-              <a:t>Idee 2… </a:t>
+              <a:t>Mechanic Loop</a:t>
             </a:r>
           </a:p>
         </p:txBody>
       </p:sp>
       <p:sp>
         <p:nvSpPr>
-          <p:cNvPr id="3" name="Tijdelijke aanduiding voor inhoud 2">
+          <p:cNvPr id="5" name="Ovaal 4">
             <a:extLst>
               <a:ext uri="{FF2B5EF4-FFF2-40B4-BE49-F238E27FC236}">
-                <a16:creationId xmlns:a16="http://schemas.microsoft.com/office/drawing/2014/main" id="{D713CE35-95EF-0230-80E2-E12CA6841860}"/>
+                <a16:creationId xmlns:a16="http://schemas.microsoft.com/office/drawing/2014/main" id="{8AB01AF1-753F-F353-6CB2-75D22A36157C}"/>
               </a:ext>
             </a:extLst>
           </p:cNvPr>
-          <p:cNvSpPr>
-            <a:spLocks noGrp="1"/>
-          </p:cNvSpPr>
-          <p:nvPr>
-            <p:ph idx="1"/>
-          </p:nvPr>
+          <p:cNvSpPr/>
+          <p:nvPr/>
         </p:nvSpPr>
-        <p:spPr/>
+        <p:spPr>
+          <a:xfrm>
+            <a:off x="2093227" y="6011830"/>
+            <a:ext cx="1739984" cy="551063"/>
+          </a:xfrm>
+          <a:prstGeom prst="ellipse">
+            <a:avLst/>
+          </a:prstGeom>
+        </p:spPr>
+        <p:style>
+          <a:lnRef idx="2">
+            <a:schemeClr val="accent1">
+              <a:shade val="15000"/>
+            </a:schemeClr>
+          </a:lnRef>
+          <a:fillRef idx="1">
+            <a:schemeClr val="accent1"/>
+          </a:fillRef>
+          <a:effectRef idx="0">
+            <a:schemeClr val="accent1"/>
+          </a:effectRef>
+          <a:fontRef idx="minor">
+            <a:schemeClr val="lt1"/>
+          </a:fontRef>
+        </p:style>
         <p:txBody>
-          <a:bodyPr/>
+          <a:bodyPr rtlCol="0" anchor="ctr"/>
           <a:lstStyle/>
           <a:p>
-            <a:r>
-              <a:rPr lang="nl-NL" b="0" i="1" dirty="0" err="1">
-                <a:solidFill>
-                  <a:srgbClr val="150958"/>
-                </a:solidFill>
-                <a:effectLst/>
-                <a:latin typeface="Lato Extended"/>
-              </a:rPr>
-              <a:t>Decorator</a:t>
-            </a:r>
-            <a:endParaRPr lang="nl-NL" b="0" i="1" dirty="0">
-              <a:solidFill>
-                <a:srgbClr val="150958"/>
-              </a:solidFill>
-              <a:effectLst/>
-              <a:latin typeface="Lato Extended"/>
-            </a:endParaRPr>
-          </a:p>
-          <a:p>
-            <a:r>
-              <a:rPr lang="nl-NL" i="1" dirty="0">
-                <a:solidFill>
-                  <a:srgbClr val="150958"/>
-                </a:solidFill>
-                <a:latin typeface="Lato Extended"/>
-              </a:rPr>
-              <a:t>Object pool</a:t>
-            </a:r>
-          </a:p>
-          <a:p>
-            <a:endParaRPr lang="nl-NL" b="0" i="1" dirty="0">
-              <a:solidFill>
-                <a:srgbClr val="150958"/>
-              </a:solidFill>
-              <a:effectLst/>
-              <a:latin typeface="Lato Extended"/>
-            </a:endParaRPr>
-          </a:p>
-          <a:p>
-            <a:endParaRPr lang="nl-NL" dirty="0"/>
+            <a:pPr algn="ctr"/>
+            <a:r>
+              <a:rPr lang="nl-NL" sz="1400" dirty="0"/>
+              <a:t>administrator</a:t>
+            </a:r>
           </a:p>
         </p:txBody>
       </p:sp>
+      <p:graphicFrame>
+        <p:nvGraphicFramePr>
+          <p:cNvPr id="12" name="Tabel 12">
+            <a:extLst>
+              <a:ext uri="{FF2B5EF4-FFF2-40B4-BE49-F238E27FC236}">
+                <a16:creationId xmlns:a16="http://schemas.microsoft.com/office/drawing/2014/main" id="{90DF0F19-6C6A-0B54-FB6B-2A199F8F4272}"/>
+              </a:ext>
+            </a:extLst>
+          </p:cNvPr>
+          <p:cNvGraphicFramePr>
+            <a:graphicFrameLocks noGrp="1"/>
+          </p:cNvGraphicFramePr>
+          <p:nvPr/>
+        </p:nvGraphicFramePr>
+        <p:xfrm>
+          <a:off x="1096070" y="1697749"/>
+          <a:ext cx="10368000" cy="370840"/>
+        </p:xfrm>
+        <a:graphic>
+          <a:graphicData uri="http://schemas.openxmlformats.org/drawingml/2006/table">
+            <a:tbl>
+              <a:tblPr firstRow="1" bandRow="1">
+                <a:tableStyleId>{5C22544A-7EE6-4342-B048-85BDC9FD1C3A}</a:tableStyleId>
+              </a:tblPr>
+              <a:tblGrid>
+                <a:gridCol w="432000">
+                  <a:extLst>
+                    <a:ext uri="{9D8B030D-6E8A-4147-A177-3AD203B41FA5}">
+                      <a16:colId xmlns:a16="http://schemas.microsoft.com/office/drawing/2014/main" val="460867451"/>
+                    </a:ext>
+                  </a:extLst>
+                </a:gridCol>
+                <a:gridCol w="432000">
+                  <a:extLst>
+                    <a:ext uri="{9D8B030D-6E8A-4147-A177-3AD203B41FA5}">
+                      <a16:colId xmlns:a16="http://schemas.microsoft.com/office/drawing/2014/main" val="2445409952"/>
+                    </a:ext>
+                  </a:extLst>
+                </a:gridCol>
+                <a:gridCol w="432000">
+                  <a:extLst>
+                    <a:ext uri="{9D8B030D-6E8A-4147-A177-3AD203B41FA5}">
+                      <a16:colId xmlns:a16="http://schemas.microsoft.com/office/drawing/2014/main" val="2151682526"/>
+                    </a:ext>
+                  </a:extLst>
+                </a:gridCol>
+                <a:gridCol w="432000">
+                  <a:extLst>
+                    <a:ext uri="{9D8B030D-6E8A-4147-A177-3AD203B41FA5}">
+                      <a16:colId xmlns:a16="http://schemas.microsoft.com/office/drawing/2014/main" val="2382324935"/>
+                    </a:ext>
+                  </a:extLst>
+                </a:gridCol>
+                <a:gridCol w="432000">
+                  <a:extLst>
+                    <a:ext uri="{9D8B030D-6E8A-4147-A177-3AD203B41FA5}">
+                      <a16:colId xmlns:a16="http://schemas.microsoft.com/office/drawing/2014/main" val="2873017439"/>
+                    </a:ext>
+                  </a:extLst>
+                </a:gridCol>
+                <a:gridCol w="432000">
+                  <a:extLst>
+                    <a:ext uri="{9D8B030D-6E8A-4147-A177-3AD203B41FA5}">
+                      <a16:colId xmlns:a16="http://schemas.microsoft.com/office/drawing/2014/main" val="1741584497"/>
+                    </a:ext>
+                  </a:extLst>
+                </a:gridCol>
+                <a:gridCol w="432000">
+                  <a:extLst>
+                    <a:ext uri="{9D8B030D-6E8A-4147-A177-3AD203B41FA5}">
+                      <a16:colId xmlns:a16="http://schemas.microsoft.com/office/drawing/2014/main" val="4276133532"/>
+                    </a:ext>
+                  </a:extLst>
+                </a:gridCol>
+                <a:gridCol w="432000">
+                  <a:extLst>
+                    <a:ext uri="{9D8B030D-6E8A-4147-A177-3AD203B41FA5}">
+                      <a16:colId xmlns:a16="http://schemas.microsoft.com/office/drawing/2014/main" val="2278394597"/>
+                    </a:ext>
+                  </a:extLst>
+                </a:gridCol>
+                <a:gridCol w="432000">
+                  <a:extLst>
+                    <a:ext uri="{9D8B030D-6E8A-4147-A177-3AD203B41FA5}">
+                      <a16:colId xmlns:a16="http://schemas.microsoft.com/office/drawing/2014/main" val="1733189475"/>
+                    </a:ext>
+                  </a:extLst>
+                </a:gridCol>
+                <a:gridCol w="432000">
+                  <a:extLst>
+                    <a:ext uri="{9D8B030D-6E8A-4147-A177-3AD203B41FA5}">
+                      <a16:colId xmlns:a16="http://schemas.microsoft.com/office/drawing/2014/main" val="3743190557"/>
+                    </a:ext>
+                  </a:extLst>
+                </a:gridCol>
+                <a:gridCol w="432000">
+                  <a:extLst>
+                    <a:ext uri="{9D8B030D-6E8A-4147-A177-3AD203B41FA5}">
+                      <a16:colId xmlns:a16="http://schemas.microsoft.com/office/drawing/2014/main" val="4150562113"/>
+                    </a:ext>
+                  </a:extLst>
+                </a:gridCol>
+                <a:gridCol w="432000">
+                  <a:extLst>
+                    <a:ext uri="{9D8B030D-6E8A-4147-A177-3AD203B41FA5}">
+                      <a16:colId xmlns:a16="http://schemas.microsoft.com/office/drawing/2014/main" val="154336766"/>
+                    </a:ext>
+                  </a:extLst>
+                </a:gridCol>
+                <a:gridCol w="432000">
+                  <a:extLst>
+                    <a:ext uri="{9D8B030D-6E8A-4147-A177-3AD203B41FA5}">
+                      <a16:colId xmlns:a16="http://schemas.microsoft.com/office/drawing/2014/main" val="1830339965"/>
+                    </a:ext>
+                  </a:extLst>
+                </a:gridCol>
+                <a:gridCol w="432000">
+                  <a:extLst>
+                    <a:ext uri="{9D8B030D-6E8A-4147-A177-3AD203B41FA5}">
+                      <a16:colId xmlns:a16="http://schemas.microsoft.com/office/drawing/2014/main" val="440132147"/>
+                    </a:ext>
+                  </a:extLst>
+                </a:gridCol>
+                <a:gridCol w="432000">
+                  <a:extLst>
+                    <a:ext uri="{9D8B030D-6E8A-4147-A177-3AD203B41FA5}">
+                      <a16:colId xmlns:a16="http://schemas.microsoft.com/office/drawing/2014/main" val="2467063404"/>
+                    </a:ext>
+                  </a:extLst>
+                </a:gridCol>
+                <a:gridCol w="432000">
+                  <a:extLst>
+                    <a:ext uri="{9D8B030D-6E8A-4147-A177-3AD203B41FA5}">
+                      <a16:colId xmlns:a16="http://schemas.microsoft.com/office/drawing/2014/main" val="303654098"/>
+                    </a:ext>
+                  </a:extLst>
+                </a:gridCol>
+                <a:gridCol w="432000">
+                  <a:extLst>
+                    <a:ext uri="{9D8B030D-6E8A-4147-A177-3AD203B41FA5}">
+                      <a16:colId xmlns:a16="http://schemas.microsoft.com/office/drawing/2014/main" val="3019911133"/>
+                    </a:ext>
+                  </a:extLst>
+                </a:gridCol>
+                <a:gridCol w="432000">
+                  <a:extLst>
+                    <a:ext uri="{9D8B030D-6E8A-4147-A177-3AD203B41FA5}">
+                      <a16:colId xmlns:a16="http://schemas.microsoft.com/office/drawing/2014/main" val="728792809"/>
+                    </a:ext>
+                  </a:extLst>
+                </a:gridCol>
+                <a:gridCol w="432000">
+                  <a:extLst>
+                    <a:ext uri="{9D8B030D-6E8A-4147-A177-3AD203B41FA5}">
+                      <a16:colId xmlns:a16="http://schemas.microsoft.com/office/drawing/2014/main" val="3547418016"/>
+                    </a:ext>
+                  </a:extLst>
+                </a:gridCol>
+                <a:gridCol w="432000">
+                  <a:extLst>
+                    <a:ext uri="{9D8B030D-6E8A-4147-A177-3AD203B41FA5}">
+                      <a16:colId xmlns:a16="http://schemas.microsoft.com/office/drawing/2014/main" val="2635663454"/>
+                    </a:ext>
+                  </a:extLst>
+                </a:gridCol>
+                <a:gridCol w="432000">
+                  <a:extLst>
+                    <a:ext uri="{9D8B030D-6E8A-4147-A177-3AD203B41FA5}">
+                      <a16:colId xmlns:a16="http://schemas.microsoft.com/office/drawing/2014/main" val="1010602919"/>
+                    </a:ext>
+                  </a:extLst>
+                </a:gridCol>
+                <a:gridCol w="432000">
+                  <a:extLst>
+                    <a:ext uri="{9D8B030D-6E8A-4147-A177-3AD203B41FA5}">
+                      <a16:colId xmlns:a16="http://schemas.microsoft.com/office/drawing/2014/main" val="1181440095"/>
+                    </a:ext>
+                  </a:extLst>
+                </a:gridCol>
+                <a:gridCol w="432000">
+                  <a:extLst>
+                    <a:ext uri="{9D8B030D-6E8A-4147-A177-3AD203B41FA5}">
+                      <a16:colId xmlns:a16="http://schemas.microsoft.com/office/drawing/2014/main" val="4137236235"/>
+                    </a:ext>
+                  </a:extLst>
+                </a:gridCol>
+                <a:gridCol w="432000">
+                  <a:extLst>
+                    <a:ext uri="{9D8B030D-6E8A-4147-A177-3AD203B41FA5}">
+                      <a16:colId xmlns:a16="http://schemas.microsoft.com/office/drawing/2014/main" val="1918653240"/>
+                    </a:ext>
+                  </a:extLst>
+                </a:gridCol>
+              </a:tblGrid>
+              <a:tr h="370840">
+                <a:tc>
+                  <a:txBody>
+                    <a:bodyPr/>
+                    <a:lstStyle/>
+                    <a:p>
+                      <a:pPr algn="ctr"/>
+                      <a:r>
+                        <a:rPr lang="nl-NL" dirty="0"/>
+                        <a:t>1</a:t>
+                      </a:r>
+                    </a:p>
+                  </a:txBody>
+                  <a:tcPr anchor="ctr">
+                    <a:solidFill>
+                      <a:srgbClr val="002060"/>
+                    </a:solidFill>
+                  </a:tcPr>
+                </a:tc>
+                <a:tc>
+                  <a:txBody>
+                    <a:bodyPr/>
+                    <a:lstStyle/>
+                    <a:p>
+                      <a:pPr algn="ctr"/>
+                      <a:r>
+                        <a:rPr lang="nl-NL" dirty="0"/>
+                        <a:t>2</a:t>
+                      </a:r>
+                    </a:p>
+                  </a:txBody>
+                  <a:tcPr anchor="ctr">
+                    <a:solidFill>
+                      <a:srgbClr val="002060"/>
+                    </a:solidFill>
+                  </a:tcPr>
+                </a:tc>
+                <a:tc>
+                  <a:txBody>
+                    <a:bodyPr/>
+                    <a:lstStyle/>
+                    <a:p>
+                      <a:pPr algn="ctr"/>
+                      <a:r>
+                        <a:rPr lang="nl-NL" dirty="0"/>
+                        <a:t>3</a:t>
+                      </a:r>
+                    </a:p>
+                  </a:txBody>
+                  <a:tcPr anchor="ctr">
+                    <a:solidFill>
+                      <a:srgbClr val="002060"/>
+                    </a:solidFill>
+                  </a:tcPr>
+                </a:tc>
+                <a:tc>
+                  <a:txBody>
+                    <a:bodyPr/>
+                    <a:lstStyle/>
+                    <a:p>
+                      <a:pPr algn="ctr"/>
+                      <a:r>
+                        <a:rPr lang="nl-NL" dirty="0"/>
+                        <a:t>4</a:t>
+                      </a:r>
+                    </a:p>
+                  </a:txBody>
+                  <a:tcPr anchor="ctr">
+                    <a:solidFill>
+                      <a:srgbClr val="002060"/>
+                    </a:solidFill>
+                  </a:tcPr>
+                </a:tc>
+                <a:tc>
+                  <a:txBody>
+                    <a:bodyPr/>
+                    <a:lstStyle/>
+                    <a:p>
+                      <a:pPr algn="ctr"/>
+                      <a:r>
+                        <a:rPr lang="nl-NL" dirty="0"/>
+                        <a:t>5</a:t>
+                      </a:r>
+                    </a:p>
+                  </a:txBody>
+                  <a:tcPr anchor="ctr">
+                    <a:solidFill>
+                      <a:srgbClr val="002060"/>
+                    </a:solidFill>
+                  </a:tcPr>
+                </a:tc>
+                <a:tc>
+                  <a:txBody>
+                    <a:bodyPr/>
+                    <a:lstStyle/>
+                    <a:p>
+                      <a:pPr algn="ctr"/>
+                      <a:r>
+                        <a:rPr lang="nl-NL" dirty="0"/>
+                        <a:t>6</a:t>
+                      </a:r>
+                    </a:p>
+                  </a:txBody>
+                  <a:tcPr anchor="ctr">
+                    <a:solidFill>
+                      <a:srgbClr val="002060"/>
+                    </a:solidFill>
+                  </a:tcPr>
+                </a:tc>
+                <a:tc>
+                  <a:txBody>
+                    <a:bodyPr/>
+                    <a:lstStyle/>
+                    <a:p>
+                      <a:pPr algn="ctr"/>
+                      <a:r>
+                        <a:rPr lang="nl-NL" dirty="0"/>
+                        <a:t>7</a:t>
+                      </a:r>
+                    </a:p>
+                  </a:txBody>
+                  <a:tcPr anchor="ctr">
+                    <a:solidFill>
+                      <a:srgbClr val="002060"/>
+                    </a:solidFill>
+                  </a:tcPr>
+                </a:tc>
+                <a:tc>
+                  <a:txBody>
+                    <a:bodyPr/>
+                    <a:lstStyle/>
+                    <a:p>
+                      <a:pPr algn="ctr"/>
+                      <a:r>
+                        <a:rPr lang="nl-NL" dirty="0"/>
+                        <a:t>8</a:t>
+                      </a:r>
+                    </a:p>
+                  </a:txBody>
+                  <a:tcPr anchor="ctr">
+                    <a:solidFill>
+                      <a:srgbClr val="002060"/>
+                    </a:solidFill>
+                  </a:tcPr>
+                </a:tc>
+                <a:tc>
+                  <a:txBody>
+                    <a:bodyPr/>
+                    <a:lstStyle/>
+                    <a:p>
+                      <a:pPr algn="ctr"/>
+                      <a:r>
+                        <a:rPr lang="nl-NL" dirty="0"/>
+                        <a:t>9</a:t>
+                      </a:r>
+                    </a:p>
+                  </a:txBody>
+                  <a:tcPr anchor="ctr">
+                    <a:solidFill>
+                      <a:srgbClr val="002060"/>
+                    </a:solidFill>
+                  </a:tcPr>
+                </a:tc>
+                <a:tc>
+                  <a:txBody>
+                    <a:bodyPr/>
+                    <a:lstStyle/>
+                    <a:p>
+                      <a:pPr algn="ctr"/>
+                      <a:r>
+                        <a:rPr lang="nl-NL" dirty="0"/>
+                        <a:t>10</a:t>
+                      </a:r>
+                    </a:p>
+                  </a:txBody>
+                  <a:tcPr anchor="ctr">
+                    <a:solidFill>
+                      <a:srgbClr val="002060"/>
+                    </a:solidFill>
+                  </a:tcPr>
+                </a:tc>
+                <a:tc>
+                  <a:txBody>
+                    <a:bodyPr/>
+                    <a:lstStyle/>
+                    <a:p>
+                      <a:pPr algn="ctr"/>
+                      <a:r>
+                        <a:rPr lang="nl-NL" dirty="0"/>
+                        <a:t>11</a:t>
+                      </a:r>
+                    </a:p>
+                  </a:txBody>
+                  <a:tcPr anchor="ctr">
+                    <a:solidFill>
+                      <a:srgbClr val="002060"/>
+                    </a:solidFill>
+                  </a:tcPr>
+                </a:tc>
+                <a:tc>
+                  <a:txBody>
+                    <a:bodyPr/>
+                    <a:lstStyle/>
+                    <a:p>
+                      <a:pPr algn="ctr"/>
+                      <a:r>
+                        <a:rPr lang="nl-NL" dirty="0"/>
+                        <a:t>12</a:t>
+                      </a:r>
+                    </a:p>
+                  </a:txBody>
+                  <a:tcPr anchor="ctr">
+                    <a:solidFill>
+                      <a:srgbClr val="002060"/>
+                    </a:solidFill>
+                  </a:tcPr>
+                </a:tc>
+                <a:tc>
+                  <a:txBody>
+                    <a:bodyPr/>
+                    <a:lstStyle/>
+                    <a:p>
+                      <a:pPr algn="ctr"/>
+                      <a:r>
+                        <a:rPr lang="nl-NL" dirty="0"/>
+                        <a:t>13</a:t>
+                      </a:r>
+                    </a:p>
+                  </a:txBody>
+                  <a:tcPr anchor="ctr">
+                    <a:solidFill>
+                      <a:srgbClr val="002060"/>
+                    </a:solidFill>
+                  </a:tcPr>
+                </a:tc>
+                <a:tc>
+                  <a:txBody>
+                    <a:bodyPr/>
+                    <a:lstStyle/>
+                    <a:p>
+                      <a:pPr algn="ctr"/>
+                      <a:r>
+                        <a:rPr lang="nl-NL" dirty="0"/>
+                        <a:t>14</a:t>
+                      </a:r>
+                    </a:p>
+                  </a:txBody>
+                  <a:tcPr anchor="ctr">
+                    <a:solidFill>
+                      <a:srgbClr val="002060"/>
+                    </a:solidFill>
+                  </a:tcPr>
+                </a:tc>
+                <a:tc>
+                  <a:txBody>
+                    <a:bodyPr/>
+                    <a:lstStyle/>
+                    <a:p>
+                      <a:pPr algn="ctr"/>
+                      <a:r>
+                        <a:rPr lang="nl-NL" dirty="0"/>
+                        <a:t>15</a:t>
+                      </a:r>
+                    </a:p>
+                  </a:txBody>
+                  <a:tcPr anchor="ctr">
+                    <a:solidFill>
+                      <a:srgbClr val="002060"/>
+                    </a:solidFill>
+                  </a:tcPr>
+                </a:tc>
+                <a:tc>
+                  <a:txBody>
+                    <a:bodyPr/>
+                    <a:lstStyle/>
+                    <a:p>
+                      <a:pPr algn="ctr"/>
+                      <a:r>
+                        <a:rPr lang="nl-NL" dirty="0"/>
+                        <a:t>16</a:t>
+                      </a:r>
+                    </a:p>
+                  </a:txBody>
+                  <a:tcPr anchor="ctr">
+                    <a:solidFill>
+                      <a:srgbClr val="002060"/>
+                    </a:solidFill>
+                  </a:tcPr>
+                </a:tc>
+                <a:tc>
+                  <a:txBody>
+                    <a:bodyPr/>
+                    <a:lstStyle/>
+                    <a:p>
+                      <a:pPr algn="ctr"/>
+                      <a:r>
+                        <a:rPr lang="nl-NL" dirty="0"/>
+                        <a:t>17</a:t>
+                      </a:r>
+                    </a:p>
+                  </a:txBody>
+                  <a:tcPr anchor="ctr">
+                    <a:solidFill>
+                      <a:srgbClr val="002060"/>
+                    </a:solidFill>
+                  </a:tcPr>
+                </a:tc>
+                <a:tc>
+                  <a:txBody>
+                    <a:bodyPr/>
+                    <a:lstStyle/>
+                    <a:p>
+                      <a:pPr algn="ctr"/>
+                      <a:r>
+                        <a:rPr lang="nl-NL" dirty="0"/>
+                        <a:t>18</a:t>
+                      </a:r>
+                    </a:p>
+                  </a:txBody>
+                  <a:tcPr anchor="ctr">
+                    <a:solidFill>
+                      <a:srgbClr val="002060"/>
+                    </a:solidFill>
+                  </a:tcPr>
+                </a:tc>
+                <a:tc>
+                  <a:txBody>
+                    <a:bodyPr/>
+                    <a:lstStyle/>
+                    <a:p>
+                      <a:pPr algn="ctr"/>
+                      <a:r>
+                        <a:rPr lang="nl-NL" dirty="0"/>
+                        <a:t>19</a:t>
+                      </a:r>
+                    </a:p>
+                  </a:txBody>
+                  <a:tcPr anchor="ctr">
+                    <a:solidFill>
+                      <a:srgbClr val="002060"/>
+                    </a:solidFill>
+                  </a:tcPr>
+                </a:tc>
+                <a:tc>
+                  <a:txBody>
+                    <a:bodyPr/>
+                    <a:lstStyle/>
+                    <a:p>
+                      <a:pPr algn="ctr"/>
+                      <a:r>
+                        <a:rPr lang="nl-NL" dirty="0"/>
+                        <a:t>20</a:t>
+                      </a:r>
+                    </a:p>
+                  </a:txBody>
+                  <a:tcPr anchor="ctr">
+                    <a:solidFill>
+                      <a:srgbClr val="002060"/>
+                    </a:solidFill>
+                  </a:tcPr>
+                </a:tc>
+                <a:tc>
+                  <a:txBody>
+                    <a:bodyPr/>
+                    <a:lstStyle/>
+                    <a:p>
+                      <a:pPr algn="ctr"/>
+                      <a:r>
+                        <a:rPr lang="nl-NL" dirty="0"/>
+                        <a:t>21</a:t>
+                      </a:r>
+                    </a:p>
+                  </a:txBody>
+                  <a:tcPr anchor="ctr">
+                    <a:solidFill>
+                      <a:srgbClr val="002060"/>
+                    </a:solidFill>
+                  </a:tcPr>
+                </a:tc>
+                <a:tc>
+                  <a:txBody>
+                    <a:bodyPr/>
+                    <a:lstStyle/>
+                    <a:p>
+                      <a:pPr algn="ctr"/>
+                      <a:r>
+                        <a:rPr lang="nl-NL" dirty="0"/>
+                        <a:t>22</a:t>
+                      </a:r>
+                    </a:p>
+                  </a:txBody>
+                  <a:tcPr anchor="ctr">
+                    <a:solidFill>
+                      <a:srgbClr val="002060"/>
+                    </a:solidFill>
+                  </a:tcPr>
+                </a:tc>
+                <a:tc>
+                  <a:txBody>
+                    <a:bodyPr/>
+                    <a:lstStyle/>
+                    <a:p>
+                      <a:pPr algn="ctr"/>
+                      <a:r>
+                        <a:rPr lang="nl-NL" dirty="0"/>
+                        <a:t>23</a:t>
+                      </a:r>
+                    </a:p>
+                  </a:txBody>
+                  <a:tcPr anchor="ctr">
+                    <a:solidFill>
+                      <a:srgbClr val="002060"/>
+                    </a:solidFill>
+                  </a:tcPr>
+                </a:tc>
+                <a:tc>
+                  <a:txBody>
+                    <a:bodyPr/>
+                    <a:lstStyle/>
+                    <a:p>
+                      <a:pPr algn="ctr"/>
+                      <a:r>
+                        <a:rPr lang="nl-NL" dirty="0"/>
+                        <a:t>24</a:t>
+                      </a:r>
+                    </a:p>
+                  </a:txBody>
+                  <a:tcPr anchor="ctr">
+                    <a:solidFill>
+                      <a:srgbClr val="002060"/>
+                    </a:solidFill>
+                  </a:tcPr>
+                </a:tc>
+                <a:extLst>
+                  <a:ext uri="{0D108BD9-81ED-4DB2-BD59-A6C34878D82A}">
+                    <a16:rowId xmlns:a16="http://schemas.microsoft.com/office/drawing/2014/main" val="1216731237"/>
+                  </a:ext>
+                </a:extLst>
+              </a:tr>
+            </a:tbl>
+          </a:graphicData>
+        </a:graphic>
+      </p:graphicFrame>
+      <p:sp>
+        <p:nvSpPr>
+          <p:cNvPr id="14" name="Ovaal 13">
+            <a:extLst>
+              <a:ext uri="{FF2B5EF4-FFF2-40B4-BE49-F238E27FC236}">
+                <a16:creationId xmlns:a16="http://schemas.microsoft.com/office/drawing/2014/main" id="{675C6C1F-3CC7-3900-2CC5-8E31F8DECAA2}"/>
+              </a:ext>
+            </a:extLst>
+          </p:cNvPr>
+          <p:cNvSpPr/>
+          <p:nvPr/>
+        </p:nvSpPr>
+        <p:spPr>
+          <a:xfrm>
+            <a:off x="2093228" y="5310509"/>
+            <a:ext cx="1739983" cy="551063"/>
+          </a:xfrm>
+          <a:prstGeom prst="ellipse">
+            <a:avLst/>
+          </a:prstGeom>
+        </p:spPr>
+        <p:style>
+          <a:lnRef idx="2">
+            <a:schemeClr val="accent1">
+              <a:shade val="15000"/>
+            </a:schemeClr>
+          </a:lnRef>
+          <a:fillRef idx="1">
+            <a:schemeClr val="accent1"/>
+          </a:fillRef>
+          <a:effectRef idx="0">
+            <a:schemeClr val="accent1"/>
+          </a:effectRef>
+          <a:fontRef idx="minor">
+            <a:schemeClr val="lt1"/>
+          </a:fontRef>
+        </p:style>
+        <p:txBody>
+          <a:bodyPr rtlCol="0" anchor="ctr"/>
+          <a:lstStyle/>
+          <a:p>
+            <a:pPr algn="ctr"/>
+            <a:r>
+              <a:rPr lang="nl-NL" sz="1400" dirty="0"/>
+              <a:t>bakker</a:t>
+            </a:r>
+            <a:endParaRPr lang="nl-NL" dirty="0"/>
+          </a:p>
+        </p:txBody>
+      </p:sp>
+      <p:sp>
+        <p:nvSpPr>
+          <p:cNvPr id="15" name="Ovaal 14">
+            <a:extLst>
+              <a:ext uri="{FF2B5EF4-FFF2-40B4-BE49-F238E27FC236}">
+                <a16:creationId xmlns:a16="http://schemas.microsoft.com/office/drawing/2014/main" id="{5F6AE8C7-4ED1-B6B3-10F0-66CFE368AF09}"/>
+              </a:ext>
+            </a:extLst>
+          </p:cNvPr>
+          <p:cNvSpPr/>
+          <p:nvPr/>
+        </p:nvSpPr>
+        <p:spPr>
+          <a:xfrm>
+            <a:off x="8342637" y="4609188"/>
+            <a:ext cx="1739983" cy="551063"/>
+          </a:xfrm>
+          <a:prstGeom prst="ellipse">
+            <a:avLst/>
+          </a:prstGeom>
+        </p:spPr>
+        <p:style>
+          <a:lnRef idx="2">
+            <a:schemeClr val="accent1">
+              <a:shade val="15000"/>
+            </a:schemeClr>
+          </a:lnRef>
+          <a:fillRef idx="1">
+            <a:schemeClr val="accent1"/>
+          </a:fillRef>
+          <a:effectRef idx="0">
+            <a:schemeClr val="accent1"/>
+          </a:effectRef>
+          <a:fontRef idx="minor">
+            <a:schemeClr val="lt1"/>
+          </a:fontRef>
+        </p:style>
+        <p:txBody>
+          <a:bodyPr rtlCol="0" anchor="ctr"/>
+          <a:lstStyle/>
+          <a:p>
+            <a:pPr algn="ctr"/>
+            <a:r>
+              <a:rPr lang="nl-NL" sz="1400" dirty="0"/>
+              <a:t>Tank Guy</a:t>
+            </a:r>
+            <a:endParaRPr lang="nl-NL" dirty="0"/>
+          </a:p>
+        </p:txBody>
+      </p:sp>
+      <p:sp>
+        <p:nvSpPr>
+          <p:cNvPr id="33" name="Pijl: omhoog 32">
+            <a:extLst>
+              <a:ext uri="{FF2B5EF4-FFF2-40B4-BE49-F238E27FC236}">
+                <a16:creationId xmlns:a16="http://schemas.microsoft.com/office/drawing/2014/main" id="{E37C0E73-3E6D-EAF5-44CA-BED27F5E330B}"/>
+              </a:ext>
+            </a:extLst>
+          </p:cNvPr>
+          <p:cNvSpPr/>
+          <p:nvPr/>
+        </p:nvSpPr>
+        <p:spPr>
+          <a:xfrm>
+            <a:off x="1180848" y="2075651"/>
+            <a:ext cx="230114" cy="205891"/>
+          </a:xfrm>
+          <a:prstGeom prst="upArrow">
+            <a:avLst/>
+          </a:prstGeom>
+        </p:spPr>
+        <p:style>
+          <a:lnRef idx="2">
+            <a:schemeClr val="accent1">
+              <a:shade val="15000"/>
+            </a:schemeClr>
+          </a:lnRef>
+          <a:fillRef idx="1">
+            <a:schemeClr val="accent1"/>
+          </a:fillRef>
+          <a:effectRef idx="0">
+            <a:schemeClr val="accent1"/>
+          </a:effectRef>
+          <a:fontRef idx="minor">
+            <a:schemeClr val="lt1"/>
+          </a:fontRef>
+        </p:style>
+        <p:txBody>
+          <a:bodyPr rtlCol="0" anchor="ctr"/>
+          <a:lstStyle/>
+          <a:p>
+            <a:pPr algn="ctr"/>
+            <a:endParaRPr lang="nl-NL"/>
+          </a:p>
+        </p:txBody>
+      </p:sp>
+      <p:graphicFrame>
+        <p:nvGraphicFramePr>
+          <p:cNvPr id="34" name="Tabel 10">
+            <a:extLst>
+              <a:ext uri="{FF2B5EF4-FFF2-40B4-BE49-F238E27FC236}">
+                <a16:creationId xmlns:a16="http://schemas.microsoft.com/office/drawing/2014/main" id="{D074D9D8-A9BF-3014-EBE5-B014C2CB35C9}"/>
+              </a:ext>
+            </a:extLst>
+          </p:cNvPr>
+          <p:cNvGraphicFramePr>
+            <a:graphicFrameLocks noGrp="1"/>
+          </p:cNvGraphicFramePr>
+          <p:nvPr/>
+        </p:nvGraphicFramePr>
+        <p:xfrm>
+          <a:off x="2032000" y="3590035"/>
+          <a:ext cx="8128000" cy="370840"/>
+        </p:xfrm>
+        <a:graphic>
+          <a:graphicData uri="http://schemas.openxmlformats.org/drawingml/2006/table">
+            <a:tbl>
+              <a:tblPr firstRow="1" bandRow="1">
+                <a:tableStyleId>{5C22544A-7EE6-4342-B048-85BDC9FD1C3A}</a:tableStyleId>
+              </a:tblPr>
+              <a:tblGrid>
+                <a:gridCol w="2032000">
+                  <a:extLst>
+                    <a:ext uri="{9D8B030D-6E8A-4147-A177-3AD203B41FA5}">
+                      <a16:colId xmlns:a16="http://schemas.microsoft.com/office/drawing/2014/main" val="82315092"/>
+                    </a:ext>
+                  </a:extLst>
+                </a:gridCol>
+                <a:gridCol w="2032000">
+                  <a:extLst>
+                    <a:ext uri="{9D8B030D-6E8A-4147-A177-3AD203B41FA5}">
+                      <a16:colId xmlns:a16="http://schemas.microsoft.com/office/drawing/2014/main" val="1038358519"/>
+                    </a:ext>
+                  </a:extLst>
+                </a:gridCol>
+                <a:gridCol w="2032000">
+                  <a:extLst>
+                    <a:ext uri="{9D8B030D-6E8A-4147-A177-3AD203B41FA5}">
+                      <a16:colId xmlns:a16="http://schemas.microsoft.com/office/drawing/2014/main" val="1603408932"/>
+                    </a:ext>
+                  </a:extLst>
+                </a:gridCol>
+                <a:gridCol w="2032000">
+                  <a:extLst>
+                    <a:ext uri="{9D8B030D-6E8A-4147-A177-3AD203B41FA5}">
+                      <a16:colId xmlns:a16="http://schemas.microsoft.com/office/drawing/2014/main" val="1176514278"/>
+                    </a:ext>
+                  </a:extLst>
+                </a:gridCol>
+              </a:tblGrid>
+              <a:tr h="370840">
+                <a:tc>
+                  <a:txBody>
+                    <a:bodyPr/>
+                    <a:lstStyle/>
+                    <a:p>
+                      <a:pPr algn="ctr"/>
+                      <a:r>
+                        <a:rPr lang="nl-NL" dirty="0"/>
+                        <a:t>Slapen</a:t>
+                      </a:r>
+                    </a:p>
+                  </a:txBody>
+                  <a:tcPr anchor="ctr">
+                    <a:lnL w="12700" cap="flat" cmpd="sng" algn="ctr">
+                      <a:solidFill>
+                        <a:schemeClr val="tx1"/>
+                      </a:solidFill>
+                      <a:prstDash val="solid"/>
+                      <a:round/>
+                      <a:headEnd type="none" w="med" len="med"/>
+                      <a:tailEnd type="none" w="med" len="med"/>
+                    </a:lnL>
+                    <a:lnR w="12700" cap="flat" cmpd="sng" algn="ctr">
+                      <a:solidFill>
+                        <a:schemeClr val="tx1"/>
+                      </a:solidFill>
+                      <a:prstDash val="solid"/>
+                      <a:round/>
+                      <a:headEnd type="none" w="med" len="med"/>
+                      <a:tailEnd type="none" w="med" len="med"/>
+                    </a:lnR>
+                    <a:lnT w="12700" cap="flat" cmpd="sng" algn="ctr">
+                      <a:solidFill>
+                        <a:schemeClr val="tx1"/>
+                      </a:solidFill>
+                      <a:prstDash val="solid"/>
+                      <a:round/>
+                      <a:headEnd type="none" w="med" len="med"/>
+                      <a:tailEnd type="none" w="med" len="med"/>
+                    </a:lnT>
+                    <a:lnB w="12700" cap="flat" cmpd="sng" algn="ctr">
+                      <a:solidFill>
+                        <a:schemeClr val="tx1"/>
+                      </a:solidFill>
+                      <a:prstDash val="solid"/>
+                      <a:round/>
+                      <a:headEnd type="none" w="med" len="med"/>
+                      <a:tailEnd type="none" w="med" len="med"/>
+                    </a:lnB>
+                    <a:lnTlToBr w="12700" cmpd="sng">
+                      <a:noFill/>
+                      <a:prstDash val="solid"/>
+                    </a:lnTlToBr>
+                    <a:lnBlToTr w="12700" cmpd="sng">
+                      <a:noFill/>
+                      <a:prstDash val="solid"/>
+                    </a:lnBlToTr>
+                    <a:solidFill>
+                      <a:schemeClr val="accent6">
+                        <a:lumMod val="40000"/>
+                        <a:lumOff val="60000"/>
+                      </a:schemeClr>
+                    </a:solidFill>
+                  </a:tcPr>
+                </a:tc>
+                <a:tc>
+                  <a:txBody>
+                    <a:bodyPr/>
+                    <a:lstStyle/>
+                    <a:p>
+                      <a:pPr algn="ctr"/>
+                      <a:r>
+                        <a:rPr lang="nl-NL" dirty="0"/>
+                        <a:t>Thuis</a:t>
+                      </a:r>
+                    </a:p>
+                  </a:txBody>
+                  <a:tcPr anchor="ctr">
+                    <a:lnL w="12700" cap="flat" cmpd="sng" algn="ctr">
+                      <a:solidFill>
+                        <a:schemeClr val="tx1"/>
+                      </a:solidFill>
+                      <a:prstDash val="solid"/>
+                      <a:round/>
+                      <a:headEnd type="none" w="med" len="med"/>
+                      <a:tailEnd type="none" w="med" len="med"/>
+                    </a:lnL>
+                    <a:lnR w="12700" cap="flat" cmpd="sng" algn="ctr">
+                      <a:solidFill>
+                        <a:schemeClr val="tx1"/>
+                      </a:solidFill>
+                      <a:prstDash val="solid"/>
+                      <a:round/>
+                      <a:headEnd type="none" w="med" len="med"/>
+                      <a:tailEnd type="none" w="med" len="med"/>
+                    </a:lnR>
+                    <a:lnT w="12700" cap="flat" cmpd="sng" algn="ctr">
+                      <a:solidFill>
+                        <a:schemeClr val="tx1"/>
+                      </a:solidFill>
+                      <a:prstDash val="solid"/>
+                      <a:round/>
+                      <a:headEnd type="none" w="med" len="med"/>
+                      <a:tailEnd type="none" w="med" len="med"/>
+                    </a:lnT>
+                    <a:lnB w="12700" cap="flat" cmpd="sng" algn="ctr">
+                      <a:solidFill>
+                        <a:schemeClr val="tx1"/>
+                      </a:solidFill>
+                      <a:prstDash val="solid"/>
+                      <a:round/>
+                      <a:headEnd type="none" w="med" len="med"/>
+                      <a:tailEnd type="none" w="med" len="med"/>
+                    </a:lnB>
+                    <a:lnTlToBr w="12700" cmpd="sng">
+                      <a:noFill/>
+                      <a:prstDash val="solid"/>
+                    </a:lnTlToBr>
+                    <a:lnBlToTr w="12700" cmpd="sng">
+                      <a:noFill/>
+                      <a:prstDash val="solid"/>
+                    </a:lnBlToTr>
+                    <a:solidFill>
+                      <a:srgbClr val="FFC000"/>
+                    </a:solidFill>
+                  </a:tcPr>
+                </a:tc>
+                <a:tc>
+                  <a:txBody>
+                    <a:bodyPr/>
+                    <a:lstStyle/>
+                    <a:p>
+                      <a:pPr algn="ctr"/>
+                      <a:r>
+                        <a:rPr lang="nl-NL" dirty="0"/>
+                        <a:t>Onderweg</a:t>
+                      </a:r>
+                    </a:p>
+                  </a:txBody>
+                  <a:tcPr anchor="ctr">
+                    <a:lnL w="12700" cap="flat" cmpd="sng" algn="ctr">
+                      <a:solidFill>
+                        <a:schemeClr val="tx1"/>
+                      </a:solidFill>
+                      <a:prstDash val="solid"/>
+                      <a:round/>
+                      <a:headEnd type="none" w="med" len="med"/>
+                      <a:tailEnd type="none" w="med" len="med"/>
+                    </a:lnL>
+                    <a:lnR w="12700" cap="flat" cmpd="sng" algn="ctr">
+                      <a:solidFill>
+                        <a:schemeClr val="tx1"/>
+                      </a:solidFill>
+                      <a:prstDash val="solid"/>
+                      <a:round/>
+                      <a:headEnd type="none" w="med" len="med"/>
+                      <a:tailEnd type="none" w="med" len="med"/>
+                    </a:lnR>
+                    <a:lnT w="12700" cap="flat" cmpd="sng" algn="ctr">
+                      <a:solidFill>
+                        <a:schemeClr val="tx1"/>
+                      </a:solidFill>
+                      <a:prstDash val="solid"/>
+                      <a:round/>
+                      <a:headEnd type="none" w="med" len="med"/>
+                      <a:tailEnd type="none" w="med" len="med"/>
+                    </a:lnT>
+                    <a:lnB w="12700" cap="flat" cmpd="sng" algn="ctr">
+                      <a:solidFill>
+                        <a:schemeClr val="tx1"/>
+                      </a:solidFill>
+                      <a:prstDash val="solid"/>
+                      <a:round/>
+                      <a:headEnd type="none" w="med" len="med"/>
+                      <a:tailEnd type="none" w="med" len="med"/>
+                    </a:lnB>
+                    <a:lnTlToBr w="12700" cmpd="sng">
+                      <a:noFill/>
+                      <a:prstDash val="solid"/>
+                    </a:lnTlToBr>
+                    <a:lnBlToTr w="12700" cmpd="sng">
+                      <a:noFill/>
+                      <a:prstDash val="solid"/>
+                    </a:lnBlToTr>
+                    <a:solidFill>
+                      <a:schemeClr val="accent2">
+                        <a:lumMod val="75000"/>
+                      </a:schemeClr>
+                    </a:solidFill>
+                  </a:tcPr>
+                </a:tc>
+                <a:tc>
+                  <a:txBody>
+                    <a:bodyPr/>
+                    <a:lstStyle/>
+                    <a:p>
+                      <a:pPr algn="ctr"/>
+                      <a:r>
+                        <a:rPr lang="nl-NL" dirty="0"/>
+                        <a:t>Werken</a:t>
+                      </a:r>
+                    </a:p>
+                  </a:txBody>
+                  <a:tcPr anchor="ctr">
+                    <a:lnL w="12700" cap="flat" cmpd="sng" algn="ctr">
+                      <a:solidFill>
+                        <a:schemeClr val="tx1"/>
+                      </a:solidFill>
+                      <a:prstDash val="solid"/>
+                      <a:round/>
+                      <a:headEnd type="none" w="med" len="med"/>
+                      <a:tailEnd type="none" w="med" len="med"/>
+                    </a:lnL>
+                    <a:lnR w="12700" cap="flat" cmpd="sng" algn="ctr">
+                      <a:solidFill>
+                        <a:schemeClr val="tx1"/>
+                      </a:solidFill>
+                      <a:prstDash val="solid"/>
+                      <a:round/>
+                      <a:headEnd type="none" w="med" len="med"/>
+                      <a:tailEnd type="none" w="med" len="med"/>
+                    </a:lnR>
+                    <a:lnT w="12700" cap="flat" cmpd="sng" algn="ctr">
+                      <a:solidFill>
+                        <a:schemeClr val="tx1"/>
+                      </a:solidFill>
+                      <a:prstDash val="solid"/>
+                      <a:round/>
+                      <a:headEnd type="none" w="med" len="med"/>
+                      <a:tailEnd type="none" w="med" len="med"/>
+                    </a:lnT>
+                    <a:lnB w="12700" cap="flat" cmpd="sng" algn="ctr">
+                      <a:solidFill>
+                        <a:schemeClr val="tx1"/>
+                      </a:solidFill>
+                      <a:prstDash val="solid"/>
+                      <a:round/>
+                      <a:headEnd type="none" w="med" len="med"/>
+                      <a:tailEnd type="none" w="med" len="med"/>
+                    </a:lnB>
+                    <a:lnTlToBr w="12700" cmpd="sng">
+                      <a:noFill/>
+                      <a:prstDash val="solid"/>
+                    </a:lnTlToBr>
+                    <a:lnBlToTr w="12700" cmpd="sng">
+                      <a:noFill/>
+                      <a:prstDash val="solid"/>
+                    </a:lnBlToTr>
+                    <a:solidFill>
+                      <a:schemeClr val="accent1">
+                        <a:lumMod val="40000"/>
+                        <a:lumOff val="60000"/>
+                      </a:schemeClr>
+                    </a:solidFill>
+                  </a:tcPr>
+                </a:tc>
+                <a:extLst>
+                  <a:ext uri="{0D108BD9-81ED-4DB2-BD59-A6C34878D82A}">
+                    <a16:rowId xmlns:a16="http://schemas.microsoft.com/office/drawing/2014/main" val="967151873"/>
+                  </a:ext>
+                </a:extLst>
+              </a:tr>
+            </a:tbl>
+          </a:graphicData>
+        </a:graphic>
+      </p:graphicFrame>
     </p:spTree>
     <p:extLst>
       <p:ext uri="{BB962C8B-B14F-4D97-AF65-F5344CB8AC3E}">
-        <p14:creationId xmlns:p14="http://schemas.microsoft.com/office/powerpoint/2010/main" val="3628665617"/>
+        <p14:creationId xmlns:p14="http://schemas.microsoft.com/office/powerpoint/2010/main" val="3539218073"/>
       </p:ext>
     </p:extLst>
   </p:cSld>
   <p:clrMapOvr>
     <a:masterClrMapping/>
   </p:clrMapOvr>
+  <mc:AlternateContent xmlns:mc="http://schemas.openxmlformats.org/markup-compatibility/2006" xmlns:p14="http://schemas.microsoft.com/office/powerpoint/2010/main">
+    <mc:Choice Requires="p14">
+      <p:transition spd="slow" p14:dur="2000" advClick="0" advTm="0"/>
+    </mc:Choice>
+    <mc:Fallback xmlns="">
+      <p:transition spd="slow" advClick="0" advTm="0"/>
+    </mc:Fallback>
+  </mc:AlternateContent>
 </p:sld>
 </file>
 
@@ -4038,22 +7023,1212 @@
           <a:p>
             <a:r>
               <a:rPr lang="nl-NL" dirty="0"/>
-              <a:t>Idee 3 leger </a:t>
-            </a:r>
-            <a:r>
-              <a:rPr lang="nl-NL"/>
-              <a:t>verplaats klik </a:t>
-            </a:r>
-            <a:endParaRPr lang="nl-NL" dirty="0"/>
+              <a:t>Mechanic Loop</a:t>
+            </a:r>
           </a:p>
         </p:txBody>
       </p:sp>
       <p:sp>
         <p:nvSpPr>
-          <p:cNvPr id="3" name="Tijdelijke aanduiding voor inhoud 2">
+          <p:cNvPr id="5" name="Ovaal 4">
             <a:extLst>
               <a:ext uri="{FF2B5EF4-FFF2-40B4-BE49-F238E27FC236}">
-                <a16:creationId xmlns:a16="http://schemas.microsoft.com/office/drawing/2014/main" id="{D713CE35-95EF-0230-80E2-E12CA6841860}"/>
+                <a16:creationId xmlns:a16="http://schemas.microsoft.com/office/drawing/2014/main" id="{8AB01AF1-753F-F353-6CB2-75D22A36157C}"/>
+              </a:ext>
+            </a:extLst>
+          </p:cNvPr>
+          <p:cNvSpPr/>
+          <p:nvPr/>
+        </p:nvSpPr>
+        <p:spPr>
+          <a:xfrm>
+            <a:off x="6280070" y="6011830"/>
+            <a:ext cx="1739984" cy="551063"/>
+          </a:xfrm>
+          <a:prstGeom prst="ellipse">
+            <a:avLst/>
+          </a:prstGeom>
+        </p:spPr>
+        <p:style>
+          <a:lnRef idx="2">
+            <a:schemeClr val="accent1">
+              <a:shade val="15000"/>
+            </a:schemeClr>
+          </a:lnRef>
+          <a:fillRef idx="1">
+            <a:schemeClr val="accent1"/>
+          </a:fillRef>
+          <a:effectRef idx="0">
+            <a:schemeClr val="accent1"/>
+          </a:effectRef>
+          <a:fontRef idx="minor">
+            <a:schemeClr val="lt1"/>
+          </a:fontRef>
+        </p:style>
+        <p:txBody>
+          <a:bodyPr rtlCol="0" anchor="ctr"/>
+          <a:lstStyle/>
+          <a:p>
+            <a:pPr algn="ctr"/>
+            <a:r>
+              <a:rPr lang="nl-NL" sz="1400" dirty="0"/>
+              <a:t>administrator</a:t>
+            </a:r>
+          </a:p>
+        </p:txBody>
+      </p:sp>
+      <p:graphicFrame>
+        <p:nvGraphicFramePr>
+          <p:cNvPr id="12" name="Tabel 12">
+            <a:extLst>
+              <a:ext uri="{FF2B5EF4-FFF2-40B4-BE49-F238E27FC236}">
+                <a16:creationId xmlns:a16="http://schemas.microsoft.com/office/drawing/2014/main" id="{90DF0F19-6C6A-0B54-FB6B-2A199F8F4272}"/>
+              </a:ext>
+            </a:extLst>
+          </p:cNvPr>
+          <p:cNvGraphicFramePr>
+            <a:graphicFrameLocks noGrp="1"/>
+          </p:cNvGraphicFramePr>
+          <p:nvPr/>
+        </p:nvGraphicFramePr>
+        <p:xfrm>
+          <a:off x="1096070" y="1697749"/>
+          <a:ext cx="10368000" cy="370840"/>
+        </p:xfrm>
+        <a:graphic>
+          <a:graphicData uri="http://schemas.openxmlformats.org/drawingml/2006/table">
+            <a:tbl>
+              <a:tblPr firstRow="1" bandRow="1">
+                <a:tableStyleId>{5C22544A-7EE6-4342-B048-85BDC9FD1C3A}</a:tableStyleId>
+              </a:tblPr>
+              <a:tblGrid>
+                <a:gridCol w="432000">
+                  <a:extLst>
+                    <a:ext uri="{9D8B030D-6E8A-4147-A177-3AD203B41FA5}">
+                      <a16:colId xmlns:a16="http://schemas.microsoft.com/office/drawing/2014/main" val="460867451"/>
+                    </a:ext>
+                  </a:extLst>
+                </a:gridCol>
+                <a:gridCol w="432000">
+                  <a:extLst>
+                    <a:ext uri="{9D8B030D-6E8A-4147-A177-3AD203B41FA5}">
+                      <a16:colId xmlns:a16="http://schemas.microsoft.com/office/drawing/2014/main" val="2445409952"/>
+                    </a:ext>
+                  </a:extLst>
+                </a:gridCol>
+                <a:gridCol w="432000">
+                  <a:extLst>
+                    <a:ext uri="{9D8B030D-6E8A-4147-A177-3AD203B41FA5}">
+                      <a16:colId xmlns:a16="http://schemas.microsoft.com/office/drawing/2014/main" val="2151682526"/>
+                    </a:ext>
+                  </a:extLst>
+                </a:gridCol>
+                <a:gridCol w="432000">
+                  <a:extLst>
+                    <a:ext uri="{9D8B030D-6E8A-4147-A177-3AD203B41FA5}">
+                      <a16:colId xmlns:a16="http://schemas.microsoft.com/office/drawing/2014/main" val="2382324935"/>
+                    </a:ext>
+                  </a:extLst>
+                </a:gridCol>
+                <a:gridCol w="432000">
+                  <a:extLst>
+                    <a:ext uri="{9D8B030D-6E8A-4147-A177-3AD203B41FA5}">
+                      <a16:colId xmlns:a16="http://schemas.microsoft.com/office/drawing/2014/main" val="2873017439"/>
+                    </a:ext>
+                  </a:extLst>
+                </a:gridCol>
+                <a:gridCol w="432000">
+                  <a:extLst>
+                    <a:ext uri="{9D8B030D-6E8A-4147-A177-3AD203B41FA5}">
+                      <a16:colId xmlns:a16="http://schemas.microsoft.com/office/drawing/2014/main" val="1741584497"/>
+                    </a:ext>
+                  </a:extLst>
+                </a:gridCol>
+                <a:gridCol w="432000">
+                  <a:extLst>
+                    <a:ext uri="{9D8B030D-6E8A-4147-A177-3AD203B41FA5}">
+                      <a16:colId xmlns:a16="http://schemas.microsoft.com/office/drawing/2014/main" val="4276133532"/>
+                    </a:ext>
+                  </a:extLst>
+                </a:gridCol>
+                <a:gridCol w="432000">
+                  <a:extLst>
+                    <a:ext uri="{9D8B030D-6E8A-4147-A177-3AD203B41FA5}">
+                      <a16:colId xmlns:a16="http://schemas.microsoft.com/office/drawing/2014/main" val="2278394597"/>
+                    </a:ext>
+                  </a:extLst>
+                </a:gridCol>
+                <a:gridCol w="432000">
+                  <a:extLst>
+                    <a:ext uri="{9D8B030D-6E8A-4147-A177-3AD203B41FA5}">
+                      <a16:colId xmlns:a16="http://schemas.microsoft.com/office/drawing/2014/main" val="1733189475"/>
+                    </a:ext>
+                  </a:extLst>
+                </a:gridCol>
+                <a:gridCol w="432000">
+                  <a:extLst>
+                    <a:ext uri="{9D8B030D-6E8A-4147-A177-3AD203B41FA5}">
+                      <a16:colId xmlns:a16="http://schemas.microsoft.com/office/drawing/2014/main" val="3743190557"/>
+                    </a:ext>
+                  </a:extLst>
+                </a:gridCol>
+                <a:gridCol w="432000">
+                  <a:extLst>
+                    <a:ext uri="{9D8B030D-6E8A-4147-A177-3AD203B41FA5}">
+                      <a16:colId xmlns:a16="http://schemas.microsoft.com/office/drawing/2014/main" val="4150562113"/>
+                    </a:ext>
+                  </a:extLst>
+                </a:gridCol>
+                <a:gridCol w="432000">
+                  <a:extLst>
+                    <a:ext uri="{9D8B030D-6E8A-4147-A177-3AD203B41FA5}">
+                      <a16:colId xmlns:a16="http://schemas.microsoft.com/office/drawing/2014/main" val="154336766"/>
+                    </a:ext>
+                  </a:extLst>
+                </a:gridCol>
+                <a:gridCol w="432000">
+                  <a:extLst>
+                    <a:ext uri="{9D8B030D-6E8A-4147-A177-3AD203B41FA5}">
+                      <a16:colId xmlns:a16="http://schemas.microsoft.com/office/drawing/2014/main" val="1830339965"/>
+                    </a:ext>
+                  </a:extLst>
+                </a:gridCol>
+                <a:gridCol w="432000">
+                  <a:extLst>
+                    <a:ext uri="{9D8B030D-6E8A-4147-A177-3AD203B41FA5}">
+                      <a16:colId xmlns:a16="http://schemas.microsoft.com/office/drawing/2014/main" val="440132147"/>
+                    </a:ext>
+                  </a:extLst>
+                </a:gridCol>
+                <a:gridCol w="432000">
+                  <a:extLst>
+                    <a:ext uri="{9D8B030D-6E8A-4147-A177-3AD203B41FA5}">
+                      <a16:colId xmlns:a16="http://schemas.microsoft.com/office/drawing/2014/main" val="2467063404"/>
+                    </a:ext>
+                  </a:extLst>
+                </a:gridCol>
+                <a:gridCol w="432000">
+                  <a:extLst>
+                    <a:ext uri="{9D8B030D-6E8A-4147-A177-3AD203B41FA5}">
+                      <a16:colId xmlns:a16="http://schemas.microsoft.com/office/drawing/2014/main" val="303654098"/>
+                    </a:ext>
+                  </a:extLst>
+                </a:gridCol>
+                <a:gridCol w="432000">
+                  <a:extLst>
+                    <a:ext uri="{9D8B030D-6E8A-4147-A177-3AD203B41FA5}">
+                      <a16:colId xmlns:a16="http://schemas.microsoft.com/office/drawing/2014/main" val="3019911133"/>
+                    </a:ext>
+                  </a:extLst>
+                </a:gridCol>
+                <a:gridCol w="432000">
+                  <a:extLst>
+                    <a:ext uri="{9D8B030D-6E8A-4147-A177-3AD203B41FA5}">
+                      <a16:colId xmlns:a16="http://schemas.microsoft.com/office/drawing/2014/main" val="728792809"/>
+                    </a:ext>
+                  </a:extLst>
+                </a:gridCol>
+                <a:gridCol w="432000">
+                  <a:extLst>
+                    <a:ext uri="{9D8B030D-6E8A-4147-A177-3AD203B41FA5}">
+                      <a16:colId xmlns:a16="http://schemas.microsoft.com/office/drawing/2014/main" val="3547418016"/>
+                    </a:ext>
+                  </a:extLst>
+                </a:gridCol>
+                <a:gridCol w="432000">
+                  <a:extLst>
+                    <a:ext uri="{9D8B030D-6E8A-4147-A177-3AD203B41FA5}">
+                      <a16:colId xmlns:a16="http://schemas.microsoft.com/office/drawing/2014/main" val="2635663454"/>
+                    </a:ext>
+                  </a:extLst>
+                </a:gridCol>
+                <a:gridCol w="432000">
+                  <a:extLst>
+                    <a:ext uri="{9D8B030D-6E8A-4147-A177-3AD203B41FA5}">
+                      <a16:colId xmlns:a16="http://schemas.microsoft.com/office/drawing/2014/main" val="1010602919"/>
+                    </a:ext>
+                  </a:extLst>
+                </a:gridCol>
+                <a:gridCol w="432000">
+                  <a:extLst>
+                    <a:ext uri="{9D8B030D-6E8A-4147-A177-3AD203B41FA5}">
+                      <a16:colId xmlns:a16="http://schemas.microsoft.com/office/drawing/2014/main" val="1181440095"/>
+                    </a:ext>
+                  </a:extLst>
+                </a:gridCol>
+                <a:gridCol w="432000">
+                  <a:extLst>
+                    <a:ext uri="{9D8B030D-6E8A-4147-A177-3AD203B41FA5}">
+                      <a16:colId xmlns:a16="http://schemas.microsoft.com/office/drawing/2014/main" val="4137236235"/>
+                    </a:ext>
+                  </a:extLst>
+                </a:gridCol>
+                <a:gridCol w="432000">
+                  <a:extLst>
+                    <a:ext uri="{9D8B030D-6E8A-4147-A177-3AD203B41FA5}">
+                      <a16:colId xmlns:a16="http://schemas.microsoft.com/office/drawing/2014/main" val="1918653240"/>
+                    </a:ext>
+                  </a:extLst>
+                </a:gridCol>
+              </a:tblGrid>
+              <a:tr h="370840">
+                <a:tc>
+                  <a:txBody>
+                    <a:bodyPr/>
+                    <a:lstStyle/>
+                    <a:p>
+                      <a:pPr algn="ctr"/>
+                      <a:r>
+                        <a:rPr lang="nl-NL" dirty="0"/>
+                        <a:t>1</a:t>
+                      </a:r>
+                    </a:p>
+                  </a:txBody>
+                  <a:tcPr anchor="ctr">
+                    <a:solidFill>
+                      <a:srgbClr val="002060"/>
+                    </a:solidFill>
+                  </a:tcPr>
+                </a:tc>
+                <a:tc>
+                  <a:txBody>
+                    <a:bodyPr/>
+                    <a:lstStyle/>
+                    <a:p>
+                      <a:pPr algn="ctr"/>
+                      <a:r>
+                        <a:rPr lang="nl-NL" dirty="0"/>
+                        <a:t>2</a:t>
+                      </a:r>
+                    </a:p>
+                  </a:txBody>
+                  <a:tcPr anchor="ctr">
+                    <a:solidFill>
+                      <a:srgbClr val="002060"/>
+                    </a:solidFill>
+                  </a:tcPr>
+                </a:tc>
+                <a:tc>
+                  <a:txBody>
+                    <a:bodyPr/>
+                    <a:lstStyle/>
+                    <a:p>
+                      <a:pPr algn="ctr"/>
+                      <a:r>
+                        <a:rPr lang="nl-NL" dirty="0"/>
+                        <a:t>3</a:t>
+                      </a:r>
+                    </a:p>
+                  </a:txBody>
+                  <a:tcPr anchor="ctr">
+                    <a:solidFill>
+                      <a:srgbClr val="002060"/>
+                    </a:solidFill>
+                  </a:tcPr>
+                </a:tc>
+                <a:tc>
+                  <a:txBody>
+                    <a:bodyPr/>
+                    <a:lstStyle/>
+                    <a:p>
+                      <a:pPr algn="ctr"/>
+                      <a:r>
+                        <a:rPr lang="nl-NL" dirty="0"/>
+                        <a:t>4</a:t>
+                      </a:r>
+                    </a:p>
+                  </a:txBody>
+                  <a:tcPr anchor="ctr">
+                    <a:solidFill>
+                      <a:srgbClr val="002060"/>
+                    </a:solidFill>
+                  </a:tcPr>
+                </a:tc>
+                <a:tc>
+                  <a:txBody>
+                    <a:bodyPr/>
+                    <a:lstStyle/>
+                    <a:p>
+                      <a:pPr algn="ctr"/>
+                      <a:r>
+                        <a:rPr lang="nl-NL" dirty="0"/>
+                        <a:t>5</a:t>
+                      </a:r>
+                    </a:p>
+                  </a:txBody>
+                  <a:tcPr anchor="ctr">
+                    <a:solidFill>
+                      <a:srgbClr val="002060"/>
+                    </a:solidFill>
+                  </a:tcPr>
+                </a:tc>
+                <a:tc>
+                  <a:txBody>
+                    <a:bodyPr/>
+                    <a:lstStyle/>
+                    <a:p>
+                      <a:pPr algn="ctr"/>
+                      <a:r>
+                        <a:rPr lang="nl-NL" dirty="0"/>
+                        <a:t>6</a:t>
+                      </a:r>
+                    </a:p>
+                  </a:txBody>
+                  <a:tcPr anchor="ctr">
+                    <a:solidFill>
+                      <a:srgbClr val="002060"/>
+                    </a:solidFill>
+                  </a:tcPr>
+                </a:tc>
+                <a:tc>
+                  <a:txBody>
+                    <a:bodyPr/>
+                    <a:lstStyle/>
+                    <a:p>
+                      <a:pPr algn="ctr"/>
+                      <a:r>
+                        <a:rPr lang="nl-NL" dirty="0"/>
+                        <a:t>7</a:t>
+                      </a:r>
+                    </a:p>
+                  </a:txBody>
+                  <a:tcPr anchor="ctr">
+                    <a:solidFill>
+                      <a:srgbClr val="002060"/>
+                    </a:solidFill>
+                  </a:tcPr>
+                </a:tc>
+                <a:tc>
+                  <a:txBody>
+                    <a:bodyPr/>
+                    <a:lstStyle/>
+                    <a:p>
+                      <a:pPr algn="ctr"/>
+                      <a:r>
+                        <a:rPr lang="nl-NL" dirty="0"/>
+                        <a:t>8</a:t>
+                      </a:r>
+                    </a:p>
+                  </a:txBody>
+                  <a:tcPr anchor="ctr">
+                    <a:solidFill>
+                      <a:srgbClr val="002060"/>
+                    </a:solidFill>
+                  </a:tcPr>
+                </a:tc>
+                <a:tc>
+                  <a:txBody>
+                    <a:bodyPr/>
+                    <a:lstStyle/>
+                    <a:p>
+                      <a:pPr algn="ctr"/>
+                      <a:r>
+                        <a:rPr lang="nl-NL" dirty="0"/>
+                        <a:t>9</a:t>
+                      </a:r>
+                    </a:p>
+                  </a:txBody>
+                  <a:tcPr anchor="ctr">
+                    <a:solidFill>
+                      <a:srgbClr val="002060"/>
+                    </a:solidFill>
+                  </a:tcPr>
+                </a:tc>
+                <a:tc>
+                  <a:txBody>
+                    <a:bodyPr/>
+                    <a:lstStyle/>
+                    <a:p>
+                      <a:pPr algn="ctr"/>
+                      <a:r>
+                        <a:rPr lang="nl-NL" dirty="0"/>
+                        <a:t>10</a:t>
+                      </a:r>
+                    </a:p>
+                  </a:txBody>
+                  <a:tcPr anchor="ctr">
+                    <a:solidFill>
+                      <a:srgbClr val="002060"/>
+                    </a:solidFill>
+                  </a:tcPr>
+                </a:tc>
+                <a:tc>
+                  <a:txBody>
+                    <a:bodyPr/>
+                    <a:lstStyle/>
+                    <a:p>
+                      <a:pPr algn="ctr"/>
+                      <a:r>
+                        <a:rPr lang="nl-NL" dirty="0"/>
+                        <a:t>11</a:t>
+                      </a:r>
+                    </a:p>
+                  </a:txBody>
+                  <a:tcPr anchor="ctr">
+                    <a:solidFill>
+                      <a:srgbClr val="002060"/>
+                    </a:solidFill>
+                  </a:tcPr>
+                </a:tc>
+                <a:tc>
+                  <a:txBody>
+                    <a:bodyPr/>
+                    <a:lstStyle/>
+                    <a:p>
+                      <a:pPr algn="ctr"/>
+                      <a:r>
+                        <a:rPr lang="nl-NL" dirty="0"/>
+                        <a:t>12</a:t>
+                      </a:r>
+                    </a:p>
+                  </a:txBody>
+                  <a:tcPr anchor="ctr">
+                    <a:solidFill>
+                      <a:srgbClr val="002060"/>
+                    </a:solidFill>
+                  </a:tcPr>
+                </a:tc>
+                <a:tc>
+                  <a:txBody>
+                    <a:bodyPr/>
+                    <a:lstStyle/>
+                    <a:p>
+                      <a:pPr algn="ctr"/>
+                      <a:r>
+                        <a:rPr lang="nl-NL" dirty="0"/>
+                        <a:t>13</a:t>
+                      </a:r>
+                    </a:p>
+                  </a:txBody>
+                  <a:tcPr anchor="ctr">
+                    <a:solidFill>
+                      <a:srgbClr val="002060"/>
+                    </a:solidFill>
+                  </a:tcPr>
+                </a:tc>
+                <a:tc>
+                  <a:txBody>
+                    <a:bodyPr/>
+                    <a:lstStyle/>
+                    <a:p>
+                      <a:pPr algn="ctr"/>
+                      <a:r>
+                        <a:rPr lang="nl-NL" dirty="0"/>
+                        <a:t>14</a:t>
+                      </a:r>
+                    </a:p>
+                  </a:txBody>
+                  <a:tcPr anchor="ctr">
+                    <a:solidFill>
+                      <a:srgbClr val="002060"/>
+                    </a:solidFill>
+                  </a:tcPr>
+                </a:tc>
+                <a:tc>
+                  <a:txBody>
+                    <a:bodyPr/>
+                    <a:lstStyle/>
+                    <a:p>
+                      <a:pPr algn="ctr"/>
+                      <a:r>
+                        <a:rPr lang="nl-NL" dirty="0"/>
+                        <a:t>15</a:t>
+                      </a:r>
+                    </a:p>
+                  </a:txBody>
+                  <a:tcPr anchor="ctr">
+                    <a:solidFill>
+                      <a:srgbClr val="002060"/>
+                    </a:solidFill>
+                  </a:tcPr>
+                </a:tc>
+                <a:tc>
+                  <a:txBody>
+                    <a:bodyPr/>
+                    <a:lstStyle/>
+                    <a:p>
+                      <a:pPr algn="ctr"/>
+                      <a:r>
+                        <a:rPr lang="nl-NL" dirty="0"/>
+                        <a:t>16</a:t>
+                      </a:r>
+                    </a:p>
+                  </a:txBody>
+                  <a:tcPr anchor="ctr">
+                    <a:solidFill>
+                      <a:srgbClr val="002060"/>
+                    </a:solidFill>
+                  </a:tcPr>
+                </a:tc>
+                <a:tc>
+                  <a:txBody>
+                    <a:bodyPr/>
+                    <a:lstStyle/>
+                    <a:p>
+                      <a:pPr algn="ctr"/>
+                      <a:r>
+                        <a:rPr lang="nl-NL" dirty="0"/>
+                        <a:t>17</a:t>
+                      </a:r>
+                    </a:p>
+                  </a:txBody>
+                  <a:tcPr anchor="ctr">
+                    <a:solidFill>
+                      <a:srgbClr val="002060"/>
+                    </a:solidFill>
+                  </a:tcPr>
+                </a:tc>
+                <a:tc>
+                  <a:txBody>
+                    <a:bodyPr/>
+                    <a:lstStyle/>
+                    <a:p>
+                      <a:pPr algn="ctr"/>
+                      <a:r>
+                        <a:rPr lang="nl-NL" dirty="0"/>
+                        <a:t>18</a:t>
+                      </a:r>
+                    </a:p>
+                  </a:txBody>
+                  <a:tcPr anchor="ctr">
+                    <a:solidFill>
+                      <a:srgbClr val="002060"/>
+                    </a:solidFill>
+                  </a:tcPr>
+                </a:tc>
+                <a:tc>
+                  <a:txBody>
+                    <a:bodyPr/>
+                    <a:lstStyle/>
+                    <a:p>
+                      <a:pPr algn="ctr"/>
+                      <a:r>
+                        <a:rPr lang="nl-NL" dirty="0"/>
+                        <a:t>19</a:t>
+                      </a:r>
+                    </a:p>
+                  </a:txBody>
+                  <a:tcPr anchor="ctr">
+                    <a:solidFill>
+                      <a:srgbClr val="002060"/>
+                    </a:solidFill>
+                  </a:tcPr>
+                </a:tc>
+                <a:tc>
+                  <a:txBody>
+                    <a:bodyPr/>
+                    <a:lstStyle/>
+                    <a:p>
+                      <a:pPr algn="ctr"/>
+                      <a:r>
+                        <a:rPr lang="nl-NL" dirty="0"/>
+                        <a:t>20</a:t>
+                      </a:r>
+                    </a:p>
+                  </a:txBody>
+                  <a:tcPr anchor="ctr">
+                    <a:solidFill>
+                      <a:srgbClr val="002060"/>
+                    </a:solidFill>
+                  </a:tcPr>
+                </a:tc>
+                <a:tc>
+                  <a:txBody>
+                    <a:bodyPr/>
+                    <a:lstStyle/>
+                    <a:p>
+                      <a:pPr algn="ctr"/>
+                      <a:r>
+                        <a:rPr lang="nl-NL" dirty="0"/>
+                        <a:t>21</a:t>
+                      </a:r>
+                    </a:p>
+                  </a:txBody>
+                  <a:tcPr anchor="ctr">
+                    <a:solidFill>
+                      <a:srgbClr val="002060"/>
+                    </a:solidFill>
+                  </a:tcPr>
+                </a:tc>
+                <a:tc>
+                  <a:txBody>
+                    <a:bodyPr/>
+                    <a:lstStyle/>
+                    <a:p>
+                      <a:pPr algn="ctr"/>
+                      <a:r>
+                        <a:rPr lang="nl-NL" dirty="0"/>
+                        <a:t>22</a:t>
+                      </a:r>
+                    </a:p>
+                  </a:txBody>
+                  <a:tcPr anchor="ctr">
+                    <a:solidFill>
+                      <a:srgbClr val="002060"/>
+                    </a:solidFill>
+                  </a:tcPr>
+                </a:tc>
+                <a:tc>
+                  <a:txBody>
+                    <a:bodyPr/>
+                    <a:lstStyle/>
+                    <a:p>
+                      <a:pPr algn="ctr"/>
+                      <a:r>
+                        <a:rPr lang="nl-NL" dirty="0"/>
+                        <a:t>23</a:t>
+                      </a:r>
+                    </a:p>
+                  </a:txBody>
+                  <a:tcPr anchor="ctr">
+                    <a:solidFill>
+                      <a:srgbClr val="002060"/>
+                    </a:solidFill>
+                  </a:tcPr>
+                </a:tc>
+                <a:tc>
+                  <a:txBody>
+                    <a:bodyPr/>
+                    <a:lstStyle/>
+                    <a:p>
+                      <a:pPr algn="ctr"/>
+                      <a:r>
+                        <a:rPr lang="nl-NL" dirty="0"/>
+                        <a:t>24</a:t>
+                      </a:r>
+                    </a:p>
+                  </a:txBody>
+                  <a:tcPr anchor="ctr">
+                    <a:solidFill>
+                      <a:srgbClr val="002060"/>
+                    </a:solidFill>
+                  </a:tcPr>
+                </a:tc>
+                <a:extLst>
+                  <a:ext uri="{0D108BD9-81ED-4DB2-BD59-A6C34878D82A}">
+                    <a16:rowId xmlns:a16="http://schemas.microsoft.com/office/drawing/2014/main" val="1216731237"/>
+                  </a:ext>
+                </a:extLst>
+              </a:tr>
+            </a:tbl>
+          </a:graphicData>
+        </a:graphic>
+      </p:graphicFrame>
+      <p:sp>
+        <p:nvSpPr>
+          <p:cNvPr id="14" name="Ovaal 13">
+            <a:extLst>
+              <a:ext uri="{FF2B5EF4-FFF2-40B4-BE49-F238E27FC236}">
+                <a16:creationId xmlns:a16="http://schemas.microsoft.com/office/drawing/2014/main" id="{675C6C1F-3CC7-3900-2CC5-8E31F8DECAA2}"/>
+              </a:ext>
+            </a:extLst>
+          </p:cNvPr>
+          <p:cNvSpPr/>
+          <p:nvPr/>
+        </p:nvSpPr>
+        <p:spPr>
+          <a:xfrm>
+            <a:off x="8348693" y="5310509"/>
+            <a:ext cx="1739983" cy="551063"/>
+          </a:xfrm>
+          <a:prstGeom prst="ellipse">
+            <a:avLst/>
+          </a:prstGeom>
+        </p:spPr>
+        <p:style>
+          <a:lnRef idx="2">
+            <a:schemeClr val="accent1">
+              <a:shade val="15000"/>
+            </a:schemeClr>
+          </a:lnRef>
+          <a:fillRef idx="1">
+            <a:schemeClr val="accent1"/>
+          </a:fillRef>
+          <a:effectRef idx="0">
+            <a:schemeClr val="accent1"/>
+          </a:effectRef>
+          <a:fontRef idx="minor">
+            <a:schemeClr val="lt1"/>
+          </a:fontRef>
+        </p:style>
+        <p:txBody>
+          <a:bodyPr rtlCol="0" anchor="ctr"/>
+          <a:lstStyle/>
+          <a:p>
+            <a:pPr algn="ctr"/>
+            <a:r>
+              <a:rPr lang="nl-NL" sz="1400" dirty="0"/>
+              <a:t>bakker</a:t>
+            </a:r>
+            <a:endParaRPr lang="nl-NL" dirty="0"/>
+          </a:p>
+        </p:txBody>
+      </p:sp>
+      <p:sp>
+        <p:nvSpPr>
+          <p:cNvPr id="15" name="Ovaal 14">
+            <a:extLst>
+              <a:ext uri="{FF2B5EF4-FFF2-40B4-BE49-F238E27FC236}">
+                <a16:creationId xmlns:a16="http://schemas.microsoft.com/office/drawing/2014/main" id="{5F6AE8C7-4ED1-B6B3-10F0-66CFE368AF09}"/>
+              </a:ext>
+            </a:extLst>
+          </p:cNvPr>
+          <p:cNvSpPr/>
+          <p:nvPr/>
+        </p:nvSpPr>
+        <p:spPr>
+          <a:xfrm>
+            <a:off x="2093228" y="4609188"/>
+            <a:ext cx="1739983" cy="551063"/>
+          </a:xfrm>
+          <a:prstGeom prst="ellipse">
+            <a:avLst/>
+          </a:prstGeom>
+        </p:spPr>
+        <p:style>
+          <a:lnRef idx="2">
+            <a:schemeClr val="accent1">
+              <a:shade val="15000"/>
+            </a:schemeClr>
+          </a:lnRef>
+          <a:fillRef idx="1">
+            <a:schemeClr val="accent1"/>
+          </a:fillRef>
+          <a:effectRef idx="0">
+            <a:schemeClr val="accent1"/>
+          </a:effectRef>
+          <a:fontRef idx="minor">
+            <a:schemeClr val="lt1"/>
+          </a:fontRef>
+        </p:style>
+        <p:txBody>
+          <a:bodyPr rtlCol="0" anchor="ctr"/>
+          <a:lstStyle/>
+          <a:p>
+            <a:pPr algn="ctr"/>
+            <a:r>
+              <a:rPr lang="nl-NL" sz="1400" dirty="0"/>
+              <a:t>Tank Guy</a:t>
+            </a:r>
+            <a:endParaRPr lang="nl-NL" dirty="0"/>
+          </a:p>
+        </p:txBody>
+      </p:sp>
+      <p:sp>
+        <p:nvSpPr>
+          <p:cNvPr id="33" name="Pijl: omhoog 32">
+            <a:extLst>
+              <a:ext uri="{FF2B5EF4-FFF2-40B4-BE49-F238E27FC236}">
+                <a16:creationId xmlns:a16="http://schemas.microsoft.com/office/drawing/2014/main" id="{E37C0E73-3E6D-EAF5-44CA-BED27F5E330B}"/>
+              </a:ext>
+            </a:extLst>
+          </p:cNvPr>
+          <p:cNvSpPr/>
+          <p:nvPr/>
+        </p:nvSpPr>
+        <p:spPr>
+          <a:xfrm>
+            <a:off x="4238940" y="2133110"/>
+            <a:ext cx="230114" cy="205891"/>
+          </a:xfrm>
+          <a:prstGeom prst="upArrow">
+            <a:avLst/>
+          </a:prstGeom>
+        </p:spPr>
+        <p:style>
+          <a:lnRef idx="2">
+            <a:schemeClr val="accent1">
+              <a:shade val="15000"/>
+            </a:schemeClr>
+          </a:lnRef>
+          <a:fillRef idx="1">
+            <a:schemeClr val="accent1"/>
+          </a:fillRef>
+          <a:effectRef idx="0">
+            <a:schemeClr val="accent1"/>
+          </a:effectRef>
+          <a:fontRef idx="minor">
+            <a:schemeClr val="lt1"/>
+          </a:fontRef>
+        </p:style>
+        <p:txBody>
+          <a:bodyPr rtlCol="0" anchor="ctr"/>
+          <a:lstStyle/>
+          <a:p>
+            <a:pPr algn="ctr"/>
+            <a:endParaRPr lang="nl-NL"/>
+          </a:p>
+        </p:txBody>
+      </p:sp>
+      <p:graphicFrame>
+        <p:nvGraphicFramePr>
+          <p:cNvPr id="34" name="Tabel 10">
+            <a:extLst>
+              <a:ext uri="{FF2B5EF4-FFF2-40B4-BE49-F238E27FC236}">
+                <a16:creationId xmlns:a16="http://schemas.microsoft.com/office/drawing/2014/main" id="{D074D9D8-A9BF-3014-EBE5-B014C2CB35C9}"/>
+              </a:ext>
+            </a:extLst>
+          </p:cNvPr>
+          <p:cNvGraphicFramePr>
+            <a:graphicFrameLocks noGrp="1"/>
+          </p:cNvGraphicFramePr>
+          <p:nvPr/>
+        </p:nvGraphicFramePr>
+        <p:xfrm>
+          <a:off x="2032000" y="3590035"/>
+          <a:ext cx="8128000" cy="370840"/>
+        </p:xfrm>
+        <a:graphic>
+          <a:graphicData uri="http://schemas.openxmlformats.org/drawingml/2006/table">
+            <a:tbl>
+              <a:tblPr firstRow="1" bandRow="1">
+                <a:tableStyleId>{5C22544A-7EE6-4342-B048-85BDC9FD1C3A}</a:tableStyleId>
+              </a:tblPr>
+              <a:tblGrid>
+                <a:gridCol w="2032000">
+                  <a:extLst>
+                    <a:ext uri="{9D8B030D-6E8A-4147-A177-3AD203B41FA5}">
+                      <a16:colId xmlns:a16="http://schemas.microsoft.com/office/drawing/2014/main" val="82315092"/>
+                    </a:ext>
+                  </a:extLst>
+                </a:gridCol>
+                <a:gridCol w="2032000">
+                  <a:extLst>
+                    <a:ext uri="{9D8B030D-6E8A-4147-A177-3AD203B41FA5}">
+                      <a16:colId xmlns:a16="http://schemas.microsoft.com/office/drawing/2014/main" val="1038358519"/>
+                    </a:ext>
+                  </a:extLst>
+                </a:gridCol>
+                <a:gridCol w="2032000">
+                  <a:extLst>
+                    <a:ext uri="{9D8B030D-6E8A-4147-A177-3AD203B41FA5}">
+                      <a16:colId xmlns:a16="http://schemas.microsoft.com/office/drawing/2014/main" val="1603408932"/>
+                    </a:ext>
+                  </a:extLst>
+                </a:gridCol>
+                <a:gridCol w="2032000">
+                  <a:extLst>
+                    <a:ext uri="{9D8B030D-6E8A-4147-A177-3AD203B41FA5}">
+                      <a16:colId xmlns:a16="http://schemas.microsoft.com/office/drawing/2014/main" val="1176514278"/>
+                    </a:ext>
+                  </a:extLst>
+                </a:gridCol>
+              </a:tblGrid>
+              <a:tr h="370840">
+                <a:tc>
+                  <a:txBody>
+                    <a:bodyPr/>
+                    <a:lstStyle/>
+                    <a:p>
+                      <a:pPr algn="ctr"/>
+                      <a:r>
+                        <a:rPr lang="nl-NL" dirty="0"/>
+                        <a:t>Slapen</a:t>
+                      </a:r>
+                    </a:p>
+                  </a:txBody>
+                  <a:tcPr anchor="ctr">
+                    <a:lnL w="12700" cap="flat" cmpd="sng" algn="ctr">
+                      <a:solidFill>
+                        <a:schemeClr val="tx1"/>
+                      </a:solidFill>
+                      <a:prstDash val="solid"/>
+                      <a:round/>
+                      <a:headEnd type="none" w="med" len="med"/>
+                      <a:tailEnd type="none" w="med" len="med"/>
+                    </a:lnL>
+                    <a:lnR w="12700" cap="flat" cmpd="sng" algn="ctr">
+                      <a:solidFill>
+                        <a:schemeClr val="tx1"/>
+                      </a:solidFill>
+                      <a:prstDash val="solid"/>
+                      <a:round/>
+                      <a:headEnd type="none" w="med" len="med"/>
+                      <a:tailEnd type="none" w="med" len="med"/>
+                    </a:lnR>
+                    <a:lnT w="12700" cap="flat" cmpd="sng" algn="ctr">
+                      <a:solidFill>
+                        <a:schemeClr val="tx1"/>
+                      </a:solidFill>
+                      <a:prstDash val="solid"/>
+                      <a:round/>
+                      <a:headEnd type="none" w="med" len="med"/>
+                      <a:tailEnd type="none" w="med" len="med"/>
+                    </a:lnT>
+                    <a:lnB w="12700" cap="flat" cmpd="sng" algn="ctr">
+                      <a:solidFill>
+                        <a:schemeClr val="tx1"/>
+                      </a:solidFill>
+                      <a:prstDash val="solid"/>
+                      <a:round/>
+                      <a:headEnd type="none" w="med" len="med"/>
+                      <a:tailEnd type="none" w="med" len="med"/>
+                    </a:lnB>
+                    <a:lnTlToBr w="12700" cmpd="sng">
+                      <a:noFill/>
+                      <a:prstDash val="solid"/>
+                    </a:lnTlToBr>
+                    <a:lnBlToTr w="12700" cmpd="sng">
+                      <a:noFill/>
+                      <a:prstDash val="solid"/>
+                    </a:lnBlToTr>
+                    <a:solidFill>
+                      <a:schemeClr val="accent6">
+                        <a:lumMod val="40000"/>
+                        <a:lumOff val="60000"/>
+                      </a:schemeClr>
+                    </a:solidFill>
+                  </a:tcPr>
+                </a:tc>
+                <a:tc>
+                  <a:txBody>
+                    <a:bodyPr/>
+                    <a:lstStyle/>
+                    <a:p>
+                      <a:pPr algn="ctr"/>
+                      <a:r>
+                        <a:rPr lang="nl-NL" dirty="0"/>
+                        <a:t>Thuis</a:t>
+                      </a:r>
+                    </a:p>
+                  </a:txBody>
+                  <a:tcPr anchor="ctr">
+                    <a:lnL w="12700" cap="flat" cmpd="sng" algn="ctr">
+                      <a:solidFill>
+                        <a:schemeClr val="tx1"/>
+                      </a:solidFill>
+                      <a:prstDash val="solid"/>
+                      <a:round/>
+                      <a:headEnd type="none" w="med" len="med"/>
+                      <a:tailEnd type="none" w="med" len="med"/>
+                    </a:lnL>
+                    <a:lnR w="12700" cap="flat" cmpd="sng" algn="ctr">
+                      <a:solidFill>
+                        <a:schemeClr val="tx1"/>
+                      </a:solidFill>
+                      <a:prstDash val="solid"/>
+                      <a:round/>
+                      <a:headEnd type="none" w="med" len="med"/>
+                      <a:tailEnd type="none" w="med" len="med"/>
+                    </a:lnR>
+                    <a:lnT w="12700" cap="flat" cmpd="sng" algn="ctr">
+                      <a:solidFill>
+                        <a:schemeClr val="tx1"/>
+                      </a:solidFill>
+                      <a:prstDash val="solid"/>
+                      <a:round/>
+                      <a:headEnd type="none" w="med" len="med"/>
+                      <a:tailEnd type="none" w="med" len="med"/>
+                    </a:lnT>
+                    <a:lnB w="12700" cap="flat" cmpd="sng" algn="ctr">
+                      <a:solidFill>
+                        <a:schemeClr val="tx1"/>
+                      </a:solidFill>
+                      <a:prstDash val="solid"/>
+                      <a:round/>
+                      <a:headEnd type="none" w="med" len="med"/>
+                      <a:tailEnd type="none" w="med" len="med"/>
+                    </a:lnB>
+                    <a:lnTlToBr w="12700" cmpd="sng">
+                      <a:noFill/>
+                      <a:prstDash val="solid"/>
+                    </a:lnTlToBr>
+                    <a:lnBlToTr w="12700" cmpd="sng">
+                      <a:noFill/>
+                      <a:prstDash val="solid"/>
+                    </a:lnBlToTr>
+                    <a:solidFill>
+                      <a:srgbClr val="FFC000"/>
+                    </a:solidFill>
+                  </a:tcPr>
+                </a:tc>
+                <a:tc>
+                  <a:txBody>
+                    <a:bodyPr/>
+                    <a:lstStyle/>
+                    <a:p>
+                      <a:pPr algn="ctr"/>
+                      <a:r>
+                        <a:rPr lang="nl-NL" dirty="0"/>
+                        <a:t>Onderweg</a:t>
+                      </a:r>
+                    </a:p>
+                  </a:txBody>
+                  <a:tcPr anchor="ctr">
+                    <a:lnL w="12700" cap="flat" cmpd="sng" algn="ctr">
+                      <a:solidFill>
+                        <a:schemeClr val="tx1"/>
+                      </a:solidFill>
+                      <a:prstDash val="solid"/>
+                      <a:round/>
+                      <a:headEnd type="none" w="med" len="med"/>
+                      <a:tailEnd type="none" w="med" len="med"/>
+                    </a:lnL>
+                    <a:lnR w="12700" cap="flat" cmpd="sng" algn="ctr">
+                      <a:solidFill>
+                        <a:schemeClr val="tx1"/>
+                      </a:solidFill>
+                      <a:prstDash val="solid"/>
+                      <a:round/>
+                      <a:headEnd type="none" w="med" len="med"/>
+                      <a:tailEnd type="none" w="med" len="med"/>
+                    </a:lnR>
+                    <a:lnT w="12700" cap="flat" cmpd="sng" algn="ctr">
+                      <a:solidFill>
+                        <a:schemeClr val="tx1"/>
+                      </a:solidFill>
+                      <a:prstDash val="solid"/>
+                      <a:round/>
+                      <a:headEnd type="none" w="med" len="med"/>
+                      <a:tailEnd type="none" w="med" len="med"/>
+                    </a:lnT>
+                    <a:lnB w="12700" cap="flat" cmpd="sng" algn="ctr">
+                      <a:solidFill>
+                        <a:schemeClr val="tx1"/>
+                      </a:solidFill>
+                      <a:prstDash val="solid"/>
+                      <a:round/>
+                      <a:headEnd type="none" w="med" len="med"/>
+                      <a:tailEnd type="none" w="med" len="med"/>
+                    </a:lnB>
+                    <a:lnTlToBr w="12700" cmpd="sng">
+                      <a:noFill/>
+                      <a:prstDash val="solid"/>
+                    </a:lnTlToBr>
+                    <a:lnBlToTr w="12700" cmpd="sng">
+                      <a:noFill/>
+                      <a:prstDash val="solid"/>
+                    </a:lnBlToTr>
+                    <a:solidFill>
+                      <a:schemeClr val="accent2">
+                        <a:lumMod val="75000"/>
+                      </a:schemeClr>
+                    </a:solidFill>
+                  </a:tcPr>
+                </a:tc>
+                <a:tc>
+                  <a:txBody>
+                    <a:bodyPr/>
+                    <a:lstStyle/>
+                    <a:p>
+                      <a:pPr algn="ctr"/>
+                      <a:r>
+                        <a:rPr lang="nl-NL" dirty="0"/>
+                        <a:t>Werken</a:t>
+                      </a:r>
+                    </a:p>
+                  </a:txBody>
+                  <a:tcPr anchor="ctr">
+                    <a:lnL w="12700" cap="flat" cmpd="sng" algn="ctr">
+                      <a:solidFill>
+                        <a:schemeClr val="tx1"/>
+                      </a:solidFill>
+                      <a:prstDash val="solid"/>
+                      <a:round/>
+                      <a:headEnd type="none" w="med" len="med"/>
+                      <a:tailEnd type="none" w="med" len="med"/>
+                    </a:lnL>
+                    <a:lnR w="12700" cap="flat" cmpd="sng" algn="ctr">
+                      <a:solidFill>
+                        <a:schemeClr val="tx1"/>
+                      </a:solidFill>
+                      <a:prstDash val="solid"/>
+                      <a:round/>
+                      <a:headEnd type="none" w="med" len="med"/>
+                      <a:tailEnd type="none" w="med" len="med"/>
+                    </a:lnR>
+                    <a:lnT w="12700" cap="flat" cmpd="sng" algn="ctr">
+                      <a:solidFill>
+                        <a:schemeClr val="tx1"/>
+                      </a:solidFill>
+                      <a:prstDash val="solid"/>
+                      <a:round/>
+                      <a:headEnd type="none" w="med" len="med"/>
+                      <a:tailEnd type="none" w="med" len="med"/>
+                    </a:lnT>
+                    <a:lnB w="12700" cap="flat" cmpd="sng" algn="ctr">
+                      <a:solidFill>
+                        <a:schemeClr val="tx1"/>
+                      </a:solidFill>
+                      <a:prstDash val="solid"/>
+                      <a:round/>
+                      <a:headEnd type="none" w="med" len="med"/>
+                      <a:tailEnd type="none" w="med" len="med"/>
+                    </a:lnB>
+                    <a:lnTlToBr w="12700" cmpd="sng">
+                      <a:noFill/>
+                      <a:prstDash val="solid"/>
+                    </a:lnTlToBr>
+                    <a:lnBlToTr w="12700" cmpd="sng">
+                      <a:noFill/>
+                      <a:prstDash val="solid"/>
+                    </a:lnBlToTr>
+                    <a:solidFill>
+                      <a:schemeClr val="accent1">
+                        <a:lumMod val="40000"/>
+                        <a:lumOff val="60000"/>
+                      </a:schemeClr>
+                    </a:solidFill>
+                  </a:tcPr>
+                </a:tc>
+                <a:extLst>
+                  <a:ext uri="{0D108BD9-81ED-4DB2-BD59-A6C34878D82A}">
+                    <a16:rowId xmlns:a16="http://schemas.microsoft.com/office/drawing/2014/main" val="967151873"/>
+                  </a:ext>
+                </a:extLst>
+              </a:tr>
+            </a:tbl>
+          </a:graphicData>
+        </a:graphic>
+      </p:graphicFrame>
+    </p:spTree>
+    <p:extLst>
+      <p:ext uri="{BB962C8B-B14F-4D97-AF65-F5344CB8AC3E}">
+        <p14:creationId xmlns:p14="http://schemas.microsoft.com/office/powerpoint/2010/main" val="1519312902"/>
+      </p:ext>
+    </p:extLst>
+  </p:cSld>
+  <p:clrMapOvr>
+    <a:masterClrMapping/>
+  </p:clrMapOvr>
+  <mc:AlternateContent xmlns:mc="http://schemas.openxmlformats.org/markup-compatibility/2006" xmlns:p159="http://schemas.microsoft.com/office/powerpoint/2015/09/main">
+    <mc:Choice Requires="p159">
+      <p:transition xmlns:p14="http://schemas.microsoft.com/office/powerpoint/2010/main" spd="slow" p14:dur="2000" advClick="0" advTm="0">
+        <p159:morph option="byObject"/>
+      </p:transition>
+    </mc:Choice>
+    <mc:Fallback xmlns="">
+      <p:transition spd="slow" advClick="0" advTm="0">
+        <p:fade/>
+      </p:transition>
+    </mc:Fallback>
+  </mc:AlternateContent>
+</p:sld>
+</file>
+
+<file path=ppt/slides/slide6.xml><?xml version="1.0" encoding="utf-8"?>
+<p:sld xmlns:a="http://schemas.openxmlformats.org/drawingml/2006/main" xmlns:r="http://schemas.openxmlformats.org/officeDocument/2006/relationships" xmlns:p="http://schemas.openxmlformats.org/presentationml/2006/main">
+  <p:cSld>
+    <p:spTree>
+      <p:nvGrpSpPr>
+        <p:cNvPr id="1" name=""/>
+        <p:cNvGrpSpPr/>
+        <p:nvPr/>
+      </p:nvGrpSpPr>
+      <p:grpSpPr>
+        <a:xfrm>
+          <a:off x="0" y="0"/>
+          <a:ext cx="0" cy="0"/>
+          <a:chOff x="0" y="0"/>
+          <a:chExt cx="0" cy="0"/>
+        </a:xfrm>
+      </p:grpSpPr>
+      <p:sp>
+        <p:nvSpPr>
+          <p:cNvPr id="2" name="Titel 1">
+            <a:extLst>
+              <a:ext uri="{FF2B5EF4-FFF2-40B4-BE49-F238E27FC236}">
+                <a16:creationId xmlns:a16="http://schemas.microsoft.com/office/drawing/2014/main" id="{67ADB432-F3B8-CF36-FE64-924F36582E7B}"/>
               </a:ext>
             </a:extLst>
           </p:cNvPr>
@@ -4061,7 +8236,7 @@
             <a:spLocks noGrp="1"/>
           </p:cNvSpPr>
           <p:nvPr>
-            <p:ph idx="1"/>
+            <p:ph type="title"/>
           </p:nvPr>
         </p:nvSpPr>
         <p:spPr/>
@@ -4069,125 +8244,5001 @@
           <a:bodyPr/>
           <a:lstStyle/>
           <a:p>
-            <a:pPr marL="0" indent="0">
-              <a:buNone/>
-            </a:pPr>
-            <a:r>
-              <a:rPr lang="nl-NL" b="0" i="1" dirty="0">
+            <a:r>
+              <a:rPr lang="nl-NL" dirty="0"/>
+              <a:t>Mechanic Loop</a:t>
+            </a:r>
+          </a:p>
+        </p:txBody>
+      </p:sp>
+      <p:sp>
+        <p:nvSpPr>
+          <p:cNvPr id="5" name="Ovaal 4">
+            <a:extLst>
+              <a:ext uri="{FF2B5EF4-FFF2-40B4-BE49-F238E27FC236}">
+                <a16:creationId xmlns:a16="http://schemas.microsoft.com/office/drawing/2014/main" id="{8AB01AF1-753F-F353-6CB2-75D22A36157C}"/>
+              </a:ext>
+            </a:extLst>
+          </p:cNvPr>
+          <p:cNvSpPr/>
+          <p:nvPr/>
+        </p:nvSpPr>
+        <p:spPr>
+          <a:xfrm>
+            <a:off x="8215468" y="6011830"/>
+            <a:ext cx="1739984" cy="551063"/>
+          </a:xfrm>
+          <a:prstGeom prst="ellipse">
+            <a:avLst/>
+          </a:prstGeom>
+        </p:spPr>
+        <p:style>
+          <a:lnRef idx="2">
+            <a:schemeClr val="accent1">
+              <a:shade val="15000"/>
+            </a:schemeClr>
+          </a:lnRef>
+          <a:fillRef idx="1">
+            <a:schemeClr val="accent1"/>
+          </a:fillRef>
+          <a:effectRef idx="0">
+            <a:schemeClr val="accent1"/>
+          </a:effectRef>
+          <a:fontRef idx="minor">
+            <a:schemeClr val="lt1"/>
+          </a:fontRef>
+        </p:style>
+        <p:txBody>
+          <a:bodyPr rtlCol="0" anchor="ctr"/>
+          <a:lstStyle/>
+          <a:p>
+            <a:pPr algn="ctr"/>
+            <a:r>
+              <a:rPr lang="nl-NL" sz="1400" dirty="0"/>
+              <a:t>administrator</a:t>
+            </a:r>
+          </a:p>
+        </p:txBody>
+      </p:sp>
+      <p:graphicFrame>
+        <p:nvGraphicFramePr>
+          <p:cNvPr id="12" name="Tabel 12">
+            <a:extLst>
+              <a:ext uri="{FF2B5EF4-FFF2-40B4-BE49-F238E27FC236}">
+                <a16:creationId xmlns:a16="http://schemas.microsoft.com/office/drawing/2014/main" id="{90DF0F19-6C6A-0B54-FB6B-2A199F8F4272}"/>
+              </a:ext>
+            </a:extLst>
+          </p:cNvPr>
+          <p:cNvGraphicFramePr>
+            <a:graphicFrameLocks noGrp="1"/>
+          </p:cNvGraphicFramePr>
+          <p:nvPr/>
+        </p:nvGraphicFramePr>
+        <p:xfrm>
+          <a:off x="1096070" y="1697749"/>
+          <a:ext cx="10368000" cy="370840"/>
+        </p:xfrm>
+        <a:graphic>
+          <a:graphicData uri="http://schemas.openxmlformats.org/drawingml/2006/table">
+            <a:tbl>
+              <a:tblPr firstRow="1" bandRow="1">
+                <a:tableStyleId>{5C22544A-7EE6-4342-B048-85BDC9FD1C3A}</a:tableStyleId>
+              </a:tblPr>
+              <a:tblGrid>
+                <a:gridCol w="432000">
+                  <a:extLst>
+                    <a:ext uri="{9D8B030D-6E8A-4147-A177-3AD203B41FA5}">
+                      <a16:colId xmlns:a16="http://schemas.microsoft.com/office/drawing/2014/main" val="460867451"/>
+                    </a:ext>
+                  </a:extLst>
+                </a:gridCol>
+                <a:gridCol w="432000">
+                  <a:extLst>
+                    <a:ext uri="{9D8B030D-6E8A-4147-A177-3AD203B41FA5}">
+                      <a16:colId xmlns:a16="http://schemas.microsoft.com/office/drawing/2014/main" val="2445409952"/>
+                    </a:ext>
+                  </a:extLst>
+                </a:gridCol>
+                <a:gridCol w="432000">
+                  <a:extLst>
+                    <a:ext uri="{9D8B030D-6E8A-4147-A177-3AD203B41FA5}">
+                      <a16:colId xmlns:a16="http://schemas.microsoft.com/office/drawing/2014/main" val="2151682526"/>
+                    </a:ext>
+                  </a:extLst>
+                </a:gridCol>
+                <a:gridCol w="432000">
+                  <a:extLst>
+                    <a:ext uri="{9D8B030D-6E8A-4147-A177-3AD203B41FA5}">
+                      <a16:colId xmlns:a16="http://schemas.microsoft.com/office/drawing/2014/main" val="2382324935"/>
+                    </a:ext>
+                  </a:extLst>
+                </a:gridCol>
+                <a:gridCol w="432000">
+                  <a:extLst>
+                    <a:ext uri="{9D8B030D-6E8A-4147-A177-3AD203B41FA5}">
+                      <a16:colId xmlns:a16="http://schemas.microsoft.com/office/drawing/2014/main" val="2873017439"/>
+                    </a:ext>
+                  </a:extLst>
+                </a:gridCol>
+                <a:gridCol w="432000">
+                  <a:extLst>
+                    <a:ext uri="{9D8B030D-6E8A-4147-A177-3AD203B41FA5}">
+                      <a16:colId xmlns:a16="http://schemas.microsoft.com/office/drawing/2014/main" val="1741584497"/>
+                    </a:ext>
+                  </a:extLst>
+                </a:gridCol>
+                <a:gridCol w="432000">
+                  <a:extLst>
+                    <a:ext uri="{9D8B030D-6E8A-4147-A177-3AD203B41FA5}">
+                      <a16:colId xmlns:a16="http://schemas.microsoft.com/office/drawing/2014/main" val="4276133532"/>
+                    </a:ext>
+                  </a:extLst>
+                </a:gridCol>
+                <a:gridCol w="432000">
+                  <a:extLst>
+                    <a:ext uri="{9D8B030D-6E8A-4147-A177-3AD203B41FA5}">
+                      <a16:colId xmlns:a16="http://schemas.microsoft.com/office/drawing/2014/main" val="2278394597"/>
+                    </a:ext>
+                  </a:extLst>
+                </a:gridCol>
+                <a:gridCol w="432000">
+                  <a:extLst>
+                    <a:ext uri="{9D8B030D-6E8A-4147-A177-3AD203B41FA5}">
+                      <a16:colId xmlns:a16="http://schemas.microsoft.com/office/drawing/2014/main" val="1733189475"/>
+                    </a:ext>
+                  </a:extLst>
+                </a:gridCol>
+                <a:gridCol w="432000">
+                  <a:extLst>
+                    <a:ext uri="{9D8B030D-6E8A-4147-A177-3AD203B41FA5}">
+                      <a16:colId xmlns:a16="http://schemas.microsoft.com/office/drawing/2014/main" val="3743190557"/>
+                    </a:ext>
+                  </a:extLst>
+                </a:gridCol>
+                <a:gridCol w="432000">
+                  <a:extLst>
+                    <a:ext uri="{9D8B030D-6E8A-4147-A177-3AD203B41FA5}">
+                      <a16:colId xmlns:a16="http://schemas.microsoft.com/office/drawing/2014/main" val="4150562113"/>
+                    </a:ext>
+                  </a:extLst>
+                </a:gridCol>
+                <a:gridCol w="432000">
+                  <a:extLst>
+                    <a:ext uri="{9D8B030D-6E8A-4147-A177-3AD203B41FA5}">
+                      <a16:colId xmlns:a16="http://schemas.microsoft.com/office/drawing/2014/main" val="154336766"/>
+                    </a:ext>
+                  </a:extLst>
+                </a:gridCol>
+                <a:gridCol w="432000">
+                  <a:extLst>
+                    <a:ext uri="{9D8B030D-6E8A-4147-A177-3AD203B41FA5}">
+                      <a16:colId xmlns:a16="http://schemas.microsoft.com/office/drawing/2014/main" val="1830339965"/>
+                    </a:ext>
+                  </a:extLst>
+                </a:gridCol>
+                <a:gridCol w="432000">
+                  <a:extLst>
+                    <a:ext uri="{9D8B030D-6E8A-4147-A177-3AD203B41FA5}">
+                      <a16:colId xmlns:a16="http://schemas.microsoft.com/office/drawing/2014/main" val="440132147"/>
+                    </a:ext>
+                  </a:extLst>
+                </a:gridCol>
+                <a:gridCol w="432000">
+                  <a:extLst>
+                    <a:ext uri="{9D8B030D-6E8A-4147-A177-3AD203B41FA5}">
+                      <a16:colId xmlns:a16="http://schemas.microsoft.com/office/drawing/2014/main" val="2467063404"/>
+                    </a:ext>
+                  </a:extLst>
+                </a:gridCol>
+                <a:gridCol w="432000">
+                  <a:extLst>
+                    <a:ext uri="{9D8B030D-6E8A-4147-A177-3AD203B41FA5}">
+                      <a16:colId xmlns:a16="http://schemas.microsoft.com/office/drawing/2014/main" val="303654098"/>
+                    </a:ext>
+                  </a:extLst>
+                </a:gridCol>
+                <a:gridCol w="432000">
+                  <a:extLst>
+                    <a:ext uri="{9D8B030D-6E8A-4147-A177-3AD203B41FA5}">
+                      <a16:colId xmlns:a16="http://schemas.microsoft.com/office/drawing/2014/main" val="3019911133"/>
+                    </a:ext>
+                  </a:extLst>
+                </a:gridCol>
+                <a:gridCol w="432000">
+                  <a:extLst>
+                    <a:ext uri="{9D8B030D-6E8A-4147-A177-3AD203B41FA5}">
+                      <a16:colId xmlns:a16="http://schemas.microsoft.com/office/drawing/2014/main" val="728792809"/>
+                    </a:ext>
+                  </a:extLst>
+                </a:gridCol>
+                <a:gridCol w="432000">
+                  <a:extLst>
+                    <a:ext uri="{9D8B030D-6E8A-4147-A177-3AD203B41FA5}">
+                      <a16:colId xmlns:a16="http://schemas.microsoft.com/office/drawing/2014/main" val="3547418016"/>
+                    </a:ext>
+                  </a:extLst>
+                </a:gridCol>
+                <a:gridCol w="432000">
+                  <a:extLst>
+                    <a:ext uri="{9D8B030D-6E8A-4147-A177-3AD203B41FA5}">
+                      <a16:colId xmlns:a16="http://schemas.microsoft.com/office/drawing/2014/main" val="2635663454"/>
+                    </a:ext>
+                  </a:extLst>
+                </a:gridCol>
+                <a:gridCol w="432000">
+                  <a:extLst>
+                    <a:ext uri="{9D8B030D-6E8A-4147-A177-3AD203B41FA5}">
+                      <a16:colId xmlns:a16="http://schemas.microsoft.com/office/drawing/2014/main" val="1010602919"/>
+                    </a:ext>
+                  </a:extLst>
+                </a:gridCol>
+                <a:gridCol w="432000">
+                  <a:extLst>
+                    <a:ext uri="{9D8B030D-6E8A-4147-A177-3AD203B41FA5}">
+                      <a16:colId xmlns:a16="http://schemas.microsoft.com/office/drawing/2014/main" val="1181440095"/>
+                    </a:ext>
+                  </a:extLst>
+                </a:gridCol>
+                <a:gridCol w="432000">
+                  <a:extLst>
+                    <a:ext uri="{9D8B030D-6E8A-4147-A177-3AD203B41FA5}">
+                      <a16:colId xmlns:a16="http://schemas.microsoft.com/office/drawing/2014/main" val="4137236235"/>
+                    </a:ext>
+                  </a:extLst>
+                </a:gridCol>
+                <a:gridCol w="432000">
+                  <a:extLst>
+                    <a:ext uri="{9D8B030D-6E8A-4147-A177-3AD203B41FA5}">
+                      <a16:colId xmlns:a16="http://schemas.microsoft.com/office/drawing/2014/main" val="1918653240"/>
+                    </a:ext>
+                  </a:extLst>
+                </a:gridCol>
+              </a:tblGrid>
+              <a:tr h="370840">
+                <a:tc>
+                  <a:txBody>
+                    <a:bodyPr/>
+                    <a:lstStyle/>
+                    <a:p>
+                      <a:pPr algn="ctr"/>
+                      <a:r>
+                        <a:rPr lang="nl-NL" dirty="0"/>
+                        <a:t>1</a:t>
+                      </a:r>
+                    </a:p>
+                  </a:txBody>
+                  <a:tcPr anchor="ctr">
+                    <a:solidFill>
+                      <a:srgbClr val="002060"/>
+                    </a:solidFill>
+                  </a:tcPr>
+                </a:tc>
+                <a:tc>
+                  <a:txBody>
+                    <a:bodyPr/>
+                    <a:lstStyle/>
+                    <a:p>
+                      <a:pPr algn="ctr"/>
+                      <a:r>
+                        <a:rPr lang="nl-NL" dirty="0"/>
+                        <a:t>2</a:t>
+                      </a:r>
+                    </a:p>
+                  </a:txBody>
+                  <a:tcPr anchor="ctr">
+                    <a:solidFill>
+                      <a:srgbClr val="002060"/>
+                    </a:solidFill>
+                  </a:tcPr>
+                </a:tc>
+                <a:tc>
+                  <a:txBody>
+                    <a:bodyPr/>
+                    <a:lstStyle/>
+                    <a:p>
+                      <a:pPr algn="ctr"/>
+                      <a:r>
+                        <a:rPr lang="nl-NL" dirty="0"/>
+                        <a:t>3</a:t>
+                      </a:r>
+                    </a:p>
+                  </a:txBody>
+                  <a:tcPr anchor="ctr">
+                    <a:solidFill>
+                      <a:srgbClr val="002060"/>
+                    </a:solidFill>
+                  </a:tcPr>
+                </a:tc>
+                <a:tc>
+                  <a:txBody>
+                    <a:bodyPr/>
+                    <a:lstStyle/>
+                    <a:p>
+                      <a:pPr algn="ctr"/>
+                      <a:r>
+                        <a:rPr lang="nl-NL" dirty="0"/>
+                        <a:t>4</a:t>
+                      </a:r>
+                    </a:p>
+                  </a:txBody>
+                  <a:tcPr anchor="ctr">
+                    <a:solidFill>
+                      <a:srgbClr val="002060"/>
+                    </a:solidFill>
+                  </a:tcPr>
+                </a:tc>
+                <a:tc>
+                  <a:txBody>
+                    <a:bodyPr/>
+                    <a:lstStyle/>
+                    <a:p>
+                      <a:pPr algn="ctr"/>
+                      <a:r>
+                        <a:rPr lang="nl-NL" dirty="0"/>
+                        <a:t>5</a:t>
+                      </a:r>
+                    </a:p>
+                  </a:txBody>
+                  <a:tcPr anchor="ctr">
+                    <a:solidFill>
+                      <a:srgbClr val="002060"/>
+                    </a:solidFill>
+                  </a:tcPr>
+                </a:tc>
+                <a:tc>
+                  <a:txBody>
+                    <a:bodyPr/>
+                    <a:lstStyle/>
+                    <a:p>
+                      <a:pPr algn="ctr"/>
+                      <a:r>
+                        <a:rPr lang="nl-NL" dirty="0"/>
+                        <a:t>6</a:t>
+                      </a:r>
+                    </a:p>
+                  </a:txBody>
+                  <a:tcPr anchor="ctr">
+                    <a:solidFill>
+                      <a:srgbClr val="002060"/>
+                    </a:solidFill>
+                  </a:tcPr>
+                </a:tc>
+                <a:tc>
+                  <a:txBody>
+                    <a:bodyPr/>
+                    <a:lstStyle/>
+                    <a:p>
+                      <a:pPr algn="ctr"/>
+                      <a:r>
+                        <a:rPr lang="nl-NL" dirty="0"/>
+                        <a:t>7</a:t>
+                      </a:r>
+                    </a:p>
+                  </a:txBody>
+                  <a:tcPr anchor="ctr">
+                    <a:solidFill>
+                      <a:srgbClr val="002060"/>
+                    </a:solidFill>
+                  </a:tcPr>
+                </a:tc>
+                <a:tc>
+                  <a:txBody>
+                    <a:bodyPr/>
+                    <a:lstStyle/>
+                    <a:p>
+                      <a:pPr algn="ctr"/>
+                      <a:r>
+                        <a:rPr lang="nl-NL" dirty="0"/>
+                        <a:t>8</a:t>
+                      </a:r>
+                    </a:p>
+                  </a:txBody>
+                  <a:tcPr anchor="ctr">
+                    <a:solidFill>
+                      <a:srgbClr val="002060"/>
+                    </a:solidFill>
+                  </a:tcPr>
+                </a:tc>
+                <a:tc>
+                  <a:txBody>
+                    <a:bodyPr/>
+                    <a:lstStyle/>
+                    <a:p>
+                      <a:pPr algn="ctr"/>
+                      <a:r>
+                        <a:rPr lang="nl-NL" dirty="0"/>
+                        <a:t>9</a:t>
+                      </a:r>
+                    </a:p>
+                  </a:txBody>
+                  <a:tcPr anchor="ctr">
+                    <a:solidFill>
+                      <a:srgbClr val="002060"/>
+                    </a:solidFill>
+                  </a:tcPr>
+                </a:tc>
+                <a:tc>
+                  <a:txBody>
+                    <a:bodyPr/>
+                    <a:lstStyle/>
+                    <a:p>
+                      <a:pPr algn="ctr"/>
+                      <a:r>
+                        <a:rPr lang="nl-NL" dirty="0"/>
+                        <a:t>10</a:t>
+                      </a:r>
+                    </a:p>
+                  </a:txBody>
+                  <a:tcPr anchor="ctr">
+                    <a:solidFill>
+                      <a:srgbClr val="002060"/>
+                    </a:solidFill>
+                  </a:tcPr>
+                </a:tc>
+                <a:tc>
+                  <a:txBody>
+                    <a:bodyPr/>
+                    <a:lstStyle/>
+                    <a:p>
+                      <a:pPr algn="ctr"/>
+                      <a:r>
+                        <a:rPr lang="nl-NL" dirty="0"/>
+                        <a:t>11</a:t>
+                      </a:r>
+                    </a:p>
+                  </a:txBody>
+                  <a:tcPr anchor="ctr">
+                    <a:solidFill>
+                      <a:srgbClr val="002060"/>
+                    </a:solidFill>
+                  </a:tcPr>
+                </a:tc>
+                <a:tc>
+                  <a:txBody>
+                    <a:bodyPr/>
+                    <a:lstStyle/>
+                    <a:p>
+                      <a:pPr algn="ctr"/>
+                      <a:r>
+                        <a:rPr lang="nl-NL" dirty="0"/>
+                        <a:t>12</a:t>
+                      </a:r>
+                    </a:p>
+                  </a:txBody>
+                  <a:tcPr anchor="ctr">
+                    <a:solidFill>
+                      <a:srgbClr val="002060"/>
+                    </a:solidFill>
+                  </a:tcPr>
+                </a:tc>
+                <a:tc>
+                  <a:txBody>
+                    <a:bodyPr/>
+                    <a:lstStyle/>
+                    <a:p>
+                      <a:pPr algn="ctr"/>
+                      <a:r>
+                        <a:rPr lang="nl-NL" dirty="0"/>
+                        <a:t>13</a:t>
+                      </a:r>
+                    </a:p>
+                  </a:txBody>
+                  <a:tcPr anchor="ctr">
+                    <a:solidFill>
+                      <a:srgbClr val="002060"/>
+                    </a:solidFill>
+                  </a:tcPr>
+                </a:tc>
+                <a:tc>
+                  <a:txBody>
+                    <a:bodyPr/>
+                    <a:lstStyle/>
+                    <a:p>
+                      <a:pPr algn="ctr"/>
+                      <a:r>
+                        <a:rPr lang="nl-NL" dirty="0"/>
+                        <a:t>14</a:t>
+                      </a:r>
+                    </a:p>
+                  </a:txBody>
+                  <a:tcPr anchor="ctr">
+                    <a:solidFill>
+                      <a:srgbClr val="002060"/>
+                    </a:solidFill>
+                  </a:tcPr>
+                </a:tc>
+                <a:tc>
+                  <a:txBody>
+                    <a:bodyPr/>
+                    <a:lstStyle/>
+                    <a:p>
+                      <a:pPr algn="ctr"/>
+                      <a:r>
+                        <a:rPr lang="nl-NL" dirty="0"/>
+                        <a:t>15</a:t>
+                      </a:r>
+                    </a:p>
+                  </a:txBody>
+                  <a:tcPr anchor="ctr">
+                    <a:solidFill>
+                      <a:srgbClr val="002060"/>
+                    </a:solidFill>
+                  </a:tcPr>
+                </a:tc>
+                <a:tc>
+                  <a:txBody>
+                    <a:bodyPr/>
+                    <a:lstStyle/>
+                    <a:p>
+                      <a:pPr algn="ctr"/>
+                      <a:r>
+                        <a:rPr lang="nl-NL" dirty="0"/>
+                        <a:t>16</a:t>
+                      </a:r>
+                    </a:p>
+                  </a:txBody>
+                  <a:tcPr anchor="ctr">
+                    <a:solidFill>
+                      <a:srgbClr val="002060"/>
+                    </a:solidFill>
+                  </a:tcPr>
+                </a:tc>
+                <a:tc>
+                  <a:txBody>
+                    <a:bodyPr/>
+                    <a:lstStyle/>
+                    <a:p>
+                      <a:pPr algn="ctr"/>
+                      <a:r>
+                        <a:rPr lang="nl-NL" dirty="0"/>
+                        <a:t>17</a:t>
+                      </a:r>
+                    </a:p>
+                  </a:txBody>
+                  <a:tcPr anchor="ctr">
+                    <a:solidFill>
+                      <a:srgbClr val="002060"/>
+                    </a:solidFill>
+                  </a:tcPr>
+                </a:tc>
+                <a:tc>
+                  <a:txBody>
+                    <a:bodyPr/>
+                    <a:lstStyle/>
+                    <a:p>
+                      <a:pPr algn="ctr"/>
+                      <a:r>
+                        <a:rPr lang="nl-NL" dirty="0"/>
+                        <a:t>18</a:t>
+                      </a:r>
+                    </a:p>
+                  </a:txBody>
+                  <a:tcPr anchor="ctr">
+                    <a:solidFill>
+                      <a:srgbClr val="002060"/>
+                    </a:solidFill>
+                  </a:tcPr>
+                </a:tc>
+                <a:tc>
+                  <a:txBody>
+                    <a:bodyPr/>
+                    <a:lstStyle/>
+                    <a:p>
+                      <a:pPr algn="ctr"/>
+                      <a:r>
+                        <a:rPr lang="nl-NL" dirty="0"/>
+                        <a:t>19</a:t>
+                      </a:r>
+                    </a:p>
+                  </a:txBody>
+                  <a:tcPr anchor="ctr">
+                    <a:solidFill>
+                      <a:srgbClr val="002060"/>
+                    </a:solidFill>
+                  </a:tcPr>
+                </a:tc>
+                <a:tc>
+                  <a:txBody>
+                    <a:bodyPr/>
+                    <a:lstStyle/>
+                    <a:p>
+                      <a:pPr algn="ctr"/>
+                      <a:r>
+                        <a:rPr lang="nl-NL" dirty="0"/>
+                        <a:t>20</a:t>
+                      </a:r>
+                    </a:p>
+                  </a:txBody>
+                  <a:tcPr anchor="ctr">
+                    <a:solidFill>
+                      <a:srgbClr val="002060"/>
+                    </a:solidFill>
+                  </a:tcPr>
+                </a:tc>
+                <a:tc>
+                  <a:txBody>
+                    <a:bodyPr/>
+                    <a:lstStyle/>
+                    <a:p>
+                      <a:pPr algn="ctr"/>
+                      <a:r>
+                        <a:rPr lang="nl-NL" dirty="0"/>
+                        <a:t>21</a:t>
+                      </a:r>
+                    </a:p>
+                  </a:txBody>
+                  <a:tcPr anchor="ctr">
+                    <a:solidFill>
+                      <a:srgbClr val="002060"/>
+                    </a:solidFill>
+                  </a:tcPr>
+                </a:tc>
+                <a:tc>
+                  <a:txBody>
+                    <a:bodyPr/>
+                    <a:lstStyle/>
+                    <a:p>
+                      <a:pPr algn="ctr"/>
+                      <a:r>
+                        <a:rPr lang="nl-NL" dirty="0"/>
+                        <a:t>22</a:t>
+                      </a:r>
+                    </a:p>
+                  </a:txBody>
+                  <a:tcPr anchor="ctr">
+                    <a:solidFill>
+                      <a:srgbClr val="002060"/>
+                    </a:solidFill>
+                  </a:tcPr>
+                </a:tc>
+                <a:tc>
+                  <a:txBody>
+                    <a:bodyPr/>
+                    <a:lstStyle/>
+                    <a:p>
+                      <a:pPr algn="ctr"/>
+                      <a:r>
+                        <a:rPr lang="nl-NL" dirty="0"/>
+                        <a:t>23</a:t>
+                      </a:r>
+                    </a:p>
+                  </a:txBody>
+                  <a:tcPr anchor="ctr">
+                    <a:solidFill>
+                      <a:srgbClr val="002060"/>
+                    </a:solidFill>
+                  </a:tcPr>
+                </a:tc>
+                <a:tc>
+                  <a:txBody>
+                    <a:bodyPr/>
+                    <a:lstStyle/>
+                    <a:p>
+                      <a:pPr algn="ctr"/>
+                      <a:r>
+                        <a:rPr lang="nl-NL" dirty="0"/>
+                        <a:t>24</a:t>
+                      </a:r>
+                    </a:p>
+                  </a:txBody>
+                  <a:tcPr anchor="ctr">
+                    <a:solidFill>
+                      <a:srgbClr val="002060"/>
+                    </a:solidFill>
+                  </a:tcPr>
+                </a:tc>
+                <a:extLst>
+                  <a:ext uri="{0D108BD9-81ED-4DB2-BD59-A6C34878D82A}">
+                    <a16:rowId xmlns:a16="http://schemas.microsoft.com/office/drawing/2014/main" val="1216731237"/>
+                  </a:ext>
+                </a:extLst>
+              </a:tr>
+            </a:tbl>
+          </a:graphicData>
+        </a:graphic>
+      </p:graphicFrame>
+      <p:sp>
+        <p:nvSpPr>
+          <p:cNvPr id="14" name="Ovaal 13">
+            <a:extLst>
+              <a:ext uri="{FF2B5EF4-FFF2-40B4-BE49-F238E27FC236}">
+                <a16:creationId xmlns:a16="http://schemas.microsoft.com/office/drawing/2014/main" id="{675C6C1F-3CC7-3900-2CC5-8E31F8DECAA2}"/>
+              </a:ext>
+            </a:extLst>
+          </p:cNvPr>
+          <p:cNvSpPr/>
+          <p:nvPr/>
+        </p:nvSpPr>
+        <p:spPr>
+          <a:xfrm>
+            <a:off x="4200586" y="5310509"/>
+            <a:ext cx="1739983" cy="551063"/>
+          </a:xfrm>
+          <a:prstGeom prst="ellipse">
+            <a:avLst/>
+          </a:prstGeom>
+        </p:spPr>
+        <p:style>
+          <a:lnRef idx="2">
+            <a:schemeClr val="accent1">
+              <a:shade val="15000"/>
+            </a:schemeClr>
+          </a:lnRef>
+          <a:fillRef idx="1">
+            <a:schemeClr val="accent1"/>
+          </a:fillRef>
+          <a:effectRef idx="0">
+            <a:schemeClr val="accent1"/>
+          </a:effectRef>
+          <a:fontRef idx="minor">
+            <a:schemeClr val="lt1"/>
+          </a:fontRef>
+        </p:style>
+        <p:txBody>
+          <a:bodyPr rtlCol="0" anchor="ctr"/>
+          <a:lstStyle/>
+          <a:p>
+            <a:pPr algn="ctr"/>
+            <a:r>
+              <a:rPr lang="nl-NL" sz="1400" dirty="0"/>
+              <a:t>bakker</a:t>
+            </a:r>
+            <a:endParaRPr lang="nl-NL" dirty="0"/>
+          </a:p>
+        </p:txBody>
+      </p:sp>
+      <p:sp>
+        <p:nvSpPr>
+          <p:cNvPr id="15" name="Ovaal 14">
+            <a:extLst>
+              <a:ext uri="{FF2B5EF4-FFF2-40B4-BE49-F238E27FC236}">
+                <a16:creationId xmlns:a16="http://schemas.microsoft.com/office/drawing/2014/main" id="{5F6AE8C7-4ED1-B6B3-10F0-66CFE368AF09}"/>
+              </a:ext>
+            </a:extLst>
+          </p:cNvPr>
+          <p:cNvSpPr/>
+          <p:nvPr/>
+        </p:nvSpPr>
+        <p:spPr>
+          <a:xfrm>
+            <a:off x="6223167" y="4609188"/>
+            <a:ext cx="1739983" cy="551063"/>
+          </a:xfrm>
+          <a:prstGeom prst="ellipse">
+            <a:avLst/>
+          </a:prstGeom>
+        </p:spPr>
+        <p:style>
+          <a:lnRef idx="2">
+            <a:schemeClr val="accent1">
+              <a:shade val="15000"/>
+            </a:schemeClr>
+          </a:lnRef>
+          <a:fillRef idx="1">
+            <a:schemeClr val="accent1"/>
+          </a:fillRef>
+          <a:effectRef idx="0">
+            <a:schemeClr val="accent1"/>
+          </a:effectRef>
+          <a:fontRef idx="minor">
+            <a:schemeClr val="lt1"/>
+          </a:fontRef>
+        </p:style>
+        <p:txBody>
+          <a:bodyPr rtlCol="0" anchor="ctr"/>
+          <a:lstStyle/>
+          <a:p>
+            <a:pPr algn="ctr"/>
+            <a:r>
+              <a:rPr lang="nl-NL" sz="1400" dirty="0"/>
+              <a:t>Tank Guy</a:t>
+            </a:r>
+            <a:endParaRPr lang="nl-NL" dirty="0"/>
+          </a:p>
+        </p:txBody>
+      </p:sp>
+      <p:sp>
+        <p:nvSpPr>
+          <p:cNvPr id="33" name="Pijl: omhoog 32">
+            <a:extLst>
+              <a:ext uri="{FF2B5EF4-FFF2-40B4-BE49-F238E27FC236}">
+                <a16:creationId xmlns:a16="http://schemas.microsoft.com/office/drawing/2014/main" id="{E37C0E73-3E6D-EAF5-44CA-BED27F5E330B}"/>
+              </a:ext>
+            </a:extLst>
+          </p:cNvPr>
+          <p:cNvSpPr/>
+          <p:nvPr/>
+        </p:nvSpPr>
+        <p:spPr>
+          <a:xfrm>
+            <a:off x="8526326" y="2083909"/>
+            <a:ext cx="230114" cy="205891"/>
+          </a:xfrm>
+          <a:prstGeom prst="upArrow">
+            <a:avLst/>
+          </a:prstGeom>
+        </p:spPr>
+        <p:style>
+          <a:lnRef idx="2">
+            <a:schemeClr val="accent1">
+              <a:shade val="15000"/>
+            </a:schemeClr>
+          </a:lnRef>
+          <a:fillRef idx="1">
+            <a:schemeClr val="accent1"/>
+          </a:fillRef>
+          <a:effectRef idx="0">
+            <a:schemeClr val="accent1"/>
+          </a:effectRef>
+          <a:fontRef idx="minor">
+            <a:schemeClr val="lt1"/>
+          </a:fontRef>
+        </p:style>
+        <p:txBody>
+          <a:bodyPr rtlCol="0" anchor="ctr"/>
+          <a:lstStyle/>
+          <a:p>
+            <a:pPr algn="ctr"/>
+            <a:endParaRPr lang="nl-NL"/>
+          </a:p>
+        </p:txBody>
+      </p:sp>
+      <p:graphicFrame>
+        <p:nvGraphicFramePr>
+          <p:cNvPr id="34" name="Tabel 10">
+            <a:extLst>
+              <a:ext uri="{FF2B5EF4-FFF2-40B4-BE49-F238E27FC236}">
+                <a16:creationId xmlns:a16="http://schemas.microsoft.com/office/drawing/2014/main" id="{D074D9D8-A9BF-3014-EBE5-B014C2CB35C9}"/>
+              </a:ext>
+            </a:extLst>
+          </p:cNvPr>
+          <p:cNvGraphicFramePr>
+            <a:graphicFrameLocks noGrp="1"/>
+          </p:cNvGraphicFramePr>
+          <p:nvPr/>
+        </p:nvGraphicFramePr>
+        <p:xfrm>
+          <a:off x="2032000" y="3590035"/>
+          <a:ext cx="8128000" cy="370840"/>
+        </p:xfrm>
+        <a:graphic>
+          <a:graphicData uri="http://schemas.openxmlformats.org/drawingml/2006/table">
+            <a:tbl>
+              <a:tblPr firstRow="1" bandRow="1">
+                <a:tableStyleId>{5C22544A-7EE6-4342-B048-85BDC9FD1C3A}</a:tableStyleId>
+              </a:tblPr>
+              <a:tblGrid>
+                <a:gridCol w="2032000">
+                  <a:extLst>
+                    <a:ext uri="{9D8B030D-6E8A-4147-A177-3AD203B41FA5}">
+                      <a16:colId xmlns:a16="http://schemas.microsoft.com/office/drawing/2014/main" val="82315092"/>
+                    </a:ext>
+                  </a:extLst>
+                </a:gridCol>
+                <a:gridCol w="2032000">
+                  <a:extLst>
+                    <a:ext uri="{9D8B030D-6E8A-4147-A177-3AD203B41FA5}">
+                      <a16:colId xmlns:a16="http://schemas.microsoft.com/office/drawing/2014/main" val="1038358519"/>
+                    </a:ext>
+                  </a:extLst>
+                </a:gridCol>
+                <a:gridCol w="2032000">
+                  <a:extLst>
+                    <a:ext uri="{9D8B030D-6E8A-4147-A177-3AD203B41FA5}">
+                      <a16:colId xmlns:a16="http://schemas.microsoft.com/office/drawing/2014/main" val="1603408932"/>
+                    </a:ext>
+                  </a:extLst>
+                </a:gridCol>
+                <a:gridCol w="2032000">
+                  <a:extLst>
+                    <a:ext uri="{9D8B030D-6E8A-4147-A177-3AD203B41FA5}">
+                      <a16:colId xmlns:a16="http://schemas.microsoft.com/office/drawing/2014/main" val="1176514278"/>
+                    </a:ext>
+                  </a:extLst>
+                </a:gridCol>
+              </a:tblGrid>
+              <a:tr h="370840">
+                <a:tc>
+                  <a:txBody>
+                    <a:bodyPr/>
+                    <a:lstStyle/>
+                    <a:p>
+                      <a:pPr algn="ctr"/>
+                      <a:r>
+                        <a:rPr lang="nl-NL" dirty="0"/>
+                        <a:t>Slapen</a:t>
+                      </a:r>
+                    </a:p>
+                  </a:txBody>
+                  <a:tcPr anchor="ctr">
+                    <a:lnL w="12700" cap="flat" cmpd="sng" algn="ctr">
+                      <a:solidFill>
+                        <a:schemeClr val="tx1"/>
+                      </a:solidFill>
+                      <a:prstDash val="solid"/>
+                      <a:round/>
+                      <a:headEnd type="none" w="med" len="med"/>
+                      <a:tailEnd type="none" w="med" len="med"/>
+                    </a:lnL>
+                    <a:lnR w="12700" cap="flat" cmpd="sng" algn="ctr">
+                      <a:solidFill>
+                        <a:schemeClr val="tx1"/>
+                      </a:solidFill>
+                      <a:prstDash val="solid"/>
+                      <a:round/>
+                      <a:headEnd type="none" w="med" len="med"/>
+                      <a:tailEnd type="none" w="med" len="med"/>
+                    </a:lnR>
+                    <a:lnT w="12700" cap="flat" cmpd="sng" algn="ctr">
+                      <a:solidFill>
+                        <a:schemeClr val="tx1"/>
+                      </a:solidFill>
+                      <a:prstDash val="solid"/>
+                      <a:round/>
+                      <a:headEnd type="none" w="med" len="med"/>
+                      <a:tailEnd type="none" w="med" len="med"/>
+                    </a:lnT>
+                    <a:lnB w="12700" cap="flat" cmpd="sng" algn="ctr">
+                      <a:solidFill>
+                        <a:schemeClr val="tx1"/>
+                      </a:solidFill>
+                      <a:prstDash val="solid"/>
+                      <a:round/>
+                      <a:headEnd type="none" w="med" len="med"/>
+                      <a:tailEnd type="none" w="med" len="med"/>
+                    </a:lnB>
+                    <a:lnTlToBr w="12700" cmpd="sng">
+                      <a:noFill/>
+                      <a:prstDash val="solid"/>
+                    </a:lnTlToBr>
+                    <a:lnBlToTr w="12700" cmpd="sng">
+                      <a:noFill/>
+                      <a:prstDash val="solid"/>
+                    </a:lnBlToTr>
+                    <a:solidFill>
+                      <a:schemeClr val="accent6">
+                        <a:lumMod val="40000"/>
+                        <a:lumOff val="60000"/>
+                      </a:schemeClr>
+                    </a:solidFill>
+                  </a:tcPr>
+                </a:tc>
+                <a:tc>
+                  <a:txBody>
+                    <a:bodyPr/>
+                    <a:lstStyle/>
+                    <a:p>
+                      <a:pPr algn="ctr"/>
+                      <a:r>
+                        <a:rPr lang="nl-NL" dirty="0"/>
+                        <a:t>Thuis</a:t>
+                      </a:r>
+                    </a:p>
+                  </a:txBody>
+                  <a:tcPr anchor="ctr">
+                    <a:lnL w="12700" cap="flat" cmpd="sng" algn="ctr">
+                      <a:solidFill>
+                        <a:schemeClr val="tx1"/>
+                      </a:solidFill>
+                      <a:prstDash val="solid"/>
+                      <a:round/>
+                      <a:headEnd type="none" w="med" len="med"/>
+                      <a:tailEnd type="none" w="med" len="med"/>
+                    </a:lnL>
+                    <a:lnR w="12700" cap="flat" cmpd="sng" algn="ctr">
+                      <a:solidFill>
+                        <a:schemeClr val="tx1"/>
+                      </a:solidFill>
+                      <a:prstDash val="solid"/>
+                      <a:round/>
+                      <a:headEnd type="none" w="med" len="med"/>
+                      <a:tailEnd type="none" w="med" len="med"/>
+                    </a:lnR>
+                    <a:lnT w="12700" cap="flat" cmpd="sng" algn="ctr">
+                      <a:solidFill>
+                        <a:schemeClr val="tx1"/>
+                      </a:solidFill>
+                      <a:prstDash val="solid"/>
+                      <a:round/>
+                      <a:headEnd type="none" w="med" len="med"/>
+                      <a:tailEnd type="none" w="med" len="med"/>
+                    </a:lnT>
+                    <a:lnB w="12700" cap="flat" cmpd="sng" algn="ctr">
+                      <a:solidFill>
+                        <a:schemeClr val="tx1"/>
+                      </a:solidFill>
+                      <a:prstDash val="solid"/>
+                      <a:round/>
+                      <a:headEnd type="none" w="med" len="med"/>
+                      <a:tailEnd type="none" w="med" len="med"/>
+                    </a:lnB>
+                    <a:lnTlToBr w="12700" cmpd="sng">
+                      <a:noFill/>
+                      <a:prstDash val="solid"/>
+                    </a:lnTlToBr>
+                    <a:lnBlToTr w="12700" cmpd="sng">
+                      <a:noFill/>
+                      <a:prstDash val="solid"/>
+                    </a:lnBlToTr>
+                    <a:solidFill>
+                      <a:srgbClr val="FFC000"/>
+                    </a:solidFill>
+                  </a:tcPr>
+                </a:tc>
+                <a:tc>
+                  <a:txBody>
+                    <a:bodyPr/>
+                    <a:lstStyle/>
+                    <a:p>
+                      <a:pPr algn="ctr"/>
+                      <a:r>
+                        <a:rPr lang="nl-NL" dirty="0"/>
+                        <a:t>Onderweg</a:t>
+                      </a:r>
+                    </a:p>
+                  </a:txBody>
+                  <a:tcPr anchor="ctr">
+                    <a:lnL w="12700" cap="flat" cmpd="sng" algn="ctr">
+                      <a:solidFill>
+                        <a:schemeClr val="tx1"/>
+                      </a:solidFill>
+                      <a:prstDash val="solid"/>
+                      <a:round/>
+                      <a:headEnd type="none" w="med" len="med"/>
+                      <a:tailEnd type="none" w="med" len="med"/>
+                    </a:lnL>
+                    <a:lnR w="12700" cap="flat" cmpd="sng" algn="ctr">
+                      <a:solidFill>
+                        <a:schemeClr val="tx1"/>
+                      </a:solidFill>
+                      <a:prstDash val="solid"/>
+                      <a:round/>
+                      <a:headEnd type="none" w="med" len="med"/>
+                      <a:tailEnd type="none" w="med" len="med"/>
+                    </a:lnR>
+                    <a:lnT w="12700" cap="flat" cmpd="sng" algn="ctr">
+                      <a:solidFill>
+                        <a:schemeClr val="tx1"/>
+                      </a:solidFill>
+                      <a:prstDash val="solid"/>
+                      <a:round/>
+                      <a:headEnd type="none" w="med" len="med"/>
+                      <a:tailEnd type="none" w="med" len="med"/>
+                    </a:lnT>
+                    <a:lnB w="12700" cap="flat" cmpd="sng" algn="ctr">
+                      <a:solidFill>
+                        <a:schemeClr val="tx1"/>
+                      </a:solidFill>
+                      <a:prstDash val="solid"/>
+                      <a:round/>
+                      <a:headEnd type="none" w="med" len="med"/>
+                      <a:tailEnd type="none" w="med" len="med"/>
+                    </a:lnB>
+                    <a:lnTlToBr w="12700" cmpd="sng">
+                      <a:noFill/>
+                      <a:prstDash val="solid"/>
+                    </a:lnTlToBr>
+                    <a:lnBlToTr w="12700" cmpd="sng">
+                      <a:noFill/>
+                      <a:prstDash val="solid"/>
+                    </a:lnBlToTr>
+                    <a:solidFill>
+                      <a:schemeClr val="accent2">
+                        <a:lumMod val="75000"/>
+                      </a:schemeClr>
+                    </a:solidFill>
+                  </a:tcPr>
+                </a:tc>
+                <a:tc>
+                  <a:txBody>
+                    <a:bodyPr/>
+                    <a:lstStyle/>
+                    <a:p>
+                      <a:pPr algn="ctr"/>
+                      <a:r>
+                        <a:rPr lang="nl-NL" dirty="0"/>
+                        <a:t>Werken</a:t>
+                      </a:r>
+                    </a:p>
+                  </a:txBody>
+                  <a:tcPr anchor="ctr">
+                    <a:lnL w="12700" cap="flat" cmpd="sng" algn="ctr">
+                      <a:solidFill>
+                        <a:schemeClr val="tx1"/>
+                      </a:solidFill>
+                      <a:prstDash val="solid"/>
+                      <a:round/>
+                      <a:headEnd type="none" w="med" len="med"/>
+                      <a:tailEnd type="none" w="med" len="med"/>
+                    </a:lnL>
+                    <a:lnR w="12700" cap="flat" cmpd="sng" algn="ctr">
+                      <a:solidFill>
+                        <a:schemeClr val="tx1"/>
+                      </a:solidFill>
+                      <a:prstDash val="solid"/>
+                      <a:round/>
+                      <a:headEnd type="none" w="med" len="med"/>
+                      <a:tailEnd type="none" w="med" len="med"/>
+                    </a:lnR>
+                    <a:lnT w="12700" cap="flat" cmpd="sng" algn="ctr">
+                      <a:solidFill>
+                        <a:schemeClr val="tx1"/>
+                      </a:solidFill>
+                      <a:prstDash val="solid"/>
+                      <a:round/>
+                      <a:headEnd type="none" w="med" len="med"/>
+                      <a:tailEnd type="none" w="med" len="med"/>
+                    </a:lnT>
+                    <a:lnB w="12700" cap="flat" cmpd="sng" algn="ctr">
+                      <a:solidFill>
+                        <a:schemeClr val="tx1"/>
+                      </a:solidFill>
+                      <a:prstDash val="solid"/>
+                      <a:round/>
+                      <a:headEnd type="none" w="med" len="med"/>
+                      <a:tailEnd type="none" w="med" len="med"/>
+                    </a:lnB>
+                    <a:lnTlToBr w="12700" cmpd="sng">
+                      <a:noFill/>
+                      <a:prstDash val="solid"/>
+                    </a:lnTlToBr>
+                    <a:lnBlToTr w="12700" cmpd="sng">
+                      <a:noFill/>
+                      <a:prstDash val="solid"/>
+                    </a:lnBlToTr>
+                    <a:solidFill>
+                      <a:schemeClr val="accent1">
+                        <a:lumMod val="40000"/>
+                        <a:lumOff val="60000"/>
+                      </a:schemeClr>
+                    </a:solidFill>
+                  </a:tcPr>
+                </a:tc>
+                <a:extLst>
+                  <a:ext uri="{0D108BD9-81ED-4DB2-BD59-A6C34878D82A}">
+                    <a16:rowId xmlns:a16="http://schemas.microsoft.com/office/drawing/2014/main" val="967151873"/>
+                  </a:ext>
+                </a:extLst>
+              </a:tr>
+            </a:tbl>
+          </a:graphicData>
+        </a:graphic>
+      </p:graphicFrame>
+    </p:spTree>
+    <p:extLst>
+      <p:ext uri="{BB962C8B-B14F-4D97-AF65-F5344CB8AC3E}">
+        <p14:creationId xmlns:p14="http://schemas.microsoft.com/office/powerpoint/2010/main" val="1699600374"/>
+      </p:ext>
+    </p:extLst>
+  </p:cSld>
+  <p:clrMapOvr>
+    <a:masterClrMapping/>
+  </p:clrMapOvr>
+  <mc:AlternateContent xmlns:mc="http://schemas.openxmlformats.org/markup-compatibility/2006" xmlns:p159="http://schemas.microsoft.com/office/powerpoint/2015/09/main">
+    <mc:Choice Requires="p159">
+      <p:transition xmlns:p14="http://schemas.microsoft.com/office/powerpoint/2010/main" spd="slow" p14:dur="2000" advClick="0" advTm="0">
+        <p159:morph option="byObject"/>
+      </p:transition>
+    </mc:Choice>
+    <mc:Fallback xmlns="">
+      <p:transition spd="slow" advClick="0" advTm="0">
+        <p:fade/>
+      </p:transition>
+    </mc:Fallback>
+  </mc:AlternateContent>
+</p:sld>
+</file>
+
+<file path=ppt/slides/slide7.xml><?xml version="1.0" encoding="utf-8"?>
+<p:sld xmlns:a="http://schemas.openxmlformats.org/drawingml/2006/main" xmlns:r="http://schemas.openxmlformats.org/officeDocument/2006/relationships" xmlns:p="http://schemas.openxmlformats.org/presentationml/2006/main">
+  <p:cSld>
+    <p:spTree>
+      <p:nvGrpSpPr>
+        <p:cNvPr id="1" name=""/>
+        <p:cNvGrpSpPr/>
+        <p:nvPr/>
+      </p:nvGrpSpPr>
+      <p:grpSpPr>
+        <a:xfrm>
+          <a:off x="0" y="0"/>
+          <a:ext cx="0" cy="0"/>
+          <a:chOff x="0" y="0"/>
+          <a:chExt cx="0" cy="0"/>
+        </a:xfrm>
+      </p:grpSpPr>
+      <p:sp>
+        <p:nvSpPr>
+          <p:cNvPr id="2" name="Titel 1">
+            <a:extLst>
+              <a:ext uri="{FF2B5EF4-FFF2-40B4-BE49-F238E27FC236}">
+                <a16:creationId xmlns:a16="http://schemas.microsoft.com/office/drawing/2014/main" id="{67ADB432-F3B8-CF36-FE64-924F36582E7B}"/>
+              </a:ext>
+            </a:extLst>
+          </p:cNvPr>
+          <p:cNvSpPr>
+            <a:spLocks noGrp="1"/>
+          </p:cNvSpPr>
+          <p:nvPr>
+            <p:ph type="title"/>
+          </p:nvPr>
+        </p:nvSpPr>
+        <p:spPr/>
+        <p:txBody>
+          <a:bodyPr/>
+          <a:lstStyle/>
+          <a:p>
+            <a:r>
+              <a:rPr lang="nl-NL" dirty="0"/>
+              <a:t>Mechanic Loop</a:t>
+            </a:r>
+          </a:p>
+        </p:txBody>
+      </p:sp>
+      <p:sp>
+        <p:nvSpPr>
+          <p:cNvPr id="5" name="Ovaal 4">
+            <a:extLst>
+              <a:ext uri="{FF2B5EF4-FFF2-40B4-BE49-F238E27FC236}">
+                <a16:creationId xmlns:a16="http://schemas.microsoft.com/office/drawing/2014/main" id="{8AB01AF1-753F-F353-6CB2-75D22A36157C}"/>
+              </a:ext>
+            </a:extLst>
+          </p:cNvPr>
+          <p:cNvSpPr/>
+          <p:nvPr/>
+        </p:nvSpPr>
+        <p:spPr>
+          <a:xfrm>
+            <a:off x="4194529" y="6011830"/>
+            <a:ext cx="1739984" cy="551063"/>
+          </a:xfrm>
+          <a:prstGeom prst="ellipse">
+            <a:avLst/>
+          </a:prstGeom>
+        </p:spPr>
+        <p:style>
+          <a:lnRef idx="2">
+            <a:schemeClr val="accent1">
+              <a:shade val="15000"/>
+            </a:schemeClr>
+          </a:lnRef>
+          <a:fillRef idx="1">
+            <a:schemeClr val="accent1"/>
+          </a:fillRef>
+          <a:effectRef idx="0">
+            <a:schemeClr val="accent1"/>
+          </a:effectRef>
+          <a:fontRef idx="minor">
+            <a:schemeClr val="lt1"/>
+          </a:fontRef>
+        </p:style>
+        <p:txBody>
+          <a:bodyPr rtlCol="0" anchor="ctr"/>
+          <a:lstStyle/>
+          <a:p>
+            <a:pPr algn="ctr"/>
+            <a:r>
+              <a:rPr lang="nl-NL" sz="1400" dirty="0"/>
+              <a:t>administrator</a:t>
+            </a:r>
+          </a:p>
+        </p:txBody>
+      </p:sp>
+      <p:graphicFrame>
+        <p:nvGraphicFramePr>
+          <p:cNvPr id="12" name="Tabel 12">
+            <a:extLst>
+              <a:ext uri="{FF2B5EF4-FFF2-40B4-BE49-F238E27FC236}">
+                <a16:creationId xmlns:a16="http://schemas.microsoft.com/office/drawing/2014/main" id="{90DF0F19-6C6A-0B54-FB6B-2A199F8F4272}"/>
+              </a:ext>
+            </a:extLst>
+          </p:cNvPr>
+          <p:cNvGraphicFramePr>
+            <a:graphicFrameLocks noGrp="1"/>
+          </p:cNvGraphicFramePr>
+          <p:nvPr/>
+        </p:nvGraphicFramePr>
+        <p:xfrm>
+          <a:off x="1096070" y="1697749"/>
+          <a:ext cx="10368000" cy="370840"/>
+        </p:xfrm>
+        <a:graphic>
+          <a:graphicData uri="http://schemas.openxmlformats.org/drawingml/2006/table">
+            <a:tbl>
+              <a:tblPr firstRow="1" bandRow="1">
+                <a:tableStyleId>{5C22544A-7EE6-4342-B048-85BDC9FD1C3A}</a:tableStyleId>
+              </a:tblPr>
+              <a:tblGrid>
+                <a:gridCol w="432000">
+                  <a:extLst>
+                    <a:ext uri="{9D8B030D-6E8A-4147-A177-3AD203B41FA5}">
+                      <a16:colId xmlns:a16="http://schemas.microsoft.com/office/drawing/2014/main" val="460867451"/>
+                    </a:ext>
+                  </a:extLst>
+                </a:gridCol>
+                <a:gridCol w="432000">
+                  <a:extLst>
+                    <a:ext uri="{9D8B030D-6E8A-4147-A177-3AD203B41FA5}">
+                      <a16:colId xmlns:a16="http://schemas.microsoft.com/office/drawing/2014/main" val="2445409952"/>
+                    </a:ext>
+                  </a:extLst>
+                </a:gridCol>
+                <a:gridCol w="432000">
+                  <a:extLst>
+                    <a:ext uri="{9D8B030D-6E8A-4147-A177-3AD203B41FA5}">
+                      <a16:colId xmlns:a16="http://schemas.microsoft.com/office/drawing/2014/main" val="2151682526"/>
+                    </a:ext>
+                  </a:extLst>
+                </a:gridCol>
+                <a:gridCol w="432000">
+                  <a:extLst>
+                    <a:ext uri="{9D8B030D-6E8A-4147-A177-3AD203B41FA5}">
+                      <a16:colId xmlns:a16="http://schemas.microsoft.com/office/drawing/2014/main" val="2382324935"/>
+                    </a:ext>
+                  </a:extLst>
+                </a:gridCol>
+                <a:gridCol w="432000">
+                  <a:extLst>
+                    <a:ext uri="{9D8B030D-6E8A-4147-A177-3AD203B41FA5}">
+                      <a16:colId xmlns:a16="http://schemas.microsoft.com/office/drawing/2014/main" val="2873017439"/>
+                    </a:ext>
+                  </a:extLst>
+                </a:gridCol>
+                <a:gridCol w="432000">
+                  <a:extLst>
+                    <a:ext uri="{9D8B030D-6E8A-4147-A177-3AD203B41FA5}">
+                      <a16:colId xmlns:a16="http://schemas.microsoft.com/office/drawing/2014/main" val="1741584497"/>
+                    </a:ext>
+                  </a:extLst>
+                </a:gridCol>
+                <a:gridCol w="432000">
+                  <a:extLst>
+                    <a:ext uri="{9D8B030D-6E8A-4147-A177-3AD203B41FA5}">
+                      <a16:colId xmlns:a16="http://schemas.microsoft.com/office/drawing/2014/main" val="4276133532"/>
+                    </a:ext>
+                  </a:extLst>
+                </a:gridCol>
+                <a:gridCol w="432000">
+                  <a:extLst>
+                    <a:ext uri="{9D8B030D-6E8A-4147-A177-3AD203B41FA5}">
+                      <a16:colId xmlns:a16="http://schemas.microsoft.com/office/drawing/2014/main" val="2278394597"/>
+                    </a:ext>
+                  </a:extLst>
+                </a:gridCol>
+                <a:gridCol w="432000">
+                  <a:extLst>
+                    <a:ext uri="{9D8B030D-6E8A-4147-A177-3AD203B41FA5}">
+                      <a16:colId xmlns:a16="http://schemas.microsoft.com/office/drawing/2014/main" val="1733189475"/>
+                    </a:ext>
+                  </a:extLst>
+                </a:gridCol>
+                <a:gridCol w="432000">
+                  <a:extLst>
+                    <a:ext uri="{9D8B030D-6E8A-4147-A177-3AD203B41FA5}">
+                      <a16:colId xmlns:a16="http://schemas.microsoft.com/office/drawing/2014/main" val="3743190557"/>
+                    </a:ext>
+                  </a:extLst>
+                </a:gridCol>
+                <a:gridCol w="432000">
+                  <a:extLst>
+                    <a:ext uri="{9D8B030D-6E8A-4147-A177-3AD203B41FA5}">
+                      <a16:colId xmlns:a16="http://schemas.microsoft.com/office/drawing/2014/main" val="4150562113"/>
+                    </a:ext>
+                  </a:extLst>
+                </a:gridCol>
+                <a:gridCol w="432000">
+                  <a:extLst>
+                    <a:ext uri="{9D8B030D-6E8A-4147-A177-3AD203B41FA5}">
+                      <a16:colId xmlns:a16="http://schemas.microsoft.com/office/drawing/2014/main" val="154336766"/>
+                    </a:ext>
+                  </a:extLst>
+                </a:gridCol>
+                <a:gridCol w="432000">
+                  <a:extLst>
+                    <a:ext uri="{9D8B030D-6E8A-4147-A177-3AD203B41FA5}">
+                      <a16:colId xmlns:a16="http://schemas.microsoft.com/office/drawing/2014/main" val="1830339965"/>
+                    </a:ext>
+                  </a:extLst>
+                </a:gridCol>
+                <a:gridCol w="432000">
+                  <a:extLst>
+                    <a:ext uri="{9D8B030D-6E8A-4147-A177-3AD203B41FA5}">
+                      <a16:colId xmlns:a16="http://schemas.microsoft.com/office/drawing/2014/main" val="440132147"/>
+                    </a:ext>
+                  </a:extLst>
+                </a:gridCol>
+                <a:gridCol w="432000">
+                  <a:extLst>
+                    <a:ext uri="{9D8B030D-6E8A-4147-A177-3AD203B41FA5}">
+                      <a16:colId xmlns:a16="http://schemas.microsoft.com/office/drawing/2014/main" val="2467063404"/>
+                    </a:ext>
+                  </a:extLst>
+                </a:gridCol>
+                <a:gridCol w="432000">
+                  <a:extLst>
+                    <a:ext uri="{9D8B030D-6E8A-4147-A177-3AD203B41FA5}">
+                      <a16:colId xmlns:a16="http://schemas.microsoft.com/office/drawing/2014/main" val="303654098"/>
+                    </a:ext>
+                  </a:extLst>
+                </a:gridCol>
+                <a:gridCol w="432000">
+                  <a:extLst>
+                    <a:ext uri="{9D8B030D-6E8A-4147-A177-3AD203B41FA5}">
+                      <a16:colId xmlns:a16="http://schemas.microsoft.com/office/drawing/2014/main" val="3019911133"/>
+                    </a:ext>
+                  </a:extLst>
+                </a:gridCol>
+                <a:gridCol w="432000">
+                  <a:extLst>
+                    <a:ext uri="{9D8B030D-6E8A-4147-A177-3AD203B41FA5}">
+                      <a16:colId xmlns:a16="http://schemas.microsoft.com/office/drawing/2014/main" val="728792809"/>
+                    </a:ext>
+                  </a:extLst>
+                </a:gridCol>
+                <a:gridCol w="432000">
+                  <a:extLst>
+                    <a:ext uri="{9D8B030D-6E8A-4147-A177-3AD203B41FA5}">
+                      <a16:colId xmlns:a16="http://schemas.microsoft.com/office/drawing/2014/main" val="3547418016"/>
+                    </a:ext>
+                  </a:extLst>
+                </a:gridCol>
+                <a:gridCol w="432000">
+                  <a:extLst>
+                    <a:ext uri="{9D8B030D-6E8A-4147-A177-3AD203B41FA5}">
+                      <a16:colId xmlns:a16="http://schemas.microsoft.com/office/drawing/2014/main" val="2635663454"/>
+                    </a:ext>
+                  </a:extLst>
+                </a:gridCol>
+                <a:gridCol w="432000">
+                  <a:extLst>
+                    <a:ext uri="{9D8B030D-6E8A-4147-A177-3AD203B41FA5}">
+                      <a16:colId xmlns:a16="http://schemas.microsoft.com/office/drawing/2014/main" val="1010602919"/>
+                    </a:ext>
+                  </a:extLst>
+                </a:gridCol>
+                <a:gridCol w="432000">
+                  <a:extLst>
+                    <a:ext uri="{9D8B030D-6E8A-4147-A177-3AD203B41FA5}">
+                      <a16:colId xmlns:a16="http://schemas.microsoft.com/office/drawing/2014/main" val="1181440095"/>
+                    </a:ext>
+                  </a:extLst>
+                </a:gridCol>
+                <a:gridCol w="432000">
+                  <a:extLst>
+                    <a:ext uri="{9D8B030D-6E8A-4147-A177-3AD203B41FA5}">
+                      <a16:colId xmlns:a16="http://schemas.microsoft.com/office/drawing/2014/main" val="4137236235"/>
+                    </a:ext>
+                  </a:extLst>
+                </a:gridCol>
+                <a:gridCol w="432000">
+                  <a:extLst>
+                    <a:ext uri="{9D8B030D-6E8A-4147-A177-3AD203B41FA5}">
+                      <a16:colId xmlns:a16="http://schemas.microsoft.com/office/drawing/2014/main" val="1918653240"/>
+                    </a:ext>
+                  </a:extLst>
+                </a:gridCol>
+              </a:tblGrid>
+              <a:tr h="370840">
+                <a:tc>
+                  <a:txBody>
+                    <a:bodyPr/>
+                    <a:lstStyle/>
+                    <a:p>
+                      <a:pPr algn="ctr"/>
+                      <a:r>
+                        <a:rPr lang="nl-NL" dirty="0"/>
+                        <a:t>1</a:t>
+                      </a:r>
+                    </a:p>
+                  </a:txBody>
+                  <a:tcPr anchor="ctr">
+                    <a:solidFill>
+                      <a:srgbClr val="002060"/>
+                    </a:solidFill>
+                  </a:tcPr>
+                </a:tc>
+                <a:tc>
+                  <a:txBody>
+                    <a:bodyPr/>
+                    <a:lstStyle/>
+                    <a:p>
+                      <a:pPr algn="ctr"/>
+                      <a:r>
+                        <a:rPr lang="nl-NL" dirty="0"/>
+                        <a:t>2</a:t>
+                      </a:r>
+                    </a:p>
+                  </a:txBody>
+                  <a:tcPr anchor="ctr">
+                    <a:solidFill>
+                      <a:srgbClr val="002060"/>
+                    </a:solidFill>
+                  </a:tcPr>
+                </a:tc>
+                <a:tc>
+                  <a:txBody>
+                    <a:bodyPr/>
+                    <a:lstStyle/>
+                    <a:p>
+                      <a:pPr algn="ctr"/>
+                      <a:r>
+                        <a:rPr lang="nl-NL" dirty="0"/>
+                        <a:t>3</a:t>
+                      </a:r>
+                    </a:p>
+                  </a:txBody>
+                  <a:tcPr anchor="ctr">
+                    <a:solidFill>
+                      <a:srgbClr val="002060"/>
+                    </a:solidFill>
+                  </a:tcPr>
+                </a:tc>
+                <a:tc>
+                  <a:txBody>
+                    <a:bodyPr/>
+                    <a:lstStyle/>
+                    <a:p>
+                      <a:pPr algn="ctr"/>
+                      <a:r>
+                        <a:rPr lang="nl-NL" dirty="0"/>
+                        <a:t>4</a:t>
+                      </a:r>
+                    </a:p>
+                  </a:txBody>
+                  <a:tcPr anchor="ctr">
+                    <a:solidFill>
+                      <a:srgbClr val="002060"/>
+                    </a:solidFill>
+                  </a:tcPr>
+                </a:tc>
+                <a:tc>
+                  <a:txBody>
+                    <a:bodyPr/>
+                    <a:lstStyle/>
+                    <a:p>
+                      <a:pPr algn="ctr"/>
+                      <a:r>
+                        <a:rPr lang="nl-NL" dirty="0"/>
+                        <a:t>5</a:t>
+                      </a:r>
+                    </a:p>
+                  </a:txBody>
+                  <a:tcPr anchor="ctr">
+                    <a:solidFill>
+                      <a:srgbClr val="002060"/>
+                    </a:solidFill>
+                  </a:tcPr>
+                </a:tc>
+                <a:tc>
+                  <a:txBody>
+                    <a:bodyPr/>
+                    <a:lstStyle/>
+                    <a:p>
+                      <a:pPr algn="ctr"/>
+                      <a:r>
+                        <a:rPr lang="nl-NL" dirty="0"/>
+                        <a:t>6</a:t>
+                      </a:r>
+                    </a:p>
+                  </a:txBody>
+                  <a:tcPr anchor="ctr">
+                    <a:solidFill>
+                      <a:srgbClr val="002060"/>
+                    </a:solidFill>
+                  </a:tcPr>
+                </a:tc>
+                <a:tc>
+                  <a:txBody>
+                    <a:bodyPr/>
+                    <a:lstStyle/>
+                    <a:p>
+                      <a:pPr algn="ctr"/>
+                      <a:r>
+                        <a:rPr lang="nl-NL" dirty="0"/>
+                        <a:t>7</a:t>
+                      </a:r>
+                    </a:p>
+                  </a:txBody>
+                  <a:tcPr anchor="ctr">
+                    <a:solidFill>
+                      <a:srgbClr val="002060"/>
+                    </a:solidFill>
+                  </a:tcPr>
+                </a:tc>
+                <a:tc>
+                  <a:txBody>
+                    <a:bodyPr/>
+                    <a:lstStyle/>
+                    <a:p>
+                      <a:pPr algn="ctr"/>
+                      <a:r>
+                        <a:rPr lang="nl-NL" dirty="0"/>
+                        <a:t>8</a:t>
+                      </a:r>
+                    </a:p>
+                  </a:txBody>
+                  <a:tcPr anchor="ctr">
+                    <a:solidFill>
+                      <a:srgbClr val="002060"/>
+                    </a:solidFill>
+                  </a:tcPr>
+                </a:tc>
+                <a:tc>
+                  <a:txBody>
+                    <a:bodyPr/>
+                    <a:lstStyle/>
+                    <a:p>
+                      <a:pPr algn="ctr"/>
+                      <a:r>
+                        <a:rPr lang="nl-NL" dirty="0"/>
+                        <a:t>9</a:t>
+                      </a:r>
+                    </a:p>
+                  </a:txBody>
+                  <a:tcPr anchor="ctr">
+                    <a:solidFill>
+                      <a:srgbClr val="002060"/>
+                    </a:solidFill>
+                  </a:tcPr>
+                </a:tc>
+                <a:tc>
+                  <a:txBody>
+                    <a:bodyPr/>
+                    <a:lstStyle/>
+                    <a:p>
+                      <a:pPr algn="ctr"/>
+                      <a:r>
+                        <a:rPr lang="nl-NL" dirty="0"/>
+                        <a:t>10</a:t>
+                      </a:r>
+                    </a:p>
+                  </a:txBody>
+                  <a:tcPr anchor="ctr">
+                    <a:solidFill>
+                      <a:srgbClr val="002060"/>
+                    </a:solidFill>
+                  </a:tcPr>
+                </a:tc>
+                <a:tc>
+                  <a:txBody>
+                    <a:bodyPr/>
+                    <a:lstStyle/>
+                    <a:p>
+                      <a:pPr algn="ctr"/>
+                      <a:r>
+                        <a:rPr lang="nl-NL" dirty="0"/>
+                        <a:t>11</a:t>
+                      </a:r>
+                    </a:p>
+                  </a:txBody>
+                  <a:tcPr anchor="ctr">
+                    <a:solidFill>
+                      <a:srgbClr val="002060"/>
+                    </a:solidFill>
+                  </a:tcPr>
+                </a:tc>
+                <a:tc>
+                  <a:txBody>
+                    <a:bodyPr/>
+                    <a:lstStyle/>
+                    <a:p>
+                      <a:pPr algn="ctr"/>
+                      <a:r>
+                        <a:rPr lang="nl-NL" dirty="0"/>
+                        <a:t>12</a:t>
+                      </a:r>
+                    </a:p>
+                  </a:txBody>
+                  <a:tcPr anchor="ctr">
+                    <a:solidFill>
+                      <a:srgbClr val="002060"/>
+                    </a:solidFill>
+                  </a:tcPr>
+                </a:tc>
+                <a:tc>
+                  <a:txBody>
+                    <a:bodyPr/>
+                    <a:lstStyle/>
+                    <a:p>
+                      <a:pPr algn="ctr"/>
+                      <a:r>
+                        <a:rPr lang="nl-NL" dirty="0"/>
+                        <a:t>13</a:t>
+                      </a:r>
+                    </a:p>
+                  </a:txBody>
+                  <a:tcPr anchor="ctr">
+                    <a:solidFill>
+                      <a:srgbClr val="002060"/>
+                    </a:solidFill>
+                  </a:tcPr>
+                </a:tc>
+                <a:tc>
+                  <a:txBody>
+                    <a:bodyPr/>
+                    <a:lstStyle/>
+                    <a:p>
+                      <a:pPr algn="ctr"/>
+                      <a:r>
+                        <a:rPr lang="nl-NL" dirty="0"/>
+                        <a:t>14</a:t>
+                      </a:r>
+                    </a:p>
+                  </a:txBody>
+                  <a:tcPr anchor="ctr">
+                    <a:solidFill>
+                      <a:srgbClr val="002060"/>
+                    </a:solidFill>
+                  </a:tcPr>
+                </a:tc>
+                <a:tc>
+                  <a:txBody>
+                    <a:bodyPr/>
+                    <a:lstStyle/>
+                    <a:p>
+                      <a:pPr algn="ctr"/>
+                      <a:r>
+                        <a:rPr lang="nl-NL" dirty="0"/>
+                        <a:t>15</a:t>
+                      </a:r>
+                    </a:p>
+                  </a:txBody>
+                  <a:tcPr anchor="ctr">
+                    <a:solidFill>
+                      <a:srgbClr val="002060"/>
+                    </a:solidFill>
+                  </a:tcPr>
+                </a:tc>
+                <a:tc>
+                  <a:txBody>
+                    <a:bodyPr/>
+                    <a:lstStyle/>
+                    <a:p>
+                      <a:pPr algn="ctr"/>
+                      <a:r>
+                        <a:rPr lang="nl-NL" dirty="0"/>
+                        <a:t>16</a:t>
+                      </a:r>
+                    </a:p>
+                  </a:txBody>
+                  <a:tcPr anchor="ctr">
+                    <a:solidFill>
+                      <a:srgbClr val="002060"/>
+                    </a:solidFill>
+                  </a:tcPr>
+                </a:tc>
+                <a:tc>
+                  <a:txBody>
+                    <a:bodyPr/>
+                    <a:lstStyle/>
+                    <a:p>
+                      <a:pPr algn="ctr"/>
+                      <a:r>
+                        <a:rPr lang="nl-NL" dirty="0"/>
+                        <a:t>17</a:t>
+                      </a:r>
+                    </a:p>
+                  </a:txBody>
+                  <a:tcPr anchor="ctr">
+                    <a:solidFill>
+                      <a:srgbClr val="002060"/>
+                    </a:solidFill>
+                  </a:tcPr>
+                </a:tc>
+                <a:tc>
+                  <a:txBody>
+                    <a:bodyPr/>
+                    <a:lstStyle/>
+                    <a:p>
+                      <a:pPr algn="ctr"/>
+                      <a:r>
+                        <a:rPr lang="nl-NL" dirty="0"/>
+                        <a:t>18</a:t>
+                      </a:r>
+                    </a:p>
+                  </a:txBody>
+                  <a:tcPr anchor="ctr">
+                    <a:solidFill>
+                      <a:srgbClr val="002060"/>
+                    </a:solidFill>
+                  </a:tcPr>
+                </a:tc>
+                <a:tc>
+                  <a:txBody>
+                    <a:bodyPr/>
+                    <a:lstStyle/>
+                    <a:p>
+                      <a:pPr algn="ctr"/>
+                      <a:r>
+                        <a:rPr lang="nl-NL" dirty="0"/>
+                        <a:t>19</a:t>
+                      </a:r>
+                    </a:p>
+                  </a:txBody>
+                  <a:tcPr anchor="ctr">
+                    <a:solidFill>
+                      <a:srgbClr val="002060"/>
+                    </a:solidFill>
+                  </a:tcPr>
+                </a:tc>
+                <a:tc>
+                  <a:txBody>
+                    <a:bodyPr/>
+                    <a:lstStyle/>
+                    <a:p>
+                      <a:pPr algn="ctr"/>
+                      <a:r>
+                        <a:rPr lang="nl-NL" dirty="0"/>
+                        <a:t>20</a:t>
+                      </a:r>
+                    </a:p>
+                  </a:txBody>
+                  <a:tcPr anchor="ctr">
+                    <a:solidFill>
+                      <a:srgbClr val="002060"/>
+                    </a:solidFill>
+                  </a:tcPr>
+                </a:tc>
+                <a:tc>
+                  <a:txBody>
+                    <a:bodyPr/>
+                    <a:lstStyle/>
+                    <a:p>
+                      <a:pPr algn="ctr"/>
+                      <a:r>
+                        <a:rPr lang="nl-NL" dirty="0"/>
+                        <a:t>21</a:t>
+                      </a:r>
+                    </a:p>
+                  </a:txBody>
+                  <a:tcPr anchor="ctr">
+                    <a:solidFill>
+                      <a:srgbClr val="002060"/>
+                    </a:solidFill>
+                  </a:tcPr>
+                </a:tc>
+                <a:tc>
+                  <a:txBody>
+                    <a:bodyPr/>
+                    <a:lstStyle/>
+                    <a:p>
+                      <a:pPr algn="ctr"/>
+                      <a:r>
+                        <a:rPr lang="nl-NL" dirty="0"/>
+                        <a:t>22</a:t>
+                      </a:r>
+                    </a:p>
+                  </a:txBody>
+                  <a:tcPr anchor="ctr">
+                    <a:solidFill>
+                      <a:srgbClr val="002060"/>
+                    </a:solidFill>
+                  </a:tcPr>
+                </a:tc>
+                <a:tc>
+                  <a:txBody>
+                    <a:bodyPr/>
+                    <a:lstStyle/>
+                    <a:p>
+                      <a:pPr algn="ctr"/>
+                      <a:r>
+                        <a:rPr lang="nl-NL" dirty="0"/>
+                        <a:t>23</a:t>
+                      </a:r>
+                    </a:p>
+                  </a:txBody>
+                  <a:tcPr anchor="ctr">
+                    <a:solidFill>
+                      <a:srgbClr val="002060"/>
+                    </a:solidFill>
+                  </a:tcPr>
+                </a:tc>
+                <a:tc>
+                  <a:txBody>
+                    <a:bodyPr/>
+                    <a:lstStyle/>
+                    <a:p>
+                      <a:pPr algn="ctr"/>
+                      <a:r>
+                        <a:rPr lang="nl-NL" dirty="0"/>
+                        <a:t>24</a:t>
+                      </a:r>
+                    </a:p>
+                  </a:txBody>
+                  <a:tcPr anchor="ctr">
+                    <a:solidFill>
+                      <a:srgbClr val="002060"/>
+                    </a:solidFill>
+                  </a:tcPr>
+                </a:tc>
+                <a:extLst>
+                  <a:ext uri="{0D108BD9-81ED-4DB2-BD59-A6C34878D82A}">
+                    <a16:rowId xmlns:a16="http://schemas.microsoft.com/office/drawing/2014/main" val="1216731237"/>
+                  </a:ext>
+                </a:extLst>
+              </a:tr>
+            </a:tbl>
+          </a:graphicData>
+        </a:graphic>
+      </p:graphicFrame>
+      <p:sp>
+        <p:nvSpPr>
+          <p:cNvPr id="14" name="Ovaal 13">
+            <a:extLst>
+              <a:ext uri="{FF2B5EF4-FFF2-40B4-BE49-F238E27FC236}">
+                <a16:creationId xmlns:a16="http://schemas.microsoft.com/office/drawing/2014/main" id="{675C6C1F-3CC7-3900-2CC5-8E31F8DECAA2}"/>
+              </a:ext>
+            </a:extLst>
+          </p:cNvPr>
+          <p:cNvSpPr/>
+          <p:nvPr/>
+        </p:nvSpPr>
+        <p:spPr>
+          <a:xfrm>
+            <a:off x="2196173" y="5310509"/>
+            <a:ext cx="1739983" cy="551063"/>
+          </a:xfrm>
+          <a:prstGeom prst="ellipse">
+            <a:avLst/>
+          </a:prstGeom>
+        </p:spPr>
+        <p:style>
+          <a:lnRef idx="2">
+            <a:schemeClr val="accent1">
+              <a:shade val="15000"/>
+            </a:schemeClr>
+          </a:lnRef>
+          <a:fillRef idx="1">
+            <a:schemeClr val="accent1"/>
+          </a:fillRef>
+          <a:effectRef idx="0">
+            <a:schemeClr val="accent1"/>
+          </a:effectRef>
+          <a:fontRef idx="minor">
+            <a:schemeClr val="lt1"/>
+          </a:fontRef>
+        </p:style>
+        <p:txBody>
+          <a:bodyPr rtlCol="0" anchor="ctr"/>
+          <a:lstStyle/>
+          <a:p>
+            <a:pPr algn="ctr"/>
+            <a:r>
+              <a:rPr lang="nl-NL" sz="1400" dirty="0"/>
+              <a:t>bakker</a:t>
+            </a:r>
+            <a:endParaRPr lang="nl-NL" dirty="0"/>
+          </a:p>
+        </p:txBody>
+      </p:sp>
+      <p:sp>
+        <p:nvSpPr>
+          <p:cNvPr id="15" name="Ovaal 14">
+            <a:extLst>
+              <a:ext uri="{FF2B5EF4-FFF2-40B4-BE49-F238E27FC236}">
+                <a16:creationId xmlns:a16="http://schemas.microsoft.com/office/drawing/2014/main" id="{5F6AE8C7-4ED1-B6B3-10F0-66CFE368AF09}"/>
+              </a:ext>
+            </a:extLst>
+          </p:cNvPr>
+          <p:cNvSpPr/>
+          <p:nvPr/>
+        </p:nvSpPr>
+        <p:spPr>
+          <a:xfrm>
+            <a:off x="6223167" y="4609188"/>
+            <a:ext cx="1739983" cy="551063"/>
+          </a:xfrm>
+          <a:prstGeom prst="ellipse">
+            <a:avLst/>
+          </a:prstGeom>
+        </p:spPr>
+        <p:style>
+          <a:lnRef idx="2">
+            <a:schemeClr val="accent1">
+              <a:shade val="15000"/>
+            </a:schemeClr>
+          </a:lnRef>
+          <a:fillRef idx="1">
+            <a:schemeClr val="accent1"/>
+          </a:fillRef>
+          <a:effectRef idx="0">
+            <a:schemeClr val="accent1"/>
+          </a:effectRef>
+          <a:fontRef idx="minor">
+            <a:schemeClr val="lt1"/>
+          </a:fontRef>
+        </p:style>
+        <p:txBody>
+          <a:bodyPr rtlCol="0" anchor="ctr"/>
+          <a:lstStyle/>
+          <a:p>
+            <a:pPr algn="ctr"/>
+            <a:r>
+              <a:rPr lang="nl-NL" sz="1400" dirty="0"/>
+              <a:t>Tank Guy</a:t>
+            </a:r>
+            <a:endParaRPr lang="nl-NL" dirty="0"/>
+          </a:p>
+        </p:txBody>
+      </p:sp>
+      <p:sp>
+        <p:nvSpPr>
+          <p:cNvPr id="33" name="Pijl: omhoog 32">
+            <a:extLst>
+              <a:ext uri="{FF2B5EF4-FFF2-40B4-BE49-F238E27FC236}">
+                <a16:creationId xmlns:a16="http://schemas.microsoft.com/office/drawing/2014/main" id="{E37C0E73-3E6D-EAF5-44CA-BED27F5E330B}"/>
+              </a:ext>
+            </a:extLst>
+          </p:cNvPr>
+          <p:cNvSpPr/>
+          <p:nvPr/>
+        </p:nvSpPr>
+        <p:spPr>
+          <a:xfrm>
+            <a:off x="10711903" y="2083909"/>
+            <a:ext cx="230114" cy="205891"/>
+          </a:xfrm>
+          <a:prstGeom prst="upArrow">
+            <a:avLst/>
+          </a:prstGeom>
+        </p:spPr>
+        <p:style>
+          <a:lnRef idx="2">
+            <a:schemeClr val="accent1">
+              <a:shade val="15000"/>
+            </a:schemeClr>
+          </a:lnRef>
+          <a:fillRef idx="1">
+            <a:schemeClr val="accent1"/>
+          </a:fillRef>
+          <a:effectRef idx="0">
+            <a:schemeClr val="accent1"/>
+          </a:effectRef>
+          <a:fontRef idx="minor">
+            <a:schemeClr val="lt1"/>
+          </a:fontRef>
+        </p:style>
+        <p:txBody>
+          <a:bodyPr rtlCol="0" anchor="ctr"/>
+          <a:lstStyle/>
+          <a:p>
+            <a:pPr algn="ctr"/>
+            <a:endParaRPr lang="nl-NL"/>
+          </a:p>
+        </p:txBody>
+      </p:sp>
+      <p:graphicFrame>
+        <p:nvGraphicFramePr>
+          <p:cNvPr id="34" name="Tabel 10">
+            <a:extLst>
+              <a:ext uri="{FF2B5EF4-FFF2-40B4-BE49-F238E27FC236}">
+                <a16:creationId xmlns:a16="http://schemas.microsoft.com/office/drawing/2014/main" id="{D074D9D8-A9BF-3014-EBE5-B014C2CB35C9}"/>
+              </a:ext>
+            </a:extLst>
+          </p:cNvPr>
+          <p:cNvGraphicFramePr>
+            <a:graphicFrameLocks noGrp="1"/>
+          </p:cNvGraphicFramePr>
+          <p:nvPr/>
+        </p:nvGraphicFramePr>
+        <p:xfrm>
+          <a:off x="2032000" y="3590035"/>
+          <a:ext cx="8128000" cy="370840"/>
+        </p:xfrm>
+        <a:graphic>
+          <a:graphicData uri="http://schemas.openxmlformats.org/drawingml/2006/table">
+            <a:tbl>
+              <a:tblPr firstRow="1" bandRow="1">
+                <a:tableStyleId>{5C22544A-7EE6-4342-B048-85BDC9FD1C3A}</a:tableStyleId>
+              </a:tblPr>
+              <a:tblGrid>
+                <a:gridCol w="2032000">
+                  <a:extLst>
+                    <a:ext uri="{9D8B030D-6E8A-4147-A177-3AD203B41FA5}">
+                      <a16:colId xmlns:a16="http://schemas.microsoft.com/office/drawing/2014/main" val="82315092"/>
+                    </a:ext>
+                  </a:extLst>
+                </a:gridCol>
+                <a:gridCol w="2032000">
+                  <a:extLst>
+                    <a:ext uri="{9D8B030D-6E8A-4147-A177-3AD203B41FA5}">
+                      <a16:colId xmlns:a16="http://schemas.microsoft.com/office/drawing/2014/main" val="1038358519"/>
+                    </a:ext>
+                  </a:extLst>
+                </a:gridCol>
+                <a:gridCol w="2032000">
+                  <a:extLst>
+                    <a:ext uri="{9D8B030D-6E8A-4147-A177-3AD203B41FA5}">
+                      <a16:colId xmlns:a16="http://schemas.microsoft.com/office/drawing/2014/main" val="1603408932"/>
+                    </a:ext>
+                  </a:extLst>
+                </a:gridCol>
+                <a:gridCol w="2032000">
+                  <a:extLst>
+                    <a:ext uri="{9D8B030D-6E8A-4147-A177-3AD203B41FA5}">
+                      <a16:colId xmlns:a16="http://schemas.microsoft.com/office/drawing/2014/main" val="1176514278"/>
+                    </a:ext>
+                  </a:extLst>
+                </a:gridCol>
+              </a:tblGrid>
+              <a:tr h="370840">
+                <a:tc>
+                  <a:txBody>
+                    <a:bodyPr/>
+                    <a:lstStyle/>
+                    <a:p>
+                      <a:pPr algn="ctr"/>
+                      <a:r>
+                        <a:rPr lang="nl-NL" dirty="0"/>
+                        <a:t>Slapen</a:t>
+                      </a:r>
+                    </a:p>
+                  </a:txBody>
+                  <a:tcPr anchor="ctr">
+                    <a:lnL w="12700" cap="flat" cmpd="sng" algn="ctr">
+                      <a:solidFill>
+                        <a:schemeClr val="tx1"/>
+                      </a:solidFill>
+                      <a:prstDash val="solid"/>
+                      <a:round/>
+                      <a:headEnd type="none" w="med" len="med"/>
+                      <a:tailEnd type="none" w="med" len="med"/>
+                    </a:lnL>
+                    <a:lnR w="12700" cap="flat" cmpd="sng" algn="ctr">
+                      <a:solidFill>
+                        <a:schemeClr val="tx1"/>
+                      </a:solidFill>
+                      <a:prstDash val="solid"/>
+                      <a:round/>
+                      <a:headEnd type="none" w="med" len="med"/>
+                      <a:tailEnd type="none" w="med" len="med"/>
+                    </a:lnR>
+                    <a:lnT w="12700" cap="flat" cmpd="sng" algn="ctr">
+                      <a:solidFill>
+                        <a:schemeClr val="tx1"/>
+                      </a:solidFill>
+                      <a:prstDash val="solid"/>
+                      <a:round/>
+                      <a:headEnd type="none" w="med" len="med"/>
+                      <a:tailEnd type="none" w="med" len="med"/>
+                    </a:lnT>
+                    <a:lnB w="12700" cap="flat" cmpd="sng" algn="ctr">
+                      <a:solidFill>
+                        <a:schemeClr val="tx1"/>
+                      </a:solidFill>
+                      <a:prstDash val="solid"/>
+                      <a:round/>
+                      <a:headEnd type="none" w="med" len="med"/>
+                      <a:tailEnd type="none" w="med" len="med"/>
+                    </a:lnB>
+                    <a:lnTlToBr w="12700" cmpd="sng">
+                      <a:noFill/>
+                      <a:prstDash val="solid"/>
+                    </a:lnTlToBr>
+                    <a:lnBlToTr w="12700" cmpd="sng">
+                      <a:noFill/>
+                      <a:prstDash val="solid"/>
+                    </a:lnBlToTr>
+                    <a:solidFill>
+                      <a:schemeClr val="accent6">
+                        <a:lumMod val="40000"/>
+                        <a:lumOff val="60000"/>
+                      </a:schemeClr>
+                    </a:solidFill>
+                  </a:tcPr>
+                </a:tc>
+                <a:tc>
+                  <a:txBody>
+                    <a:bodyPr/>
+                    <a:lstStyle/>
+                    <a:p>
+                      <a:pPr algn="ctr"/>
+                      <a:r>
+                        <a:rPr lang="nl-NL" dirty="0"/>
+                        <a:t>Thuis</a:t>
+                      </a:r>
+                    </a:p>
+                  </a:txBody>
+                  <a:tcPr anchor="ctr">
+                    <a:lnL w="12700" cap="flat" cmpd="sng" algn="ctr">
+                      <a:solidFill>
+                        <a:schemeClr val="tx1"/>
+                      </a:solidFill>
+                      <a:prstDash val="solid"/>
+                      <a:round/>
+                      <a:headEnd type="none" w="med" len="med"/>
+                      <a:tailEnd type="none" w="med" len="med"/>
+                    </a:lnL>
+                    <a:lnR w="12700" cap="flat" cmpd="sng" algn="ctr">
+                      <a:solidFill>
+                        <a:schemeClr val="tx1"/>
+                      </a:solidFill>
+                      <a:prstDash val="solid"/>
+                      <a:round/>
+                      <a:headEnd type="none" w="med" len="med"/>
+                      <a:tailEnd type="none" w="med" len="med"/>
+                    </a:lnR>
+                    <a:lnT w="12700" cap="flat" cmpd="sng" algn="ctr">
+                      <a:solidFill>
+                        <a:schemeClr val="tx1"/>
+                      </a:solidFill>
+                      <a:prstDash val="solid"/>
+                      <a:round/>
+                      <a:headEnd type="none" w="med" len="med"/>
+                      <a:tailEnd type="none" w="med" len="med"/>
+                    </a:lnT>
+                    <a:lnB w="12700" cap="flat" cmpd="sng" algn="ctr">
+                      <a:solidFill>
+                        <a:schemeClr val="tx1"/>
+                      </a:solidFill>
+                      <a:prstDash val="solid"/>
+                      <a:round/>
+                      <a:headEnd type="none" w="med" len="med"/>
+                      <a:tailEnd type="none" w="med" len="med"/>
+                    </a:lnB>
+                    <a:lnTlToBr w="12700" cmpd="sng">
+                      <a:noFill/>
+                      <a:prstDash val="solid"/>
+                    </a:lnTlToBr>
+                    <a:lnBlToTr w="12700" cmpd="sng">
+                      <a:noFill/>
+                      <a:prstDash val="solid"/>
+                    </a:lnBlToTr>
+                    <a:solidFill>
+                      <a:srgbClr val="FFC000"/>
+                    </a:solidFill>
+                  </a:tcPr>
+                </a:tc>
+                <a:tc>
+                  <a:txBody>
+                    <a:bodyPr/>
+                    <a:lstStyle/>
+                    <a:p>
+                      <a:pPr algn="ctr"/>
+                      <a:r>
+                        <a:rPr lang="nl-NL" dirty="0"/>
+                        <a:t>Onderweg</a:t>
+                      </a:r>
+                    </a:p>
+                  </a:txBody>
+                  <a:tcPr anchor="ctr">
+                    <a:lnL w="12700" cap="flat" cmpd="sng" algn="ctr">
+                      <a:solidFill>
+                        <a:schemeClr val="tx1"/>
+                      </a:solidFill>
+                      <a:prstDash val="solid"/>
+                      <a:round/>
+                      <a:headEnd type="none" w="med" len="med"/>
+                      <a:tailEnd type="none" w="med" len="med"/>
+                    </a:lnL>
+                    <a:lnR w="12700" cap="flat" cmpd="sng" algn="ctr">
+                      <a:solidFill>
+                        <a:schemeClr val="tx1"/>
+                      </a:solidFill>
+                      <a:prstDash val="solid"/>
+                      <a:round/>
+                      <a:headEnd type="none" w="med" len="med"/>
+                      <a:tailEnd type="none" w="med" len="med"/>
+                    </a:lnR>
+                    <a:lnT w="12700" cap="flat" cmpd="sng" algn="ctr">
+                      <a:solidFill>
+                        <a:schemeClr val="tx1"/>
+                      </a:solidFill>
+                      <a:prstDash val="solid"/>
+                      <a:round/>
+                      <a:headEnd type="none" w="med" len="med"/>
+                      <a:tailEnd type="none" w="med" len="med"/>
+                    </a:lnT>
+                    <a:lnB w="12700" cap="flat" cmpd="sng" algn="ctr">
+                      <a:solidFill>
+                        <a:schemeClr val="tx1"/>
+                      </a:solidFill>
+                      <a:prstDash val="solid"/>
+                      <a:round/>
+                      <a:headEnd type="none" w="med" len="med"/>
+                      <a:tailEnd type="none" w="med" len="med"/>
+                    </a:lnB>
+                    <a:lnTlToBr w="12700" cmpd="sng">
+                      <a:noFill/>
+                      <a:prstDash val="solid"/>
+                    </a:lnTlToBr>
+                    <a:lnBlToTr w="12700" cmpd="sng">
+                      <a:noFill/>
+                      <a:prstDash val="solid"/>
+                    </a:lnBlToTr>
+                    <a:solidFill>
+                      <a:schemeClr val="accent2">
+                        <a:lumMod val="75000"/>
+                      </a:schemeClr>
+                    </a:solidFill>
+                  </a:tcPr>
+                </a:tc>
+                <a:tc>
+                  <a:txBody>
+                    <a:bodyPr/>
+                    <a:lstStyle/>
+                    <a:p>
+                      <a:pPr algn="ctr"/>
+                      <a:r>
+                        <a:rPr lang="nl-NL" dirty="0"/>
+                        <a:t>Werken</a:t>
+                      </a:r>
+                    </a:p>
+                  </a:txBody>
+                  <a:tcPr anchor="ctr">
+                    <a:lnL w="12700" cap="flat" cmpd="sng" algn="ctr">
+                      <a:solidFill>
+                        <a:schemeClr val="tx1"/>
+                      </a:solidFill>
+                      <a:prstDash val="solid"/>
+                      <a:round/>
+                      <a:headEnd type="none" w="med" len="med"/>
+                      <a:tailEnd type="none" w="med" len="med"/>
+                    </a:lnL>
+                    <a:lnR w="12700" cap="flat" cmpd="sng" algn="ctr">
+                      <a:solidFill>
+                        <a:schemeClr val="tx1"/>
+                      </a:solidFill>
+                      <a:prstDash val="solid"/>
+                      <a:round/>
+                      <a:headEnd type="none" w="med" len="med"/>
+                      <a:tailEnd type="none" w="med" len="med"/>
+                    </a:lnR>
+                    <a:lnT w="12700" cap="flat" cmpd="sng" algn="ctr">
+                      <a:solidFill>
+                        <a:schemeClr val="tx1"/>
+                      </a:solidFill>
+                      <a:prstDash val="solid"/>
+                      <a:round/>
+                      <a:headEnd type="none" w="med" len="med"/>
+                      <a:tailEnd type="none" w="med" len="med"/>
+                    </a:lnT>
+                    <a:lnB w="12700" cap="flat" cmpd="sng" algn="ctr">
+                      <a:solidFill>
+                        <a:schemeClr val="tx1"/>
+                      </a:solidFill>
+                      <a:prstDash val="solid"/>
+                      <a:round/>
+                      <a:headEnd type="none" w="med" len="med"/>
+                      <a:tailEnd type="none" w="med" len="med"/>
+                    </a:lnB>
+                    <a:lnTlToBr w="12700" cmpd="sng">
+                      <a:noFill/>
+                      <a:prstDash val="solid"/>
+                    </a:lnTlToBr>
+                    <a:lnBlToTr w="12700" cmpd="sng">
+                      <a:noFill/>
+                      <a:prstDash val="solid"/>
+                    </a:lnBlToTr>
+                    <a:solidFill>
+                      <a:schemeClr val="accent1">
+                        <a:lumMod val="40000"/>
+                        <a:lumOff val="60000"/>
+                      </a:schemeClr>
+                    </a:solidFill>
+                  </a:tcPr>
+                </a:tc>
+                <a:extLst>
+                  <a:ext uri="{0D108BD9-81ED-4DB2-BD59-A6C34878D82A}">
+                    <a16:rowId xmlns:a16="http://schemas.microsoft.com/office/drawing/2014/main" val="967151873"/>
+                  </a:ext>
+                </a:extLst>
+              </a:tr>
+            </a:tbl>
+          </a:graphicData>
+        </a:graphic>
+      </p:graphicFrame>
+    </p:spTree>
+    <p:extLst>
+      <p:ext uri="{BB962C8B-B14F-4D97-AF65-F5344CB8AC3E}">
+        <p14:creationId xmlns:p14="http://schemas.microsoft.com/office/powerpoint/2010/main" val="2643564199"/>
+      </p:ext>
+    </p:extLst>
+  </p:cSld>
+  <p:clrMapOvr>
+    <a:masterClrMapping/>
+  </p:clrMapOvr>
+  <mc:AlternateContent xmlns:mc="http://schemas.openxmlformats.org/markup-compatibility/2006" xmlns:p159="http://schemas.microsoft.com/office/powerpoint/2015/09/main">
+    <mc:Choice Requires="p159">
+      <p:transition xmlns:p14="http://schemas.microsoft.com/office/powerpoint/2010/main" spd="slow" p14:dur="2000" advClick="0" advTm="0">
+        <p159:morph option="byObject"/>
+      </p:transition>
+    </mc:Choice>
+    <mc:Fallback xmlns="">
+      <p:transition spd="slow" advClick="0" advTm="0">
+        <p:fade/>
+      </p:transition>
+    </mc:Fallback>
+  </mc:AlternateContent>
+</p:sld>
+</file>
+
+<file path=ppt/slides/slide8.xml><?xml version="1.0" encoding="utf-8"?>
+<p:sld xmlns:a="http://schemas.openxmlformats.org/drawingml/2006/main" xmlns:r="http://schemas.openxmlformats.org/officeDocument/2006/relationships" xmlns:p="http://schemas.openxmlformats.org/presentationml/2006/main">
+  <p:cSld>
+    <p:spTree>
+      <p:nvGrpSpPr>
+        <p:cNvPr id="1" name=""/>
+        <p:cNvGrpSpPr/>
+        <p:nvPr/>
+      </p:nvGrpSpPr>
+      <p:grpSpPr>
+        <a:xfrm>
+          <a:off x="0" y="0"/>
+          <a:ext cx="0" cy="0"/>
+          <a:chOff x="0" y="0"/>
+          <a:chExt cx="0" cy="0"/>
+        </a:xfrm>
+      </p:grpSpPr>
+      <p:sp>
+        <p:nvSpPr>
+          <p:cNvPr id="2" name="Titel 1">
+            <a:extLst>
+              <a:ext uri="{FF2B5EF4-FFF2-40B4-BE49-F238E27FC236}">
+                <a16:creationId xmlns:a16="http://schemas.microsoft.com/office/drawing/2014/main" id="{67ADB432-F3B8-CF36-FE64-924F36582E7B}"/>
+              </a:ext>
+            </a:extLst>
+          </p:cNvPr>
+          <p:cNvSpPr>
+            <a:spLocks noGrp="1"/>
+          </p:cNvSpPr>
+          <p:nvPr>
+            <p:ph type="title"/>
+          </p:nvPr>
+        </p:nvSpPr>
+        <p:spPr/>
+        <p:txBody>
+          <a:bodyPr/>
+          <a:lstStyle/>
+          <a:p>
+            <a:r>
+              <a:rPr lang="nl-NL" dirty="0"/>
+              <a:t>Mechanic Loop</a:t>
+            </a:r>
+          </a:p>
+        </p:txBody>
+      </p:sp>
+      <p:sp>
+        <p:nvSpPr>
+          <p:cNvPr id="5" name="Ovaal 4">
+            <a:extLst>
+              <a:ext uri="{FF2B5EF4-FFF2-40B4-BE49-F238E27FC236}">
+                <a16:creationId xmlns:a16="http://schemas.microsoft.com/office/drawing/2014/main" id="{8AB01AF1-753F-F353-6CB2-75D22A36157C}"/>
+              </a:ext>
+            </a:extLst>
+          </p:cNvPr>
+          <p:cNvSpPr/>
+          <p:nvPr/>
+        </p:nvSpPr>
+        <p:spPr>
+          <a:xfrm>
+            <a:off x="2093227" y="6011830"/>
+            <a:ext cx="1739984" cy="551063"/>
+          </a:xfrm>
+          <a:prstGeom prst="ellipse">
+            <a:avLst/>
+          </a:prstGeom>
+        </p:spPr>
+        <p:style>
+          <a:lnRef idx="2">
+            <a:schemeClr val="accent1">
+              <a:shade val="15000"/>
+            </a:schemeClr>
+          </a:lnRef>
+          <a:fillRef idx="1">
+            <a:schemeClr val="accent1"/>
+          </a:fillRef>
+          <a:effectRef idx="0">
+            <a:schemeClr val="accent1"/>
+          </a:effectRef>
+          <a:fontRef idx="minor">
+            <a:schemeClr val="lt1"/>
+          </a:fontRef>
+        </p:style>
+        <p:txBody>
+          <a:bodyPr rtlCol="0" anchor="ctr"/>
+          <a:lstStyle/>
+          <a:p>
+            <a:pPr algn="ctr"/>
+            <a:r>
+              <a:rPr lang="nl-NL" sz="1400" dirty="0"/>
+              <a:t>administrator</a:t>
+            </a:r>
+          </a:p>
+        </p:txBody>
+      </p:sp>
+      <p:graphicFrame>
+        <p:nvGraphicFramePr>
+          <p:cNvPr id="12" name="Tabel 12">
+            <a:extLst>
+              <a:ext uri="{FF2B5EF4-FFF2-40B4-BE49-F238E27FC236}">
+                <a16:creationId xmlns:a16="http://schemas.microsoft.com/office/drawing/2014/main" id="{90DF0F19-6C6A-0B54-FB6B-2A199F8F4272}"/>
+              </a:ext>
+            </a:extLst>
+          </p:cNvPr>
+          <p:cNvGraphicFramePr>
+            <a:graphicFrameLocks noGrp="1"/>
+          </p:cNvGraphicFramePr>
+          <p:nvPr/>
+        </p:nvGraphicFramePr>
+        <p:xfrm>
+          <a:off x="1096070" y="1697749"/>
+          <a:ext cx="10368000" cy="370840"/>
+        </p:xfrm>
+        <a:graphic>
+          <a:graphicData uri="http://schemas.openxmlformats.org/drawingml/2006/table">
+            <a:tbl>
+              <a:tblPr firstRow="1" bandRow="1">
+                <a:tableStyleId>{5C22544A-7EE6-4342-B048-85BDC9FD1C3A}</a:tableStyleId>
+              </a:tblPr>
+              <a:tblGrid>
+                <a:gridCol w="432000">
+                  <a:extLst>
+                    <a:ext uri="{9D8B030D-6E8A-4147-A177-3AD203B41FA5}">
+                      <a16:colId xmlns:a16="http://schemas.microsoft.com/office/drawing/2014/main" val="460867451"/>
+                    </a:ext>
+                  </a:extLst>
+                </a:gridCol>
+                <a:gridCol w="432000">
+                  <a:extLst>
+                    <a:ext uri="{9D8B030D-6E8A-4147-A177-3AD203B41FA5}">
+                      <a16:colId xmlns:a16="http://schemas.microsoft.com/office/drawing/2014/main" val="2445409952"/>
+                    </a:ext>
+                  </a:extLst>
+                </a:gridCol>
+                <a:gridCol w="432000">
+                  <a:extLst>
+                    <a:ext uri="{9D8B030D-6E8A-4147-A177-3AD203B41FA5}">
+                      <a16:colId xmlns:a16="http://schemas.microsoft.com/office/drawing/2014/main" val="2151682526"/>
+                    </a:ext>
+                  </a:extLst>
+                </a:gridCol>
+                <a:gridCol w="432000">
+                  <a:extLst>
+                    <a:ext uri="{9D8B030D-6E8A-4147-A177-3AD203B41FA5}">
+                      <a16:colId xmlns:a16="http://schemas.microsoft.com/office/drawing/2014/main" val="2382324935"/>
+                    </a:ext>
+                  </a:extLst>
+                </a:gridCol>
+                <a:gridCol w="432000">
+                  <a:extLst>
+                    <a:ext uri="{9D8B030D-6E8A-4147-A177-3AD203B41FA5}">
+                      <a16:colId xmlns:a16="http://schemas.microsoft.com/office/drawing/2014/main" val="2873017439"/>
+                    </a:ext>
+                  </a:extLst>
+                </a:gridCol>
+                <a:gridCol w="432000">
+                  <a:extLst>
+                    <a:ext uri="{9D8B030D-6E8A-4147-A177-3AD203B41FA5}">
+                      <a16:colId xmlns:a16="http://schemas.microsoft.com/office/drawing/2014/main" val="1741584497"/>
+                    </a:ext>
+                  </a:extLst>
+                </a:gridCol>
+                <a:gridCol w="432000">
+                  <a:extLst>
+                    <a:ext uri="{9D8B030D-6E8A-4147-A177-3AD203B41FA5}">
+                      <a16:colId xmlns:a16="http://schemas.microsoft.com/office/drawing/2014/main" val="4276133532"/>
+                    </a:ext>
+                  </a:extLst>
+                </a:gridCol>
+                <a:gridCol w="432000">
+                  <a:extLst>
+                    <a:ext uri="{9D8B030D-6E8A-4147-A177-3AD203B41FA5}">
+                      <a16:colId xmlns:a16="http://schemas.microsoft.com/office/drawing/2014/main" val="2278394597"/>
+                    </a:ext>
+                  </a:extLst>
+                </a:gridCol>
+                <a:gridCol w="432000">
+                  <a:extLst>
+                    <a:ext uri="{9D8B030D-6E8A-4147-A177-3AD203B41FA5}">
+                      <a16:colId xmlns:a16="http://schemas.microsoft.com/office/drawing/2014/main" val="1733189475"/>
+                    </a:ext>
+                  </a:extLst>
+                </a:gridCol>
+                <a:gridCol w="432000">
+                  <a:extLst>
+                    <a:ext uri="{9D8B030D-6E8A-4147-A177-3AD203B41FA5}">
+                      <a16:colId xmlns:a16="http://schemas.microsoft.com/office/drawing/2014/main" val="3743190557"/>
+                    </a:ext>
+                  </a:extLst>
+                </a:gridCol>
+                <a:gridCol w="432000">
+                  <a:extLst>
+                    <a:ext uri="{9D8B030D-6E8A-4147-A177-3AD203B41FA5}">
+                      <a16:colId xmlns:a16="http://schemas.microsoft.com/office/drawing/2014/main" val="4150562113"/>
+                    </a:ext>
+                  </a:extLst>
+                </a:gridCol>
+                <a:gridCol w="432000">
+                  <a:extLst>
+                    <a:ext uri="{9D8B030D-6E8A-4147-A177-3AD203B41FA5}">
+                      <a16:colId xmlns:a16="http://schemas.microsoft.com/office/drawing/2014/main" val="154336766"/>
+                    </a:ext>
+                  </a:extLst>
+                </a:gridCol>
+                <a:gridCol w="432000">
+                  <a:extLst>
+                    <a:ext uri="{9D8B030D-6E8A-4147-A177-3AD203B41FA5}">
+                      <a16:colId xmlns:a16="http://schemas.microsoft.com/office/drawing/2014/main" val="1830339965"/>
+                    </a:ext>
+                  </a:extLst>
+                </a:gridCol>
+                <a:gridCol w="432000">
+                  <a:extLst>
+                    <a:ext uri="{9D8B030D-6E8A-4147-A177-3AD203B41FA5}">
+                      <a16:colId xmlns:a16="http://schemas.microsoft.com/office/drawing/2014/main" val="440132147"/>
+                    </a:ext>
+                  </a:extLst>
+                </a:gridCol>
+                <a:gridCol w="432000">
+                  <a:extLst>
+                    <a:ext uri="{9D8B030D-6E8A-4147-A177-3AD203B41FA5}">
+                      <a16:colId xmlns:a16="http://schemas.microsoft.com/office/drawing/2014/main" val="2467063404"/>
+                    </a:ext>
+                  </a:extLst>
+                </a:gridCol>
+                <a:gridCol w="432000">
+                  <a:extLst>
+                    <a:ext uri="{9D8B030D-6E8A-4147-A177-3AD203B41FA5}">
+                      <a16:colId xmlns:a16="http://schemas.microsoft.com/office/drawing/2014/main" val="303654098"/>
+                    </a:ext>
+                  </a:extLst>
+                </a:gridCol>
+                <a:gridCol w="432000">
+                  <a:extLst>
+                    <a:ext uri="{9D8B030D-6E8A-4147-A177-3AD203B41FA5}">
+                      <a16:colId xmlns:a16="http://schemas.microsoft.com/office/drawing/2014/main" val="3019911133"/>
+                    </a:ext>
+                  </a:extLst>
+                </a:gridCol>
+                <a:gridCol w="432000">
+                  <a:extLst>
+                    <a:ext uri="{9D8B030D-6E8A-4147-A177-3AD203B41FA5}">
+                      <a16:colId xmlns:a16="http://schemas.microsoft.com/office/drawing/2014/main" val="728792809"/>
+                    </a:ext>
+                  </a:extLst>
+                </a:gridCol>
+                <a:gridCol w="432000">
+                  <a:extLst>
+                    <a:ext uri="{9D8B030D-6E8A-4147-A177-3AD203B41FA5}">
+                      <a16:colId xmlns:a16="http://schemas.microsoft.com/office/drawing/2014/main" val="3547418016"/>
+                    </a:ext>
+                  </a:extLst>
+                </a:gridCol>
+                <a:gridCol w="432000">
+                  <a:extLst>
+                    <a:ext uri="{9D8B030D-6E8A-4147-A177-3AD203B41FA5}">
+                      <a16:colId xmlns:a16="http://schemas.microsoft.com/office/drawing/2014/main" val="2635663454"/>
+                    </a:ext>
+                  </a:extLst>
+                </a:gridCol>
+                <a:gridCol w="432000">
+                  <a:extLst>
+                    <a:ext uri="{9D8B030D-6E8A-4147-A177-3AD203B41FA5}">
+                      <a16:colId xmlns:a16="http://schemas.microsoft.com/office/drawing/2014/main" val="1010602919"/>
+                    </a:ext>
+                  </a:extLst>
+                </a:gridCol>
+                <a:gridCol w="432000">
+                  <a:extLst>
+                    <a:ext uri="{9D8B030D-6E8A-4147-A177-3AD203B41FA5}">
+                      <a16:colId xmlns:a16="http://schemas.microsoft.com/office/drawing/2014/main" val="1181440095"/>
+                    </a:ext>
+                  </a:extLst>
+                </a:gridCol>
+                <a:gridCol w="432000">
+                  <a:extLst>
+                    <a:ext uri="{9D8B030D-6E8A-4147-A177-3AD203B41FA5}">
+                      <a16:colId xmlns:a16="http://schemas.microsoft.com/office/drawing/2014/main" val="4137236235"/>
+                    </a:ext>
+                  </a:extLst>
+                </a:gridCol>
+                <a:gridCol w="432000">
+                  <a:extLst>
+                    <a:ext uri="{9D8B030D-6E8A-4147-A177-3AD203B41FA5}">
+                      <a16:colId xmlns:a16="http://schemas.microsoft.com/office/drawing/2014/main" val="1918653240"/>
+                    </a:ext>
+                  </a:extLst>
+                </a:gridCol>
+              </a:tblGrid>
+              <a:tr h="370840">
+                <a:tc>
+                  <a:txBody>
+                    <a:bodyPr/>
+                    <a:lstStyle/>
+                    <a:p>
+                      <a:pPr algn="ctr"/>
+                      <a:r>
+                        <a:rPr lang="nl-NL" dirty="0"/>
+                        <a:t>1</a:t>
+                      </a:r>
+                    </a:p>
+                  </a:txBody>
+                  <a:tcPr anchor="ctr">
+                    <a:solidFill>
+                      <a:srgbClr val="002060"/>
+                    </a:solidFill>
+                  </a:tcPr>
+                </a:tc>
+                <a:tc>
+                  <a:txBody>
+                    <a:bodyPr/>
+                    <a:lstStyle/>
+                    <a:p>
+                      <a:pPr algn="ctr"/>
+                      <a:r>
+                        <a:rPr lang="nl-NL" dirty="0"/>
+                        <a:t>2</a:t>
+                      </a:r>
+                    </a:p>
+                  </a:txBody>
+                  <a:tcPr anchor="ctr">
+                    <a:solidFill>
+                      <a:srgbClr val="002060"/>
+                    </a:solidFill>
+                  </a:tcPr>
+                </a:tc>
+                <a:tc>
+                  <a:txBody>
+                    <a:bodyPr/>
+                    <a:lstStyle/>
+                    <a:p>
+                      <a:pPr algn="ctr"/>
+                      <a:r>
+                        <a:rPr lang="nl-NL" dirty="0"/>
+                        <a:t>3</a:t>
+                      </a:r>
+                    </a:p>
+                  </a:txBody>
+                  <a:tcPr anchor="ctr">
+                    <a:solidFill>
+                      <a:srgbClr val="002060"/>
+                    </a:solidFill>
+                  </a:tcPr>
+                </a:tc>
+                <a:tc>
+                  <a:txBody>
+                    <a:bodyPr/>
+                    <a:lstStyle/>
+                    <a:p>
+                      <a:pPr algn="ctr"/>
+                      <a:r>
+                        <a:rPr lang="nl-NL" dirty="0"/>
+                        <a:t>4</a:t>
+                      </a:r>
+                    </a:p>
+                  </a:txBody>
+                  <a:tcPr anchor="ctr">
+                    <a:solidFill>
+                      <a:srgbClr val="002060"/>
+                    </a:solidFill>
+                  </a:tcPr>
+                </a:tc>
+                <a:tc>
+                  <a:txBody>
+                    <a:bodyPr/>
+                    <a:lstStyle/>
+                    <a:p>
+                      <a:pPr algn="ctr"/>
+                      <a:r>
+                        <a:rPr lang="nl-NL" dirty="0"/>
+                        <a:t>5</a:t>
+                      </a:r>
+                    </a:p>
+                  </a:txBody>
+                  <a:tcPr anchor="ctr">
+                    <a:solidFill>
+                      <a:srgbClr val="002060"/>
+                    </a:solidFill>
+                  </a:tcPr>
+                </a:tc>
+                <a:tc>
+                  <a:txBody>
+                    <a:bodyPr/>
+                    <a:lstStyle/>
+                    <a:p>
+                      <a:pPr algn="ctr"/>
+                      <a:r>
+                        <a:rPr lang="nl-NL" dirty="0"/>
+                        <a:t>6</a:t>
+                      </a:r>
+                    </a:p>
+                  </a:txBody>
+                  <a:tcPr anchor="ctr">
+                    <a:solidFill>
+                      <a:srgbClr val="002060"/>
+                    </a:solidFill>
+                  </a:tcPr>
+                </a:tc>
+                <a:tc>
+                  <a:txBody>
+                    <a:bodyPr/>
+                    <a:lstStyle/>
+                    <a:p>
+                      <a:pPr algn="ctr"/>
+                      <a:r>
+                        <a:rPr lang="nl-NL" dirty="0"/>
+                        <a:t>7</a:t>
+                      </a:r>
+                    </a:p>
+                  </a:txBody>
+                  <a:tcPr anchor="ctr">
+                    <a:solidFill>
+                      <a:srgbClr val="002060"/>
+                    </a:solidFill>
+                  </a:tcPr>
+                </a:tc>
+                <a:tc>
+                  <a:txBody>
+                    <a:bodyPr/>
+                    <a:lstStyle/>
+                    <a:p>
+                      <a:pPr algn="ctr"/>
+                      <a:r>
+                        <a:rPr lang="nl-NL" dirty="0"/>
+                        <a:t>8</a:t>
+                      </a:r>
+                    </a:p>
+                  </a:txBody>
+                  <a:tcPr anchor="ctr">
+                    <a:solidFill>
+                      <a:srgbClr val="002060"/>
+                    </a:solidFill>
+                  </a:tcPr>
+                </a:tc>
+                <a:tc>
+                  <a:txBody>
+                    <a:bodyPr/>
+                    <a:lstStyle/>
+                    <a:p>
+                      <a:pPr algn="ctr"/>
+                      <a:r>
+                        <a:rPr lang="nl-NL" dirty="0"/>
+                        <a:t>9</a:t>
+                      </a:r>
+                    </a:p>
+                  </a:txBody>
+                  <a:tcPr anchor="ctr">
+                    <a:solidFill>
+                      <a:srgbClr val="002060"/>
+                    </a:solidFill>
+                  </a:tcPr>
+                </a:tc>
+                <a:tc>
+                  <a:txBody>
+                    <a:bodyPr/>
+                    <a:lstStyle/>
+                    <a:p>
+                      <a:pPr algn="ctr"/>
+                      <a:r>
+                        <a:rPr lang="nl-NL" dirty="0"/>
+                        <a:t>10</a:t>
+                      </a:r>
+                    </a:p>
+                  </a:txBody>
+                  <a:tcPr anchor="ctr">
+                    <a:solidFill>
+                      <a:srgbClr val="002060"/>
+                    </a:solidFill>
+                  </a:tcPr>
+                </a:tc>
+                <a:tc>
+                  <a:txBody>
+                    <a:bodyPr/>
+                    <a:lstStyle/>
+                    <a:p>
+                      <a:pPr algn="ctr"/>
+                      <a:r>
+                        <a:rPr lang="nl-NL" dirty="0"/>
+                        <a:t>11</a:t>
+                      </a:r>
+                    </a:p>
+                  </a:txBody>
+                  <a:tcPr anchor="ctr">
+                    <a:solidFill>
+                      <a:srgbClr val="002060"/>
+                    </a:solidFill>
+                  </a:tcPr>
+                </a:tc>
+                <a:tc>
+                  <a:txBody>
+                    <a:bodyPr/>
+                    <a:lstStyle/>
+                    <a:p>
+                      <a:pPr algn="ctr"/>
+                      <a:r>
+                        <a:rPr lang="nl-NL" dirty="0"/>
+                        <a:t>12</a:t>
+                      </a:r>
+                    </a:p>
+                  </a:txBody>
+                  <a:tcPr anchor="ctr">
+                    <a:solidFill>
+                      <a:srgbClr val="002060"/>
+                    </a:solidFill>
+                  </a:tcPr>
+                </a:tc>
+                <a:tc>
+                  <a:txBody>
+                    <a:bodyPr/>
+                    <a:lstStyle/>
+                    <a:p>
+                      <a:pPr algn="ctr"/>
+                      <a:r>
+                        <a:rPr lang="nl-NL" dirty="0"/>
+                        <a:t>13</a:t>
+                      </a:r>
+                    </a:p>
+                  </a:txBody>
+                  <a:tcPr anchor="ctr">
+                    <a:solidFill>
+                      <a:srgbClr val="002060"/>
+                    </a:solidFill>
+                  </a:tcPr>
+                </a:tc>
+                <a:tc>
+                  <a:txBody>
+                    <a:bodyPr/>
+                    <a:lstStyle/>
+                    <a:p>
+                      <a:pPr algn="ctr"/>
+                      <a:r>
+                        <a:rPr lang="nl-NL" dirty="0"/>
+                        <a:t>14</a:t>
+                      </a:r>
+                    </a:p>
+                  </a:txBody>
+                  <a:tcPr anchor="ctr">
+                    <a:solidFill>
+                      <a:srgbClr val="002060"/>
+                    </a:solidFill>
+                  </a:tcPr>
+                </a:tc>
+                <a:tc>
+                  <a:txBody>
+                    <a:bodyPr/>
+                    <a:lstStyle/>
+                    <a:p>
+                      <a:pPr algn="ctr"/>
+                      <a:r>
+                        <a:rPr lang="nl-NL" dirty="0"/>
+                        <a:t>15</a:t>
+                      </a:r>
+                    </a:p>
+                  </a:txBody>
+                  <a:tcPr anchor="ctr">
+                    <a:solidFill>
+                      <a:srgbClr val="002060"/>
+                    </a:solidFill>
+                  </a:tcPr>
+                </a:tc>
+                <a:tc>
+                  <a:txBody>
+                    <a:bodyPr/>
+                    <a:lstStyle/>
+                    <a:p>
+                      <a:pPr algn="ctr"/>
+                      <a:r>
+                        <a:rPr lang="nl-NL" dirty="0"/>
+                        <a:t>16</a:t>
+                      </a:r>
+                    </a:p>
+                  </a:txBody>
+                  <a:tcPr anchor="ctr">
+                    <a:solidFill>
+                      <a:srgbClr val="002060"/>
+                    </a:solidFill>
+                  </a:tcPr>
+                </a:tc>
+                <a:tc>
+                  <a:txBody>
+                    <a:bodyPr/>
+                    <a:lstStyle/>
+                    <a:p>
+                      <a:pPr algn="ctr"/>
+                      <a:r>
+                        <a:rPr lang="nl-NL" dirty="0"/>
+                        <a:t>17</a:t>
+                      </a:r>
+                    </a:p>
+                  </a:txBody>
+                  <a:tcPr anchor="ctr">
+                    <a:solidFill>
+                      <a:srgbClr val="002060"/>
+                    </a:solidFill>
+                  </a:tcPr>
+                </a:tc>
+                <a:tc>
+                  <a:txBody>
+                    <a:bodyPr/>
+                    <a:lstStyle/>
+                    <a:p>
+                      <a:pPr algn="ctr"/>
+                      <a:r>
+                        <a:rPr lang="nl-NL" dirty="0"/>
+                        <a:t>18</a:t>
+                      </a:r>
+                    </a:p>
+                  </a:txBody>
+                  <a:tcPr anchor="ctr">
+                    <a:solidFill>
+                      <a:srgbClr val="002060"/>
+                    </a:solidFill>
+                  </a:tcPr>
+                </a:tc>
+                <a:tc>
+                  <a:txBody>
+                    <a:bodyPr/>
+                    <a:lstStyle/>
+                    <a:p>
+                      <a:pPr algn="ctr"/>
+                      <a:r>
+                        <a:rPr lang="nl-NL" dirty="0"/>
+                        <a:t>19</a:t>
+                      </a:r>
+                    </a:p>
+                  </a:txBody>
+                  <a:tcPr anchor="ctr">
+                    <a:solidFill>
+                      <a:srgbClr val="002060"/>
+                    </a:solidFill>
+                  </a:tcPr>
+                </a:tc>
+                <a:tc>
+                  <a:txBody>
+                    <a:bodyPr/>
+                    <a:lstStyle/>
+                    <a:p>
+                      <a:pPr algn="ctr"/>
+                      <a:r>
+                        <a:rPr lang="nl-NL" dirty="0"/>
+                        <a:t>20</a:t>
+                      </a:r>
+                    </a:p>
+                  </a:txBody>
+                  <a:tcPr anchor="ctr">
+                    <a:solidFill>
+                      <a:srgbClr val="002060"/>
+                    </a:solidFill>
+                  </a:tcPr>
+                </a:tc>
+                <a:tc>
+                  <a:txBody>
+                    <a:bodyPr/>
+                    <a:lstStyle/>
+                    <a:p>
+                      <a:pPr algn="ctr"/>
+                      <a:r>
+                        <a:rPr lang="nl-NL" dirty="0"/>
+                        <a:t>21</a:t>
+                      </a:r>
+                    </a:p>
+                  </a:txBody>
+                  <a:tcPr anchor="ctr">
+                    <a:solidFill>
+                      <a:srgbClr val="002060"/>
+                    </a:solidFill>
+                  </a:tcPr>
+                </a:tc>
+                <a:tc>
+                  <a:txBody>
+                    <a:bodyPr/>
+                    <a:lstStyle/>
+                    <a:p>
+                      <a:pPr algn="ctr"/>
+                      <a:r>
+                        <a:rPr lang="nl-NL" dirty="0"/>
+                        <a:t>22</a:t>
+                      </a:r>
+                    </a:p>
+                  </a:txBody>
+                  <a:tcPr anchor="ctr">
+                    <a:solidFill>
+                      <a:srgbClr val="002060"/>
+                    </a:solidFill>
+                  </a:tcPr>
+                </a:tc>
+                <a:tc>
+                  <a:txBody>
+                    <a:bodyPr/>
+                    <a:lstStyle/>
+                    <a:p>
+                      <a:pPr algn="ctr"/>
+                      <a:r>
+                        <a:rPr lang="nl-NL" dirty="0"/>
+                        <a:t>23</a:t>
+                      </a:r>
+                    </a:p>
+                  </a:txBody>
+                  <a:tcPr anchor="ctr">
+                    <a:solidFill>
+                      <a:srgbClr val="002060"/>
+                    </a:solidFill>
+                  </a:tcPr>
+                </a:tc>
+                <a:tc>
+                  <a:txBody>
+                    <a:bodyPr/>
+                    <a:lstStyle/>
+                    <a:p>
+                      <a:pPr algn="ctr"/>
+                      <a:r>
+                        <a:rPr lang="nl-NL" dirty="0"/>
+                        <a:t>24</a:t>
+                      </a:r>
+                    </a:p>
+                  </a:txBody>
+                  <a:tcPr anchor="ctr">
+                    <a:solidFill>
+                      <a:srgbClr val="002060"/>
+                    </a:solidFill>
+                  </a:tcPr>
+                </a:tc>
+                <a:extLst>
+                  <a:ext uri="{0D108BD9-81ED-4DB2-BD59-A6C34878D82A}">
+                    <a16:rowId xmlns:a16="http://schemas.microsoft.com/office/drawing/2014/main" val="1216731237"/>
+                  </a:ext>
+                </a:extLst>
+              </a:tr>
+            </a:tbl>
+          </a:graphicData>
+        </a:graphic>
+      </p:graphicFrame>
+      <p:sp>
+        <p:nvSpPr>
+          <p:cNvPr id="14" name="Ovaal 13">
+            <a:extLst>
+              <a:ext uri="{FF2B5EF4-FFF2-40B4-BE49-F238E27FC236}">
+                <a16:creationId xmlns:a16="http://schemas.microsoft.com/office/drawing/2014/main" id="{675C6C1F-3CC7-3900-2CC5-8E31F8DECAA2}"/>
+              </a:ext>
+            </a:extLst>
+          </p:cNvPr>
+          <p:cNvSpPr/>
+          <p:nvPr/>
+        </p:nvSpPr>
+        <p:spPr>
+          <a:xfrm>
+            <a:off x="2093228" y="5310509"/>
+            <a:ext cx="1739983" cy="551063"/>
+          </a:xfrm>
+          <a:prstGeom prst="ellipse">
+            <a:avLst/>
+          </a:prstGeom>
+        </p:spPr>
+        <p:style>
+          <a:lnRef idx="2">
+            <a:schemeClr val="accent1">
+              <a:shade val="15000"/>
+            </a:schemeClr>
+          </a:lnRef>
+          <a:fillRef idx="1">
+            <a:schemeClr val="accent1"/>
+          </a:fillRef>
+          <a:effectRef idx="0">
+            <a:schemeClr val="accent1"/>
+          </a:effectRef>
+          <a:fontRef idx="minor">
+            <a:schemeClr val="lt1"/>
+          </a:fontRef>
+        </p:style>
+        <p:txBody>
+          <a:bodyPr rtlCol="0" anchor="ctr"/>
+          <a:lstStyle/>
+          <a:p>
+            <a:pPr algn="ctr"/>
+            <a:r>
+              <a:rPr lang="nl-NL" sz="1400" dirty="0"/>
+              <a:t>bakker</a:t>
+            </a:r>
+            <a:endParaRPr lang="nl-NL" dirty="0"/>
+          </a:p>
+        </p:txBody>
+      </p:sp>
+      <p:sp>
+        <p:nvSpPr>
+          <p:cNvPr id="15" name="Ovaal 14">
+            <a:extLst>
+              <a:ext uri="{FF2B5EF4-FFF2-40B4-BE49-F238E27FC236}">
+                <a16:creationId xmlns:a16="http://schemas.microsoft.com/office/drawing/2014/main" id="{5F6AE8C7-4ED1-B6B3-10F0-66CFE368AF09}"/>
+              </a:ext>
+            </a:extLst>
+          </p:cNvPr>
+          <p:cNvSpPr/>
+          <p:nvPr/>
+        </p:nvSpPr>
+        <p:spPr>
+          <a:xfrm>
+            <a:off x="8342637" y="4609188"/>
+            <a:ext cx="1739983" cy="551063"/>
+          </a:xfrm>
+          <a:prstGeom prst="ellipse">
+            <a:avLst/>
+          </a:prstGeom>
+        </p:spPr>
+        <p:style>
+          <a:lnRef idx="2">
+            <a:schemeClr val="accent1">
+              <a:shade val="15000"/>
+            </a:schemeClr>
+          </a:lnRef>
+          <a:fillRef idx="1">
+            <a:schemeClr val="accent1"/>
+          </a:fillRef>
+          <a:effectRef idx="0">
+            <a:schemeClr val="accent1"/>
+          </a:effectRef>
+          <a:fontRef idx="minor">
+            <a:schemeClr val="lt1"/>
+          </a:fontRef>
+        </p:style>
+        <p:txBody>
+          <a:bodyPr rtlCol="0" anchor="ctr"/>
+          <a:lstStyle/>
+          <a:p>
+            <a:pPr algn="ctr"/>
+            <a:r>
+              <a:rPr lang="nl-NL" sz="1400" dirty="0"/>
+              <a:t>Tank Guy</a:t>
+            </a:r>
+            <a:endParaRPr lang="nl-NL" dirty="0"/>
+          </a:p>
+        </p:txBody>
+      </p:sp>
+      <p:sp>
+        <p:nvSpPr>
+          <p:cNvPr id="33" name="Pijl: omhoog 32">
+            <a:extLst>
+              <a:ext uri="{FF2B5EF4-FFF2-40B4-BE49-F238E27FC236}">
+                <a16:creationId xmlns:a16="http://schemas.microsoft.com/office/drawing/2014/main" id="{E37C0E73-3E6D-EAF5-44CA-BED27F5E330B}"/>
+              </a:ext>
+            </a:extLst>
+          </p:cNvPr>
+          <p:cNvSpPr/>
+          <p:nvPr/>
+        </p:nvSpPr>
+        <p:spPr>
+          <a:xfrm>
+            <a:off x="1180848" y="2075651"/>
+            <a:ext cx="230114" cy="205891"/>
+          </a:xfrm>
+          <a:prstGeom prst="upArrow">
+            <a:avLst/>
+          </a:prstGeom>
+        </p:spPr>
+        <p:style>
+          <a:lnRef idx="2">
+            <a:schemeClr val="accent1">
+              <a:shade val="15000"/>
+            </a:schemeClr>
+          </a:lnRef>
+          <a:fillRef idx="1">
+            <a:schemeClr val="accent1"/>
+          </a:fillRef>
+          <a:effectRef idx="0">
+            <a:schemeClr val="accent1"/>
+          </a:effectRef>
+          <a:fontRef idx="minor">
+            <a:schemeClr val="lt1"/>
+          </a:fontRef>
+        </p:style>
+        <p:txBody>
+          <a:bodyPr rtlCol="0" anchor="ctr"/>
+          <a:lstStyle/>
+          <a:p>
+            <a:pPr algn="ctr"/>
+            <a:endParaRPr lang="nl-NL"/>
+          </a:p>
+        </p:txBody>
+      </p:sp>
+      <p:graphicFrame>
+        <p:nvGraphicFramePr>
+          <p:cNvPr id="34" name="Tabel 10">
+            <a:extLst>
+              <a:ext uri="{FF2B5EF4-FFF2-40B4-BE49-F238E27FC236}">
+                <a16:creationId xmlns:a16="http://schemas.microsoft.com/office/drawing/2014/main" id="{D074D9D8-A9BF-3014-EBE5-B014C2CB35C9}"/>
+              </a:ext>
+            </a:extLst>
+          </p:cNvPr>
+          <p:cNvGraphicFramePr>
+            <a:graphicFrameLocks noGrp="1"/>
+          </p:cNvGraphicFramePr>
+          <p:nvPr/>
+        </p:nvGraphicFramePr>
+        <p:xfrm>
+          <a:off x="2032000" y="3590035"/>
+          <a:ext cx="8128000" cy="370840"/>
+        </p:xfrm>
+        <a:graphic>
+          <a:graphicData uri="http://schemas.openxmlformats.org/drawingml/2006/table">
+            <a:tbl>
+              <a:tblPr firstRow="1" bandRow="1">
+                <a:tableStyleId>{5C22544A-7EE6-4342-B048-85BDC9FD1C3A}</a:tableStyleId>
+              </a:tblPr>
+              <a:tblGrid>
+                <a:gridCol w="2032000">
+                  <a:extLst>
+                    <a:ext uri="{9D8B030D-6E8A-4147-A177-3AD203B41FA5}">
+                      <a16:colId xmlns:a16="http://schemas.microsoft.com/office/drawing/2014/main" val="82315092"/>
+                    </a:ext>
+                  </a:extLst>
+                </a:gridCol>
+                <a:gridCol w="2032000">
+                  <a:extLst>
+                    <a:ext uri="{9D8B030D-6E8A-4147-A177-3AD203B41FA5}">
+                      <a16:colId xmlns:a16="http://schemas.microsoft.com/office/drawing/2014/main" val="1038358519"/>
+                    </a:ext>
+                  </a:extLst>
+                </a:gridCol>
+                <a:gridCol w="2032000">
+                  <a:extLst>
+                    <a:ext uri="{9D8B030D-6E8A-4147-A177-3AD203B41FA5}">
+                      <a16:colId xmlns:a16="http://schemas.microsoft.com/office/drawing/2014/main" val="1603408932"/>
+                    </a:ext>
+                  </a:extLst>
+                </a:gridCol>
+                <a:gridCol w="2032000">
+                  <a:extLst>
+                    <a:ext uri="{9D8B030D-6E8A-4147-A177-3AD203B41FA5}">
+                      <a16:colId xmlns:a16="http://schemas.microsoft.com/office/drawing/2014/main" val="1176514278"/>
+                    </a:ext>
+                  </a:extLst>
+                </a:gridCol>
+              </a:tblGrid>
+              <a:tr h="370840">
+                <a:tc>
+                  <a:txBody>
+                    <a:bodyPr/>
+                    <a:lstStyle/>
+                    <a:p>
+                      <a:pPr algn="ctr"/>
+                      <a:r>
+                        <a:rPr lang="nl-NL" dirty="0"/>
+                        <a:t>Slapen</a:t>
+                      </a:r>
+                    </a:p>
+                  </a:txBody>
+                  <a:tcPr anchor="ctr">
+                    <a:lnL w="12700" cap="flat" cmpd="sng" algn="ctr">
+                      <a:solidFill>
+                        <a:schemeClr val="tx1"/>
+                      </a:solidFill>
+                      <a:prstDash val="solid"/>
+                      <a:round/>
+                      <a:headEnd type="none" w="med" len="med"/>
+                      <a:tailEnd type="none" w="med" len="med"/>
+                    </a:lnL>
+                    <a:lnR w="12700" cap="flat" cmpd="sng" algn="ctr">
+                      <a:solidFill>
+                        <a:schemeClr val="tx1"/>
+                      </a:solidFill>
+                      <a:prstDash val="solid"/>
+                      <a:round/>
+                      <a:headEnd type="none" w="med" len="med"/>
+                      <a:tailEnd type="none" w="med" len="med"/>
+                    </a:lnR>
+                    <a:lnT w="12700" cap="flat" cmpd="sng" algn="ctr">
+                      <a:solidFill>
+                        <a:schemeClr val="tx1"/>
+                      </a:solidFill>
+                      <a:prstDash val="solid"/>
+                      <a:round/>
+                      <a:headEnd type="none" w="med" len="med"/>
+                      <a:tailEnd type="none" w="med" len="med"/>
+                    </a:lnT>
+                    <a:lnB w="12700" cap="flat" cmpd="sng" algn="ctr">
+                      <a:solidFill>
+                        <a:schemeClr val="tx1"/>
+                      </a:solidFill>
+                      <a:prstDash val="solid"/>
+                      <a:round/>
+                      <a:headEnd type="none" w="med" len="med"/>
+                      <a:tailEnd type="none" w="med" len="med"/>
+                    </a:lnB>
+                    <a:lnTlToBr w="12700" cmpd="sng">
+                      <a:noFill/>
+                      <a:prstDash val="solid"/>
+                    </a:lnTlToBr>
+                    <a:lnBlToTr w="12700" cmpd="sng">
+                      <a:noFill/>
+                      <a:prstDash val="solid"/>
+                    </a:lnBlToTr>
+                    <a:solidFill>
+                      <a:schemeClr val="accent6">
+                        <a:lumMod val="40000"/>
+                        <a:lumOff val="60000"/>
+                      </a:schemeClr>
+                    </a:solidFill>
+                  </a:tcPr>
+                </a:tc>
+                <a:tc>
+                  <a:txBody>
+                    <a:bodyPr/>
+                    <a:lstStyle/>
+                    <a:p>
+                      <a:pPr algn="ctr"/>
+                      <a:r>
+                        <a:rPr lang="nl-NL" dirty="0"/>
+                        <a:t>Thuis</a:t>
+                      </a:r>
+                    </a:p>
+                  </a:txBody>
+                  <a:tcPr anchor="ctr">
+                    <a:lnL w="12700" cap="flat" cmpd="sng" algn="ctr">
+                      <a:solidFill>
+                        <a:schemeClr val="tx1"/>
+                      </a:solidFill>
+                      <a:prstDash val="solid"/>
+                      <a:round/>
+                      <a:headEnd type="none" w="med" len="med"/>
+                      <a:tailEnd type="none" w="med" len="med"/>
+                    </a:lnL>
+                    <a:lnR w="12700" cap="flat" cmpd="sng" algn="ctr">
+                      <a:solidFill>
+                        <a:schemeClr val="tx1"/>
+                      </a:solidFill>
+                      <a:prstDash val="solid"/>
+                      <a:round/>
+                      <a:headEnd type="none" w="med" len="med"/>
+                      <a:tailEnd type="none" w="med" len="med"/>
+                    </a:lnR>
+                    <a:lnT w="12700" cap="flat" cmpd="sng" algn="ctr">
+                      <a:solidFill>
+                        <a:schemeClr val="tx1"/>
+                      </a:solidFill>
+                      <a:prstDash val="solid"/>
+                      <a:round/>
+                      <a:headEnd type="none" w="med" len="med"/>
+                      <a:tailEnd type="none" w="med" len="med"/>
+                    </a:lnT>
+                    <a:lnB w="12700" cap="flat" cmpd="sng" algn="ctr">
+                      <a:solidFill>
+                        <a:schemeClr val="tx1"/>
+                      </a:solidFill>
+                      <a:prstDash val="solid"/>
+                      <a:round/>
+                      <a:headEnd type="none" w="med" len="med"/>
+                      <a:tailEnd type="none" w="med" len="med"/>
+                    </a:lnB>
+                    <a:lnTlToBr w="12700" cmpd="sng">
+                      <a:noFill/>
+                      <a:prstDash val="solid"/>
+                    </a:lnTlToBr>
+                    <a:lnBlToTr w="12700" cmpd="sng">
+                      <a:noFill/>
+                      <a:prstDash val="solid"/>
+                    </a:lnBlToTr>
+                    <a:solidFill>
+                      <a:srgbClr val="FFC000"/>
+                    </a:solidFill>
+                  </a:tcPr>
+                </a:tc>
+                <a:tc>
+                  <a:txBody>
+                    <a:bodyPr/>
+                    <a:lstStyle/>
+                    <a:p>
+                      <a:pPr algn="ctr"/>
+                      <a:r>
+                        <a:rPr lang="nl-NL" dirty="0"/>
+                        <a:t>Onderweg</a:t>
+                      </a:r>
+                    </a:p>
+                  </a:txBody>
+                  <a:tcPr anchor="ctr">
+                    <a:lnL w="12700" cap="flat" cmpd="sng" algn="ctr">
+                      <a:solidFill>
+                        <a:schemeClr val="tx1"/>
+                      </a:solidFill>
+                      <a:prstDash val="solid"/>
+                      <a:round/>
+                      <a:headEnd type="none" w="med" len="med"/>
+                      <a:tailEnd type="none" w="med" len="med"/>
+                    </a:lnL>
+                    <a:lnR w="12700" cap="flat" cmpd="sng" algn="ctr">
+                      <a:solidFill>
+                        <a:schemeClr val="tx1"/>
+                      </a:solidFill>
+                      <a:prstDash val="solid"/>
+                      <a:round/>
+                      <a:headEnd type="none" w="med" len="med"/>
+                      <a:tailEnd type="none" w="med" len="med"/>
+                    </a:lnR>
+                    <a:lnT w="12700" cap="flat" cmpd="sng" algn="ctr">
+                      <a:solidFill>
+                        <a:schemeClr val="tx1"/>
+                      </a:solidFill>
+                      <a:prstDash val="solid"/>
+                      <a:round/>
+                      <a:headEnd type="none" w="med" len="med"/>
+                      <a:tailEnd type="none" w="med" len="med"/>
+                    </a:lnT>
+                    <a:lnB w="12700" cap="flat" cmpd="sng" algn="ctr">
+                      <a:solidFill>
+                        <a:schemeClr val="tx1"/>
+                      </a:solidFill>
+                      <a:prstDash val="solid"/>
+                      <a:round/>
+                      <a:headEnd type="none" w="med" len="med"/>
+                      <a:tailEnd type="none" w="med" len="med"/>
+                    </a:lnB>
+                    <a:lnTlToBr w="12700" cmpd="sng">
+                      <a:noFill/>
+                      <a:prstDash val="solid"/>
+                    </a:lnTlToBr>
+                    <a:lnBlToTr w="12700" cmpd="sng">
+                      <a:noFill/>
+                      <a:prstDash val="solid"/>
+                    </a:lnBlToTr>
+                    <a:solidFill>
+                      <a:schemeClr val="accent2">
+                        <a:lumMod val="75000"/>
+                      </a:schemeClr>
+                    </a:solidFill>
+                  </a:tcPr>
+                </a:tc>
+                <a:tc>
+                  <a:txBody>
+                    <a:bodyPr/>
+                    <a:lstStyle/>
+                    <a:p>
+                      <a:pPr algn="ctr"/>
+                      <a:r>
+                        <a:rPr lang="nl-NL" dirty="0"/>
+                        <a:t>Werken</a:t>
+                      </a:r>
+                    </a:p>
+                  </a:txBody>
+                  <a:tcPr anchor="ctr">
+                    <a:lnL w="12700" cap="flat" cmpd="sng" algn="ctr">
+                      <a:solidFill>
+                        <a:schemeClr val="tx1"/>
+                      </a:solidFill>
+                      <a:prstDash val="solid"/>
+                      <a:round/>
+                      <a:headEnd type="none" w="med" len="med"/>
+                      <a:tailEnd type="none" w="med" len="med"/>
+                    </a:lnL>
+                    <a:lnR w="12700" cap="flat" cmpd="sng" algn="ctr">
+                      <a:solidFill>
+                        <a:schemeClr val="tx1"/>
+                      </a:solidFill>
+                      <a:prstDash val="solid"/>
+                      <a:round/>
+                      <a:headEnd type="none" w="med" len="med"/>
+                      <a:tailEnd type="none" w="med" len="med"/>
+                    </a:lnR>
+                    <a:lnT w="12700" cap="flat" cmpd="sng" algn="ctr">
+                      <a:solidFill>
+                        <a:schemeClr val="tx1"/>
+                      </a:solidFill>
+                      <a:prstDash val="solid"/>
+                      <a:round/>
+                      <a:headEnd type="none" w="med" len="med"/>
+                      <a:tailEnd type="none" w="med" len="med"/>
+                    </a:lnT>
+                    <a:lnB w="12700" cap="flat" cmpd="sng" algn="ctr">
+                      <a:solidFill>
+                        <a:schemeClr val="tx1"/>
+                      </a:solidFill>
+                      <a:prstDash val="solid"/>
+                      <a:round/>
+                      <a:headEnd type="none" w="med" len="med"/>
+                      <a:tailEnd type="none" w="med" len="med"/>
+                    </a:lnB>
+                    <a:lnTlToBr w="12700" cmpd="sng">
+                      <a:noFill/>
+                      <a:prstDash val="solid"/>
+                    </a:lnTlToBr>
+                    <a:lnBlToTr w="12700" cmpd="sng">
+                      <a:noFill/>
+                      <a:prstDash val="solid"/>
+                    </a:lnBlToTr>
+                    <a:solidFill>
+                      <a:schemeClr val="accent1">
+                        <a:lumMod val="40000"/>
+                        <a:lumOff val="60000"/>
+                      </a:schemeClr>
+                    </a:solidFill>
+                  </a:tcPr>
+                </a:tc>
+                <a:extLst>
+                  <a:ext uri="{0D108BD9-81ED-4DB2-BD59-A6C34878D82A}">
+                    <a16:rowId xmlns:a16="http://schemas.microsoft.com/office/drawing/2014/main" val="967151873"/>
+                  </a:ext>
+                </a:extLst>
+              </a:tr>
+            </a:tbl>
+          </a:graphicData>
+        </a:graphic>
+      </p:graphicFrame>
+      <p:sp>
+        <p:nvSpPr>
+          <p:cNvPr id="69" name="Rechthoek 68">
+            <a:extLst>
+              <a:ext uri="{FF2B5EF4-FFF2-40B4-BE49-F238E27FC236}">
+                <a16:creationId xmlns:a16="http://schemas.microsoft.com/office/drawing/2014/main" id="{8AC19E99-F8BE-AC95-D1A7-E32299718CF1}"/>
+              </a:ext>
+            </a:extLst>
+          </p:cNvPr>
+          <p:cNvSpPr/>
+          <p:nvPr/>
+        </p:nvSpPr>
+        <p:spPr>
+          <a:xfrm>
+            <a:off x="161311" y="5403303"/>
+            <a:ext cx="1451104" cy="1325563"/>
+          </a:xfrm>
+          <a:prstGeom prst="rect">
+            <a:avLst/>
+          </a:prstGeom>
+          <a:solidFill>
+            <a:schemeClr val="bg1"/>
+          </a:solidFill>
+        </p:spPr>
+        <p:style>
+          <a:lnRef idx="2">
+            <a:schemeClr val="accent1">
+              <a:shade val="15000"/>
+            </a:schemeClr>
+          </a:lnRef>
+          <a:fillRef idx="1">
+            <a:schemeClr val="accent1"/>
+          </a:fillRef>
+          <a:effectRef idx="0">
+            <a:schemeClr val="accent1"/>
+          </a:effectRef>
+          <a:fontRef idx="minor">
+            <a:schemeClr val="lt1"/>
+          </a:fontRef>
+        </p:style>
+        <p:txBody>
+          <a:bodyPr rtlCol="0" anchor="ctr"/>
+          <a:lstStyle/>
+          <a:p>
+            <a:pPr algn="ctr"/>
+            <a:r>
+              <a:rPr lang="nl-NL" dirty="0" err="1">
                 <a:solidFill>
-                  <a:srgbClr val="150958"/>
+                  <a:schemeClr val="tx1"/>
                 </a:solidFill>
-                <a:effectLst/>
-                <a:latin typeface="Lato Extended"/>
               </a:rPr>
-              <a:t>- </a:t>
-            </a:r>
-            <a:r>
-              <a:rPr lang="nl-NL" b="0" i="1" dirty="0" err="1">
+              <a:t>GameLoop</a:t>
+            </a:r>
+            <a:endParaRPr lang="nl-NL" dirty="0">
+              <a:solidFill>
+                <a:schemeClr val="tx1"/>
+              </a:solidFill>
+            </a:endParaRPr>
+          </a:p>
+          <a:p>
+            <a:pPr algn="ctr"/>
+            <a:endParaRPr lang="nl-NL" dirty="0">
+              <a:solidFill>
+                <a:schemeClr val="tx1"/>
+              </a:solidFill>
+            </a:endParaRPr>
+          </a:p>
+          <a:p>
+            <a:pPr algn="ctr"/>
+            <a:r>
+              <a:rPr lang="nl-NL" dirty="0">
                 <a:solidFill>
-                  <a:srgbClr val="150958"/>
+                  <a:schemeClr val="tx1"/>
                 </a:solidFill>
-                <a:effectLst/>
-                <a:latin typeface="Lato Extended"/>
+                <a:hlinkClick r:id="rId2" action="ppaction://hlinksldjump"/>
               </a:rPr>
-              <a:t>command</a:t>
-            </a:r>
-            <a:r>
-              <a:rPr lang="nl-NL" b="0" i="1" dirty="0">
+              <a:t>Opnieuw</a:t>
+            </a:r>
+            <a:endParaRPr lang="nl-NL" dirty="0">
+              <a:solidFill>
+                <a:schemeClr val="tx1"/>
+              </a:solidFill>
+            </a:endParaRPr>
+          </a:p>
+          <a:p>
+            <a:pPr algn="ctr"/>
+            <a:r>
+              <a:rPr lang="nl-NL" dirty="0">
                 <a:solidFill>
-                  <a:srgbClr val="150958"/>
+                  <a:schemeClr val="tx1"/>
                 </a:solidFill>
-                <a:effectLst/>
-                <a:latin typeface="Lato Extended"/>
+                <a:hlinkClick r:id="rId3" action="ppaction://hlinksldjump"/>
               </a:rPr>
-              <a:t> </a:t>
-            </a:r>
-          </a:p>
-          <a:p>
-            <a:pPr marL="0" indent="0">
-              <a:buNone/>
-            </a:pPr>
-            <a:r>
-              <a:rPr lang="nl-NL" b="0" i="1" dirty="0">
-                <a:solidFill>
-                  <a:srgbClr val="150958"/>
-                </a:solidFill>
-                <a:effectLst/>
-                <a:latin typeface="Lato Extended"/>
-              </a:rPr>
-              <a:t>- </a:t>
-            </a:r>
-            <a:r>
-              <a:rPr lang="nl-NL" b="0" i="1" dirty="0" err="1">
-                <a:solidFill>
-                  <a:srgbClr val="150958"/>
-                </a:solidFill>
-                <a:effectLst/>
-                <a:latin typeface="Lato Extended"/>
-              </a:rPr>
-              <a:t>Observer</a:t>
-            </a:r>
-            <a:r>
-              <a:rPr lang="nl-NL" b="0" i="1" dirty="0">
-                <a:solidFill>
-                  <a:srgbClr val="150958"/>
-                </a:solidFill>
-                <a:effectLst/>
-                <a:latin typeface="Lato Extended"/>
-              </a:rPr>
-              <a:t> </a:t>
-            </a:r>
-            <a:r>
-              <a:rPr lang="nl-NL" b="0" i="1" dirty="0" err="1">
-                <a:solidFill>
-                  <a:srgbClr val="150958"/>
-                </a:solidFill>
-                <a:effectLst/>
-                <a:latin typeface="Lato Extended"/>
-              </a:rPr>
-              <a:t>pattern</a:t>
-            </a:r>
-            <a:r>
-              <a:rPr lang="nl-NL" b="0" i="1" dirty="0">
-                <a:solidFill>
-                  <a:srgbClr val="150958"/>
-                </a:solidFill>
-                <a:effectLst/>
-                <a:latin typeface="Lato Extended"/>
-              </a:rPr>
-              <a:t> (event manager)</a:t>
-            </a:r>
-          </a:p>
-          <a:p>
-            <a:pPr marL="0" indent="0">
-              <a:buNone/>
-            </a:pPr>
-            <a:r>
-              <a:rPr lang="nl-NL" i="1" dirty="0">
-                <a:solidFill>
-                  <a:srgbClr val="150958"/>
-                </a:solidFill>
-                <a:latin typeface="Lato Extended"/>
-              </a:rPr>
-              <a:t>- Event que</a:t>
-            </a:r>
-            <a:endParaRPr lang="nl-NL" b="0" i="1" dirty="0">
+              <a:t>Skip</a:t>
+            </a:r>
+            <a:endParaRPr lang="nl-NL" dirty="0">
               <a:solidFill>
-                <a:srgbClr val="150958"/>
+                <a:schemeClr val="tx1"/>
               </a:solidFill>
-              <a:effectLst/>
-              <a:latin typeface="Lato Extended"/>
             </a:endParaRPr>
-          </a:p>
-          <a:p>
-            <a:endParaRPr lang="nl-NL" dirty="0"/>
           </a:p>
         </p:txBody>
       </p:sp>
     </p:spTree>
     <p:extLst>
       <p:ext uri="{BB962C8B-B14F-4D97-AF65-F5344CB8AC3E}">
-        <p14:creationId xmlns:p14="http://schemas.microsoft.com/office/powerpoint/2010/main" val="3505702427"/>
+        <p14:creationId xmlns:p14="http://schemas.microsoft.com/office/powerpoint/2010/main" val="3063251324"/>
+      </p:ext>
+    </p:extLst>
+  </p:cSld>
+  <p:clrMapOvr>
+    <a:masterClrMapping/>
+  </p:clrMapOvr>
+  <mc:AlternateContent xmlns:mc="http://schemas.openxmlformats.org/markup-compatibility/2006" xmlns:p159="http://schemas.microsoft.com/office/powerpoint/2015/09/main">
+    <mc:Choice Requires="p159">
+      <p:transition xmlns:p14="http://schemas.microsoft.com/office/powerpoint/2010/main" spd="slow" p14:dur="2000">
+        <p159:morph option="byObject"/>
+      </p:transition>
+    </mc:Choice>
+    <mc:Fallback xmlns="">
+      <p:transition spd="slow">
+        <p:fade/>
+      </p:transition>
+    </mc:Fallback>
+  </mc:AlternateContent>
+</p:sld>
+</file>
+
+<file path=ppt/slides/slide9.xml><?xml version="1.0" encoding="utf-8"?>
+<p:sld xmlns:a="http://schemas.openxmlformats.org/drawingml/2006/main" xmlns:r="http://schemas.openxmlformats.org/officeDocument/2006/relationships" xmlns:p="http://schemas.openxmlformats.org/presentationml/2006/main">
+  <p:cSld>
+    <p:spTree>
+      <p:nvGrpSpPr>
+        <p:cNvPr id="1" name=""/>
+        <p:cNvGrpSpPr/>
+        <p:nvPr/>
+      </p:nvGrpSpPr>
+      <p:grpSpPr>
+        <a:xfrm>
+          <a:off x="0" y="0"/>
+          <a:ext cx="0" cy="0"/>
+          <a:chOff x="0" y="0"/>
+          <a:chExt cx="0" cy="0"/>
+        </a:xfrm>
+      </p:grpSpPr>
+      <p:sp>
+        <p:nvSpPr>
+          <p:cNvPr id="2" name="Titel 1">
+            <a:extLst>
+              <a:ext uri="{FF2B5EF4-FFF2-40B4-BE49-F238E27FC236}">
+                <a16:creationId xmlns:a16="http://schemas.microsoft.com/office/drawing/2014/main" id="{67ADB432-F3B8-CF36-FE64-924F36582E7B}"/>
+              </a:ext>
+            </a:extLst>
+          </p:cNvPr>
+          <p:cNvSpPr>
+            <a:spLocks noGrp="1"/>
+          </p:cNvSpPr>
+          <p:nvPr>
+            <p:ph type="title"/>
+          </p:nvPr>
+        </p:nvSpPr>
+        <p:spPr/>
+        <p:txBody>
+          <a:bodyPr/>
+          <a:lstStyle/>
+          <a:p>
+            <a:r>
+              <a:rPr lang="nl-NL" dirty="0"/>
+              <a:t>Idee 1: </a:t>
+            </a:r>
+            <a:r>
+              <a:rPr lang="nl-NL" dirty="0" err="1"/>
+              <a:t>Finite</a:t>
+            </a:r>
+            <a:r>
+              <a:rPr lang="nl-NL" dirty="0"/>
+              <a:t> State Machine  </a:t>
+            </a:r>
+          </a:p>
+        </p:txBody>
+      </p:sp>
+      <p:sp>
+        <p:nvSpPr>
+          <p:cNvPr id="3" name="Tekstvak 2">
+            <a:extLst>
+              <a:ext uri="{FF2B5EF4-FFF2-40B4-BE49-F238E27FC236}">
+                <a16:creationId xmlns:a16="http://schemas.microsoft.com/office/drawing/2014/main" id="{55D492D6-E9FA-F143-A9EE-28E1F16CEECC}"/>
+              </a:ext>
+            </a:extLst>
+          </p:cNvPr>
+          <p:cNvSpPr txBox="1"/>
+          <p:nvPr/>
+        </p:nvSpPr>
+        <p:spPr>
+          <a:xfrm>
+            <a:off x="920456" y="1822744"/>
+            <a:ext cx="9183668" cy="369332"/>
+          </a:xfrm>
+          <a:prstGeom prst="rect">
+            <a:avLst/>
+          </a:prstGeom>
+          <a:noFill/>
+        </p:spPr>
+        <p:txBody>
+          <a:bodyPr wrap="none" rtlCol="0">
+            <a:spAutoFit/>
+          </a:bodyPr>
+          <a:lstStyle/>
+          <a:p>
+            <a:r>
+              <a:rPr lang="nl-NL" dirty="0"/>
+              <a:t>De </a:t>
+            </a:r>
+            <a:r>
+              <a:rPr lang="nl-NL" dirty="0" err="1"/>
+              <a:t>Finite</a:t>
+            </a:r>
+            <a:r>
+              <a:rPr lang="nl-NL" dirty="0"/>
+              <a:t> state machine veranderd de staat waarin de </a:t>
+            </a:r>
+            <a:r>
+              <a:rPr lang="nl-NL" dirty="0" err="1"/>
+              <a:t>workers</a:t>
+            </a:r>
+            <a:r>
+              <a:rPr lang="nl-NL" dirty="0"/>
+              <a:t> en waarin de tijd zich in bevinden</a:t>
+            </a:r>
+          </a:p>
+        </p:txBody>
+      </p:sp>
+      <p:graphicFrame>
+        <p:nvGraphicFramePr>
+          <p:cNvPr id="12" name="Tabel 12">
+            <a:extLst>
+              <a:ext uri="{FF2B5EF4-FFF2-40B4-BE49-F238E27FC236}">
+                <a16:creationId xmlns:a16="http://schemas.microsoft.com/office/drawing/2014/main" id="{90DF0F19-6C6A-0B54-FB6B-2A199F8F4272}"/>
+              </a:ext>
+            </a:extLst>
+          </p:cNvPr>
+          <p:cNvGraphicFramePr>
+            <a:graphicFrameLocks noGrp="1"/>
+          </p:cNvGraphicFramePr>
+          <p:nvPr>
+            <p:extLst>
+              <p:ext uri="{D42A27DB-BD31-4B8C-83A1-F6EECF244321}">
+                <p14:modId xmlns:p14="http://schemas.microsoft.com/office/powerpoint/2010/main" val="3928301887"/>
+              </p:ext>
+            </p:extLst>
+          </p:nvPr>
+        </p:nvGraphicFramePr>
+        <p:xfrm>
+          <a:off x="985800" y="3462976"/>
+          <a:ext cx="10368000" cy="370840"/>
+        </p:xfrm>
+        <a:graphic>
+          <a:graphicData uri="http://schemas.openxmlformats.org/drawingml/2006/table">
+            <a:tbl>
+              <a:tblPr firstRow="1" bandRow="1">
+                <a:tableStyleId>{5C22544A-7EE6-4342-B048-85BDC9FD1C3A}</a:tableStyleId>
+              </a:tblPr>
+              <a:tblGrid>
+                <a:gridCol w="432000">
+                  <a:extLst>
+                    <a:ext uri="{9D8B030D-6E8A-4147-A177-3AD203B41FA5}">
+                      <a16:colId xmlns:a16="http://schemas.microsoft.com/office/drawing/2014/main" val="460867451"/>
+                    </a:ext>
+                  </a:extLst>
+                </a:gridCol>
+                <a:gridCol w="432000">
+                  <a:extLst>
+                    <a:ext uri="{9D8B030D-6E8A-4147-A177-3AD203B41FA5}">
+                      <a16:colId xmlns:a16="http://schemas.microsoft.com/office/drawing/2014/main" val="2445409952"/>
+                    </a:ext>
+                  </a:extLst>
+                </a:gridCol>
+                <a:gridCol w="432000">
+                  <a:extLst>
+                    <a:ext uri="{9D8B030D-6E8A-4147-A177-3AD203B41FA5}">
+                      <a16:colId xmlns:a16="http://schemas.microsoft.com/office/drawing/2014/main" val="2151682526"/>
+                    </a:ext>
+                  </a:extLst>
+                </a:gridCol>
+                <a:gridCol w="432000">
+                  <a:extLst>
+                    <a:ext uri="{9D8B030D-6E8A-4147-A177-3AD203B41FA5}">
+                      <a16:colId xmlns:a16="http://schemas.microsoft.com/office/drawing/2014/main" val="2382324935"/>
+                    </a:ext>
+                  </a:extLst>
+                </a:gridCol>
+                <a:gridCol w="432000">
+                  <a:extLst>
+                    <a:ext uri="{9D8B030D-6E8A-4147-A177-3AD203B41FA5}">
+                      <a16:colId xmlns:a16="http://schemas.microsoft.com/office/drawing/2014/main" val="2873017439"/>
+                    </a:ext>
+                  </a:extLst>
+                </a:gridCol>
+                <a:gridCol w="432000">
+                  <a:extLst>
+                    <a:ext uri="{9D8B030D-6E8A-4147-A177-3AD203B41FA5}">
+                      <a16:colId xmlns:a16="http://schemas.microsoft.com/office/drawing/2014/main" val="1741584497"/>
+                    </a:ext>
+                  </a:extLst>
+                </a:gridCol>
+                <a:gridCol w="432000">
+                  <a:extLst>
+                    <a:ext uri="{9D8B030D-6E8A-4147-A177-3AD203B41FA5}">
+                      <a16:colId xmlns:a16="http://schemas.microsoft.com/office/drawing/2014/main" val="4276133532"/>
+                    </a:ext>
+                  </a:extLst>
+                </a:gridCol>
+                <a:gridCol w="432000">
+                  <a:extLst>
+                    <a:ext uri="{9D8B030D-6E8A-4147-A177-3AD203B41FA5}">
+                      <a16:colId xmlns:a16="http://schemas.microsoft.com/office/drawing/2014/main" val="2278394597"/>
+                    </a:ext>
+                  </a:extLst>
+                </a:gridCol>
+                <a:gridCol w="432000">
+                  <a:extLst>
+                    <a:ext uri="{9D8B030D-6E8A-4147-A177-3AD203B41FA5}">
+                      <a16:colId xmlns:a16="http://schemas.microsoft.com/office/drawing/2014/main" val="1733189475"/>
+                    </a:ext>
+                  </a:extLst>
+                </a:gridCol>
+                <a:gridCol w="432000">
+                  <a:extLst>
+                    <a:ext uri="{9D8B030D-6E8A-4147-A177-3AD203B41FA5}">
+                      <a16:colId xmlns:a16="http://schemas.microsoft.com/office/drawing/2014/main" val="3743190557"/>
+                    </a:ext>
+                  </a:extLst>
+                </a:gridCol>
+                <a:gridCol w="432000">
+                  <a:extLst>
+                    <a:ext uri="{9D8B030D-6E8A-4147-A177-3AD203B41FA5}">
+                      <a16:colId xmlns:a16="http://schemas.microsoft.com/office/drawing/2014/main" val="4150562113"/>
+                    </a:ext>
+                  </a:extLst>
+                </a:gridCol>
+                <a:gridCol w="432000">
+                  <a:extLst>
+                    <a:ext uri="{9D8B030D-6E8A-4147-A177-3AD203B41FA5}">
+                      <a16:colId xmlns:a16="http://schemas.microsoft.com/office/drawing/2014/main" val="154336766"/>
+                    </a:ext>
+                  </a:extLst>
+                </a:gridCol>
+                <a:gridCol w="432000">
+                  <a:extLst>
+                    <a:ext uri="{9D8B030D-6E8A-4147-A177-3AD203B41FA5}">
+                      <a16:colId xmlns:a16="http://schemas.microsoft.com/office/drawing/2014/main" val="1830339965"/>
+                    </a:ext>
+                  </a:extLst>
+                </a:gridCol>
+                <a:gridCol w="432000">
+                  <a:extLst>
+                    <a:ext uri="{9D8B030D-6E8A-4147-A177-3AD203B41FA5}">
+                      <a16:colId xmlns:a16="http://schemas.microsoft.com/office/drawing/2014/main" val="440132147"/>
+                    </a:ext>
+                  </a:extLst>
+                </a:gridCol>
+                <a:gridCol w="432000">
+                  <a:extLst>
+                    <a:ext uri="{9D8B030D-6E8A-4147-A177-3AD203B41FA5}">
+                      <a16:colId xmlns:a16="http://schemas.microsoft.com/office/drawing/2014/main" val="2467063404"/>
+                    </a:ext>
+                  </a:extLst>
+                </a:gridCol>
+                <a:gridCol w="432000">
+                  <a:extLst>
+                    <a:ext uri="{9D8B030D-6E8A-4147-A177-3AD203B41FA5}">
+                      <a16:colId xmlns:a16="http://schemas.microsoft.com/office/drawing/2014/main" val="303654098"/>
+                    </a:ext>
+                  </a:extLst>
+                </a:gridCol>
+                <a:gridCol w="432000">
+                  <a:extLst>
+                    <a:ext uri="{9D8B030D-6E8A-4147-A177-3AD203B41FA5}">
+                      <a16:colId xmlns:a16="http://schemas.microsoft.com/office/drawing/2014/main" val="3019911133"/>
+                    </a:ext>
+                  </a:extLst>
+                </a:gridCol>
+                <a:gridCol w="432000">
+                  <a:extLst>
+                    <a:ext uri="{9D8B030D-6E8A-4147-A177-3AD203B41FA5}">
+                      <a16:colId xmlns:a16="http://schemas.microsoft.com/office/drawing/2014/main" val="728792809"/>
+                    </a:ext>
+                  </a:extLst>
+                </a:gridCol>
+                <a:gridCol w="432000">
+                  <a:extLst>
+                    <a:ext uri="{9D8B030D-6E8A-4147-A177-3AD203B41FA5}">
+                      <a16:colId xmlns:a16="http://schemas.microsoft.com/office/drawing/2014/main" val="3547418016"/>
+                    </a:ext>
+                  </a:extLst>
+                </a:gridCol>
+                <a:gridCol w="432000">
+                  <a:extLst>
+                    <a:ext uri="{9D8B030D-6E8A-4147-A177-3AD203B41FA5}">
+                      <a16:colId xmlns:a16="http://schemas.microsoft.com/office/drawing/2014/main" val="2635663454"/>
+                    </a:ext>
+                  </a:extLst>
+                </a:gridCol>
+                <a:gridCol w="432000">
+                  <a:extLst>
+                    <a:ext uri="{9D8B030D-6E8A-4147-A177-3AD203B41FA5}">
+                      <a16:colId xmlns:a16="http://schemas.microsoft.com/office/drawing/2014/main" val="1010602919"/>
+                    </a:ext>
+                  </a:extLst>
+                </a:gridCol>
+                <a:gridCol w="432000">
+                  <a:extLst>
+                    <a:ext uri="{9D8B030D-6E8A-4147-A177-3AD203B41FA5}">
+                      <a16:colId xmlns:a16="http://schemas.microsoft.com/office/drawing/2014/main" val="1181440095"/>
+                    </a:ext>
+                  </a:extLst>
+                </a:gridCol>
+                <a:gridCol w="432000">
+                  <a:extLst>
+                    <a:ext uri="{9D8B030D-6E8A-4147-A177-3AD203B41FA5}">
+                      <a16:colId xmlns:a16="http://schemas.microsoft.com/office/drawing/2014/main" val="4137236235"/>
+                    </a:ext>
+                  </a:extLst>
+                </a:gridCol>
+                <a:gridCol w="432000">
+                  <a:extLst>
+                    <a:ext uri="{9D8B030D-6E8A-4147-A177-3AD203B41FA5}">
+                      <a16:colId xmlns:a16="http://schemas.microsoft.com/office/drawing/2014/main" val="1918653240"/>
+                    </a:ext>
+                  </a:extLst>
+                </a:gridCol>
+              </a:tblGrid>
+              <a:tr h="370840">
+                <a:tc>
+                  <a:txBody>
+                    <a:bodyPr/>
+                    <a:lstStyle/>
+                    <a:p>
+                      <a:pPr algn="ctr"/>
+                      <a:r>
+                        <a:rPr lang="nl-NL" dirty="0"/>
+                        <a:t>1</a:t>
+                      </a:r>
+                    </a:p>
+                  </a:txBody>
+                  <a:tcPr anchor="ctr">
+                    <a:solidFill>
+                      <a:srgbClr val="002060"/>
+                    </a:solidFill>
+                  </a:tcPr>
+                </a:tc>
+                <a:tc>
+                  <a:txBody>
+                    <a:bodyPr/>
+                    <a:lstStyle/>
+                    <a:p>
+                      <a:pPr algn="ctr"/>
+                      <a:r>
+                        <a:rPr lang="nl-NL" dirty="0"/>
+                        <a:t>2</a:t>
+                      </a:r>
+                    </a:p>
+                  </a:txBody>
+                  <a:tcPr anchor="ctr">
+                    <a:solidFill>
+                      <a:srgbClr val="002060"/>
+                    </a:solidFill>
+                  </a:tcPr>
+                </a:tc>
+                <a:tc>
+                  <a:txBody>
+                    <a:bodyPr/>
+                    <a:lstStyle/>
+                    <a:p>
+                      <a:pPr algn="ctr"/>
+                      <a:r>
+                        <a:rPr lang="nl-NL" dirty="0"/>
+                        <a:t>3</a:t>
+                      </a:r>
+                    </a:p>
+                  </a:txBody>
+                  <a:tcPr anchor="ctr">
+                    <a:solidFill>
+                      <a:srgbClr val="002060"/>
+                    </a:solidFill>
+                  </a:tcPr>
+                </a:tc>
+                <a:tc>
+                  <a:txBody>
+                    <a:bodyPr/>
+                    <a:lstStyle/>
+                    <a:p>
+                      <a:pPr algn="ctr"/>
+                      <a:r>
+                        <a:rPr lang="nl-NL" dirty="0"/>
+                        <a:t>4</a:t>
+                      </a:r>
+                    </a:p>
+                  </a:txBody>
+                  <a:tcPr anchor="ctr">
+                    <a:solidFill>
+                      <a:srgbClr val="002060"/>
+                    </a:solidFill>
+                  </a:tcPr>
+                </a:tc>
+                <a:tc>
+                  <a:txBody>
+                    <a:bodyPr/>
+                    <a:lstStyle/>
+                    <a:p>
+                      <a:pPr algn="ctr"/>
+                      <a:r>
+                        <a:rPr lang="nl-NL" dirty="0"/>
+                        <a:t>5</a:t>
+                      </a:r>
+                    </a:p>
+                  </a:txBody>
+                  <a:tcPr anchor="ctr">
+                    <a:solidFill>
+                      <a:srgbClr val="002060"/>
+                    </a:solidFill>
+                  </a:tcPr>
+                </a:tc>
+                <a:tc>
+                  <a:txBody>
+                    <a:bodyPr/>
+                    <a:lstStyle/>
+                    <a:p>
+                      <a:pPr algn="ctr"/>
+                      <a:r>
+                        <a:rPr lang="nl-NL" dirty="0"/>
+                        <a:t>6</a:t>
+                      </a:r>
+                    </a:p>
+                  </a:txBody>
+                  <a:tcPr anchor="ctr">
+                    <a:solidFill>
+                      <a:srgbClr val="002060"/>
+                    </a:solidFill>
+                  </a:tcPr>
+                </a:tc>
+                <a:tc>
+                  <a:txBody>
+                    <a:bodyPr/>
+                    <a:lstStyle/>
+                    <a:p>
+                      <a:pPr algn="ctr"/>
+                      <a:r>
+                        <a:rPr lang="nl-NL" dirty="0"/>
+                        <a:t>7</a:t>
+                      </a:r>
+                    </a:p>
+                  </a:txBody>
+                  <a:tcPr anchor="ctr">
+                    <a:solidFill>
+                      <a:srgbClr val="002060"/>
+                    </a:solidFill>
+                  </a:tcPr>
+                </a:tc>
+                <a:tc>
+                  <a:txBody>
+                    <a:bodyPr/>
+                    <a:lstStyle/>
+                    <a:p>
+                      <a:pPr algn="ctr"/>
+                      <a:r>
+                        <a:rPr lang="nl-NL" dirty="0"/>
+                        <a:t>8</a:t>
+                      </a:r>
+                    </a:p>
+                  </a:txBody>
+                  <a:tcPr anchor="ctr">
+                    <a:solidFill>
+                      <a:srgbClr val="002060"/>
+                    </a:solidFill>
+                  </a:tcPr>
+                </a:tc>
+                <a:tc>
+                  <a:txBody>
+                    <a:bodyPr/>
+                    <a:lstStyle/>
+                    <a:p>
+                      <a:pPr algn="ctr"/>
+                      <a:r>
+                        <a:rPr lang="nl-NL" dirty="0"/>
+                        <a:t>9</a:t>
+                      </a:r>
+                    </a:p>
+                  </a:txBody>
+                  <a:tcPr anchor="ctr">
+                    <a:solidFill>
+                      <a:srgbClr val="002060"/>
+                    </a:solidFill>
+                  </a:tcPr>
+                </a:tc>
+                <a:tc>
+                  <a:txBody>
+                    <a:bodyPr/>
+                    <a:lstStyle/>
+                    <a:p>
+                      <a:pPr algn="ctr"/>
+                      <a:r>
+                        <a:rPr lang="nl-NL" dirty="0"/>
+                        <a:t>10</a:t>
+                      </a:r>
+                    </a:p>
+                  </a:txBody>
+                  <a:tcPr anchor="ctr">
+                    <a:solidFill>
+                      <a:srgbClr val="002060"/>
+                    </a:solidFill>
+                  </a:tcPr>
+                </a:tc>
+                <a:tc>
+                  <a:txBody>
+                    <a:bodyPr/>
+                    <a:lstStyle/>
+                    <a:p>
+                      <a:pPr algn="ctr"/>
+                      <a:r>
+                        <a:rPr lang="nl-NL" dirty="0"/>
+                        <a:t>11</a:t>
+                      </a:r>
+                    </a:p>
+                  </a:txBody>
+                  <a:tcPr anchor="ctr">
+                    <a:solidFill>
+                      <a:srgbClr val="002060"/>
+                    </a:solidFill>
+                  </a:tcPr>
+                </a:tc>
+                <a:tc>
+                  <a:txBody>
+                    <a:bodyPr/>
+                    <a:lstStyle/>
+                    <a:p>
+                      <a:pPr algn="ctr"/>
+                      <a:r>
+                        <a:rPr lang="nl-NL" dirty="0"/>
+                        <a:t>12</a:t>
+                      </a:r>
+                    </a:p>
+                  </a:txBody>
+                  <a:tcPr anchor="ctr">
+                    <a:solidFill>
+                      <a:srgbClr val="002060"/>
+                    </a:solidFill>
+                  </a:tcPr>
+                </a:tc>
+                <a:tc>
+                  <a:txBody>
+                    <a:bodyPr/>
+                    <a:lstStyle/>
+                    <a:p>
+                      <a:pPr algn="ctr"/>
+                      <a:r>
+                        <a:rPr lang="nl-NL" dirty="0"/>
+                        <a:t>13</a:t>
+                      </a:r>
+                    </a:p>
+                  </a:txBody>
+                  <a:tcPr anchor="ctr">
+                    <a:solidFill>
+                      <a:srgbClr val="002060"/>
+                    </a:solidFill>
+                  </a:tcPr>
+                </a:tc>
+                <a:tc>
+                  <a:txBody>
+                    <a:bodyPr/>
+                    <a:lstStyle/>
+                    <a:p>
+                      <a:pPr algn="ctr"/>
+                      <a:r>
+                        <a:rPr lang="nl-NL" dirty="0"/>
+                        <a:t>14</a:t>
+                      </a:r>
+                    </a:p>
+                  </a:txBody>
+                  <a:tcPr anchor="ctr">
+                    <a:solidFill>
+                      <a:srgbClr val="002060"/>
+                    </a:solidFill>
+                  </a:tcPr>
+                </a:tc>
+                <a:tc>
+                  <a:txBody>
+                    <a:bodyPr/>
+                    <a:lstStyle/>
+                    <a:p>
+                      <a:pPr algn="ctr"/>
+                      <a:r>
+                        <a:rPr lang="nl-NL" dirty="0"/>
+                        <a:t>15</a:t>
+                      </a:r>
+                    </a:p>
+                  </a:txBody>
+                  <a:tcPr anchor="ctr">
+                    <a:solidFill>
+                      <a:srgbClr val="002060"/>
+                    </a:solidFill>
+                  </a:tcPr>
+                </a:tc>
+                <a:tc>
+                  <a:txBody>
+                    <a:bodyPr/>
+                    <a:lstStyle/>
+                    <a:p>
+                      <a:pPr algn="ctr"/>
+                      <a:r>
+                        <a:rPr lang="nl-NL" dirty="0"/>
+                        <a:t>16</a:t>
+                      </a:r>
+                    </a:p>
+                  </a:txBody>
+                  <a:tcPr anchor="ctr">
+                    <a:solidFill>
+                      <a:srgbClr val="002060"/>
+                    </a:solidFill>
+                  </a:tcPr>
+                </a:tc>
+                <a:tc>
+                  <a:txBody>
+                    <a:bodyPr/>
+                    <a:lstStyle/>
+                    <a:p>
+                      <a:pPr algn="ctr"/>
+                      <a:r>
+                        <a:rPr lang="nl-NL" dirty="0"/>
+                        <a:t>17</a:t>
+                      </a:r>
+                    </a:p>
+                  </a:txBody>
+                  <a:tcPr anchor="ctr">
+                    <a:solidFill>
+                      <a:srgbClr val="002060"/>
+                    </a:solidFill>
+                  </a:tcPr>
+                </a:tc>
+                <a:tc>
+                  <a:txBody>
+                    <a:bodyPr/>
+                    <a:lstStyle/>
+                    <a:p>
+                      <a:pPr algn="ctr"/>
+                      <a:r>
+                        <a:rPr lang="nl-NL" dirty="0"/>
+                        <a:t>18</a:t>
+                      </a:r>
+                    </a:p>
+                  </a:txBody>
+                  <a:tcPr anchor="ctr">
+                    <a:solidFill>
+                      <a:srgbClr val="002060"/>
+                    </a:solidFill>
+                  </a:tcPr>
+                </a:tc>
+                <a:tc>
+                  <a:txBody>
+                    <a:bodyPr/>
+                    <a:lstStyle/>
+                    <a:p>
+                      <a:pPr algn="ctr"/>
+                      <a:r>
+                        <a:rPr lang="nl-NL" dirty="0"/>
+                        <a:t>19</a:t>
+                      </a:r>
+                    </a:p>
+                  </a:txBody>
+                  <a:tcPr anchor="ctr">
+                    <a:solidFill>
+                      <a:srgbClr val="002060"/>
+                    </a:solidFill>
+                  </a:tcPr>
+                </a:tc>
+                <a:tc>
+                  <a:txBody>
+                    <a:bodyPr/>
+                    <a:lstStyle/>
+                    <a:p>
+                      <a:pPr algn="ctr"/>
+                      <a:r>
+                        <a:rPr lang="nl-NL" dirty="0"/>
+                        <a:t>20</a:t>
+                      </a:r>
+                    </a:p>
+                  </a:txBody>
+                  <a:tcPr anchor="ctr">
+                    <a:solidFill>
+                      <a:srgbClr val="002060"/>
+                    </a:solidFill>
+                  </a:tcPr>
+                </a:tc>
+                <a:tc>
+                  <a:txBody>
+                    <a:bodyPr/>
+                    <a:lstStyle/>
+                    <a:p>
+                      <a:pPr algn="ctr"/>
+                      <a:r>
+                        <a:rPr lang="nl-NL" dirty="0"/>
+                        <a:t>21</a:t>
+                      </a:r>
+                    </a:p>
+                  </a:txBody>
+                  <a:tcPr anchor="ctr">
+                    <a:solidFill>
+                      <a:srgbClr val="002060"/>
+                    </a:solidFill>
+                  </a:tcPr>
+                </a:tc>
+                <a:tc>
+                  <a:txBody>
+                    <a:bodyPr/>
+                    <a:lstStyle/>
+                    <a:p>
+                      <a:pPr algn="ctr"/>
+                      <a:r>
+                        <a:rPr lang="nl-NL" dirty="0"/>
+                        <a:t>22</a:t>
+                      </a:r>
+                    </a:p>
+                  </a:txBody>
+                  <a:tcPr anchor="ctr">
+                    <a:solidFill>
+                      <a:srgbClr val="002060"/>
+                    </a:solidFill>
+                  </a:tcPr>
+                </a:tc>
+                <a:tc>
+                  <a:txBody>
+                    <a:bodyPr/>
+                    <a:lstStyle/>
+                    <a:p>
+                      <a:pPr algn="ctr"/>
+                      <a:r>
+                        <a:rPr lang="nl-NL" dirty="0"/>
+                        <a:t>23</a:t>
+                      </a:r>
+                    </a:p>
+                  </a:txBody>
+                  <a:tcPr anchor="ctr">
+                    <a:solidFill>
+                      <a:srgbClr val="002060"/>
+                    </a:solidFill>
+                  </a:tcPr>
+                </a:tc>
+                <a:tc>
+                  <a:txBody>
+                    <a:bodyPr/>
+                    <a:lstStyle/>
+                    <a:p>
+                      <a:pPr algn="ctr"/>
+                      <a:r>
+                        <a:rPr lang="nl-NL" dirty="0"/>
+                        <a:t>24</a:t>
+                      </a:r>
+                    </a:p>
+                  </a:txBody>
+                  <a:tcPr anchor="ctr">
+                    <a:solidFill>
+                      <a:srgbClr val="002060"/>
+                    </a:solidFill>
+                  </a:tcPr>
+                </a:tc>
+                <a:extLst>
+                  <a:ext uri="{0D108BD9-81ED-4DB2-BD59-A6C34878D82A}">
+                    <a16:rowId xmlns:a16="http://schemas.microsoft.com/office/drawing/2014/main" val="1216731237"/>
+                  </a:ext>
+                </a:extLst>
+              </a:tr>
+            </a:tbl>
+          </a:graphicData>
+        </a:graphic>
+      </p:graphicFrame>
+      <p:graphicFrame>
+        <p:nvGraphicFramePr>
+          <p:cNvPr id="5" name="Tabel 10">
+            <a:extLst>
+              <a:ext uri="{FF2B5EF4-FFF2-40B4-BE49-F238E27FC236}">
+                <a16:creationId xmlns:a16="http://schemas.microsoft.com/office/drawing/2014/main" id="{C9857F32-10E8-B698-0140-E0A79DD51D3A}"/>
+              </a:ext>
+            </a:extLst>
+          </p:cNvPr>
+          <p:cNvGraphicFramePr>
+            <a:graphicFrameLocks noGrp="1"/>
+          </p:cNvGraphicFramePr>
+          <p:nvPr>
+            <p:extLst>
+              <p:ext uri="{D42A27DB-BD31-4B8C-83A1-F6EECF244321}">
+                <p14:modId xmlns:p14="http://schemas.microsoft.com/office/powerpoint/2010/main" val="155991315"/>
+              </p:ext>
+            </p:extLst>
+          </p:nvPr>
+        </p:nvGraphicFramePr>
+        <p:xfrm>
+          <a:off x="1916943" y="4733876"/>
+          <a:ext cx="8128000" cy="370840"/>
+        </p:xfrm>
+        <a:graphic>
+          <a:graphicData uri="http://schemas.openxmlformats.org/drawingml/2006/table">
+            <a:tbl>
+              <a:tblPr firstRow="1" bandRow="1">
+                <a:tableStyleId>{5C22544A-7EE6-4342-B048-85BDC9FD1C3A}</a:tableStyleId>
+              </a:tblPr>
+              <a:tblGrid>
+                <a:gridCol w="2032000">
+                  <a:extLst>
+                    <a:ext uri="{9D8B030D-6E8A-4147-A177-3AD203B41FA5}">
+                      <a16:colId xmlns:a16="http://schemas.microsoft.com/office/drawing/2014/main" val="82315092"/>
+                    </a:ext>
+                  </a:extLst>
+                </a:gridCol>
+                <a:gridCol w="2032000">
+                  <a:extLst>
+                    <a:ext uri="{9D8B030D-6E8A-4147-A177-3AD203B41FA5}">
+                      <a16:colId xmlns:a16="http://schemas.microsoft.com/office/drawing/2014/main" val="1038358519"/>
+                    </a:ext>
+                  </a:extLst>
+                </a:gridCol>
+                <a:gridCol w="2032000">
+                  <a:extLst>
+                    <a:ext uri="{9D8B030D-6E8A-4147-A177-3AD203B41FA5}">
+                      <a16:colId xmlns:a16="http://schemas.microsoft.com/office/drawing/2014/main" val="1603408932"/>
+                    </a:ext>
+                  </a:extLst>
+                </a:gridCol>
+                <a:gridCol w="2032000">
+                  <a:extLst>
+                    <a:ext uri="{9D8B030D-6E8A-4147-A177-3AD203B41FA5}">
+                      <a16:colId xmlns:a16="http://schemas.microsoft.com/office/drawing/2014/main" val="1176514278"/>
+                    </a:ext>
+                  </a:extLst>
+                </a:gridCol>
+              </a:tblGrid>
+              <a:tr h="370840">
+                <a:tc>
+                  <a:txBody>
+                    <a:bodyPr/>
+                    <a:lstStyle/>
+                    <a:p>
+                      <a:pPr algn="ctr"/>
+                      <a:r>
+                        <a:rPr lang="nl-NL" dirty="0"/>
+                        <a:t>Slapen</a:t>
+                      </a:r>
+                    </a:p>
+                  </a:txBody>
+                  <a:tcPr anchor="ctr">
+                    <a:lnL w="12700" cap="flat" cmpd="sng" algn="ctr">
+                      <a:solidFill>
+                        <a:schemeClr val="tx1"/>
+                      </a:solidFill>
+                      <a:prstDash val="solid"/>
+                      <a:round/>
+                      <a:headEnd type="none" w="med" len="med"/>
+                      <a:tailEnd type="none" w="med" len="med"/>
+                    </a:lnL>
+                    <a:lnR w="12700" cap="flat" cmpd="sng" algn="ctr">
+                      <a:solidFill>
+                        <a:schemeClr val="tx1"/>
+                      </a:solidFill>
+                      <a:prstDash val="solid"/>
+                      <a:round/>
+                      <a:headEnd type="none" w="med" len="med"/>
+                      <a:tailEnd type="none" w="med" len="med"/>
+                    </a:lnR>
+                    <a:lnT w="12700" cap="flat" cmpd="sng" algn="ctr">
+                      <a:solidFill>
+                        <a:schemeClr val="tx1"/>
+                      </a:solidFill>
+                      <a:prstDash val="solid"/>
+                      <a:round/>
+                      <a:headEnd type="none" w="med" len="med"/>
+                      <a:tailEnd type="none" w="med" len="med"/>
+                    </a:lnT>
+                    <a:lnB w="12700" cap="flat" cmpd="sng" algn="ctr">
+                      <a:solidFill>
+                        <a:schemeClr val="tx1"/>
+                      </a:solidFill>
+                      <a:prstDash val="solid"/>
+                      <a:round/>
+                      <a:headEnd type="none" w="med" len="med"/>
+                      <a:tailEnd type="none" w="med" len="med"/>
+                    </a:lnB>
+                    <a:lnTlToBr w="12700" cmpd="sng">
+                      <a:noFill/>
+                      <a:prstDash val="solid"/>
+                    </a:lnTlToBr>
+                    <a:lnBlToTr w="12700" cmpd="sng">
+                      <a:noFill/>
+                      <a:prstDash val="solid"/>
+                    </a:lnBlToTr>
+                    <a:solidFill>
+                      <a:schemeClr val="accent6">
+                        <a:lumMod val="40000"/>
+                        <a:lumOff val="60000"/>
+                      </a:schemeClr>
+                    </a:solidFill>
+                  </a:tcPr>
+                </a:tc>
+                <a:tc>
+                  <a:txBody>
+                    <a:bodyPr/>
+                    <a:lstStyle/>
+                    <a:p>
+                      <a:pPr algn="ctr"/>
+                      <a:r>
+                        <a:rPr lang="nl-NL" dirty="0"/>
+                        <a:t>Thuis</a:t>
+                      </a:r>
+                    </a:p>
+                  </a:txBody>
+                  <a:tcPr anchor="ctr">
+                    <a:lnL w="12700" cap="flat" cmpd="sng" algn="ctr">
+                      <a:solidFill>
+                        <a:schemeClr val="tx1"/>
+                      </a:solidFill>
+                      <a:prstDash val="solid"/>
+                      <a:round/>
+                      <a:headEnd type="none" w="med" len="med"/>
+                      <a:tailEnd type="none" w="med" len="med"/>
+                    </a:lnL>
+                    <a:lnR w="12700" cap="flat" cmpd="sng" algn="ctr">
+                      <a:solidFill>
+                        <a:schemeClr val="tx1"/>
+                      </a:solidFill>
+                      <a:prstDash val="solid"/>
+                      <a:round/>
+                      <a:headEnd type="none" w="med" len="med"/>
+                      <a:tailEnd type="none" w="med" len="med"/>
+                    </a:lnR>
+                    <a:lnT w="12700" cap="flat" cmpd="sng" algn="ctr">
+                      <a:solidFill>
+                        <a:schemeClr val="tx1"/>
+                      </a:solidFill>
+                      <a:prstDash val="solid"/>
+                      <a:round/>
+                      <a:headEnd type="none" w="med" len="med"/>
+                      <a:tailEnd type="none" w="med" len="med"/>
+                    </a:lnT>
+                    <a:lnB w="12700" cap="flat" cmpd="sng" algn="ctr">
+                      <a:solidFill>
+                        <a:schemeClr val="tx1"/>
+                      </a:solidFill>
+                      <a:prstDash val="solid"/>
+                      <a:round/>
+                      <a:headEnd type="none" w="med" len="med"/>
+                      <a:tailEnd type="none" w="med" len="med"/>
+                    </a:lnB>
+                    <a:lnTlToBr w="12700" cmpd="sng">
+                      <a:noFill/>
+                      <a:prstDash val="solid"/>
+                    </a:lnTlToBr>
+                    <a:lnBlToTr w="12700" cmpd="sng">
+                      <a:noFill/>
+                      <a:prstDash val="solid"/>
+                    </a:lnBlToTr>
+                    <a:solidFill>
+                      <a:srgbClr val="FFC000"/>
+                    </a:solidFill>
+                  </a:tcPr>
+                </a:tc>
+                <a:tc>
+                  <a:txBody>
+                    <a:bodyPr/>
+                    <a:lstStyle/>
+                    <a:p>
+                      <a:pPr algn="ctr"/>
+                      <a:r>
+                        <a:rPr lang="nl-NL" dirty="0"/>
+                        <a:t>Onderweg</a:t>
+                      </a:r>
+                    </a:p>
+                  </a:txBody>
+                  <a:tcPr anchor="ctr">
+                    <a:lnL w="12700" cap="flat" cmpd="sng" algn="ctr">
+                      <a:solidFill>
+                        <a:schemeClr val="tx1"/>
+                      </a:solidFill>
+                      <a:prstDash val="solid"/>
+                      <a:round/>
+                      <a:headEnd type="none" w="med" len="med"/>
+                      <a:tailEnd type="none" w="med" len="med"/>
+                    </a:lnL>
+                    <a:lnR w="12700" cap="flat" cmpd="sng" algn="ctr">
+                      <a:solidFill>
+                        <a:schemeClr val="tx1"/>
+                      </a:solidFill>
+                      <a:prstDash val="solid"/>
+                      <a:round/>
+                      <a:headEnd type="none" w="med" len="med"/>
+                      <a:tailEnd type="none" w="med" len="med"/>
+                    </a:lnR>
+                    <a:lnT w="12700" cap="flat" cmpd="sng" algn="ctr">
+                      <a:solidFill>
+                        <a:schemeClr val="tx1"/>
+                      </a:solidFill>
+                      <a:prstDash val="solid"/>
+                      <a:round/>
+                      <a:headEnd type="none" w="med" len="med"/>
+                      <a:tailEnd type="none" w="med" len="med"/>
+                    </a:lnT>
+                    <a:lnB w="12700" cap="flat" cmpd="sng" algn="ctr">
+                      <a:solidFill>
+                        <a:schemeClr val="tx1"/>
+                      </a:solidFill>
+                      <a:prstDash val="solid"/>
+                      <a:round/>
+                      <a:headEnd type="none" w="med" len="med"/>
+                      <a:tailEnd type="none" w="med" len="med"/>
+                    </a:lnB>
+                    <a:lnTlToBr w="12700" cmpd="sng">
+                      <a:noFill/>
+                      <a:prstDash val="solid"/>
+                    </a:lnTlToBr>
+                    <a:lnBlToTr w="12700" cmpd="sng">
+                      <a:noFill/>
+                      <a:prstDash val="solid"/>
+                    </a:lnBlToTr>
+                    <a:solidFill>
+                      <a:schemeClr val="accent2">
+                        <a:lumMod val="75000"/>
+                      </a:schemeClr>
+                    </a:solidFill>
+                  </a:tcPr>
+                </a:tc>
+                <a:tc>
+                  <a:txBody>
+                    <a:bodyPr/>
+                    <a:lstStyle/>
+                    <a:p>
+                      <a:pPr algn="ctr"/>
+                      <a:r>
+                        <a:rPr lang="nl-NL" dirty="0"/>
+                        <a:t>Werken</a:t>
+                      </a:r>
+                    </a:p>
+                  </a:txBody>
+                  <a:tcPr anchor="ctr">
+                    <a:lnL w="12700" cap="flat" cmpd="sng" algn="ctr">
+                      <a:solidFill>
+                        <a:schemeClr val="tx1"/>
+                      </a:solidFill>
+                      <a:prstDash val="solid"/>
+                      <a:round/>
+                      <a:headEnd type="none" w="med" len="med"/>
+                      <a:tailEnd type="none" w="med" len="med"/>
+                    </a:lnL>
+                    <a:lnR w="12700" cap="flat" cmpd="sng" algn="ctr">
+                      <a:solidFill>
+                        <a:schemeClr val="tx1"/>
+                      </a:solidFill>
+                      <a:prstDash val="solid"/>
+                      <a:round/>
+                      <a:headEnd type="none" w="med" len="med"/>
+                      <a:tailEnd type="none" w="med" len="med"/>
+                    </a:lnR>
+                    <a:lnT w="12700" cap="flat" cmpd="sng" algn="ctr">
+                      <a:solidFill>
+                        <a:schemeClr val="tx1"/>
+                      </a:solidFill>
+                      <a:prstDash val="solid"/>
+                      <a:round/>
+                      <a:headEnd type="none" w="med" len="med"/>
+                      <a:tailEnd type="none" w="med" len="med"/>
+                    </a:lnT>
+                    <a:lnB w="12700" cap="flat" cmpd="sng" algn="ctr">
+                      <a:solidFill>
+                        <a:schemeClr val="tx1"/>
+                      </a:solidFill>
+                      <a:prstDash val="solid"/>
+                      <a:round/>
+                      <a:headEnd type="none" w="med" len="med"/>
+                      <a:tailEnd type="none" w="med" len="med"/>
+                    </a:lnB>
+                    <a:lnTlToBr w="12700" cmpd="sng">
+                      <a:noFill/>
+                      <a:prstDash val="solid"/>
+                    </a:lnTlToBr>
+                    <a:lnBlToTr w="12700" cmpd="sng">
+                      <a:noFill/>
+                      <a:prstDash val="solid"/>
+                    </a:lnBlToTr>
+                    <a:solidFill>
+                      <a:schemeClr val="accent1">
+                        <a:lumMod val="40000"/>
+                        <a:lumOff val="60000"/>
+                      </a:schemeClr>
+                    </a:solidFill>
+                  </a:tcPr>
+                </a:tc>
+                <a:extLst>
+                  <a:ext uri="{0D108BD9-81ED-4DB2-BD59-A6C34878D82A}">
+                    <a16:rowId xmlns:a16="http://schemas.microsoft.com/office/drawing/2014/main" val="967151873"/>
+                  </a:ext>
+                </a:extLst>
+              </a:tr>
+            </a:tbl>
+          </a:graphicData>
+        </a:graphic>
+      </p:graphicFrame>
+      <p:sp>
+        <p:nvSpPr>
+          <p:cNvPr id="6" name="Rectangle 5">
+            <a:extLst>
+              <a:ext uri="{FF2B5EF4-FFF2-40B4-BE49-F238E27FC236}">
+                <a16:creationId xmlns:a16="http://schemas.microsoft.com/office/drawing/2014/main" id="{51E7A403-8062-741A-4749-A1A9284C39DD}"/>
+              </a:ext>
+            </a:extLst>
+          </p:cNvPr>
+          <p:cNvSpPr/>
+          <p:nvPr/>
+        </p:nvSpPr>
+        <p:spPr>
+          <a:xfrm>
+            <a:off x="266448" y="4792217"/>
+            <a:ext cx="993123" cy="813887"/>
+          </a:xfrm>
+          <a:prstGeom prst="rect">
+            <a:avLst/>
+          </a:prstGeom>
+        </p:spPr>
+        <p:style>
+          <a:lnRef idx="2">
+            <a:schemeClr val="accent1">
+              <a:shade val="15000"/>
+            </a:schemeClr>
+          </a:lnRef>
+          <a:fillRef idx="1">
+            <a:schemeClr val="accent1"/>
+          </a:fillRef>
+          <a:effectRef idx="0">
+            <a:schemeClr val="accent1"/>
+          </a:effectRef>
+          <a:fontRef idx="minor">
+            <a:schemeClr val="lt1"/>
+          </a:fontRef>
+        </p:style>
+        <p:txBody>
+          <a:bodyPr rtlCol="0" anchor="ctr"/>
+          <a:lstStyle/>
+          <a:p>
+            <a:pPr algn="ctr"/>
+            <a:r>
+              <a:rPr lang="nl-NL" dirty="0"/>
+              <a:t>Lokale Fasen</a:t>
+            </a:r>
+          </a:p>
+        </p:txBody>
+      </p:sp>
+      <p:cxnSp>
+        <p:nvCxnSpPr>
+          <p:cNvPr id="8" name="Straight Arrow Connector 7">
+            <a:extLst>
+              <a:ext uri="{FF2B5EF4-FFF2-40B4-BE49-F238E27FC236}">
+                <a16:creationId xmlns:a16="http://schemas.microsoft.com/office/drawing/2014/main" id="{126F6BB8-CAD1-846A-0409-E3328A01B99B}"/>
+              </a:ext>
+            </a:extLst>
+          </p:cNvPr>
+          <p:cNvCxnSpPr>
+            <a:cxnSpLocks/>
+            <a:stCxn id="6" idx="3"/>
+            <a:endCxn id="5" idx="1"/>
+          </p:cNvCxnSpPr>
+          <p:nvPr/>
+        </p:nvCxnSpPr>
+        <p:spPr>
+          <a:xfrm flipV="1">
+            <a:off x="1259571" y="4919296"/>
+            <a:ext cx="657372" cy="279865"/>
+          </a:xfrm>
+          <a:prstGeom prst="straightConnector1">
+            <a:avLst/>
+          </a:prstGeom>
+          <a:ln>
+            <a:tailEnd type="triangle"/>
+          </a:ln>
+        </p:spPr>
+        <p:style>
+          <a:lnRef idx="1">
+            <a:schemeClr val="accent1"/>
+          </a:lnRef>
+          <a:fillRef idx="0">
+            <a:schemeClr val="accent1"/>
+          </a:fillRef>
+          <a:effectRef idx="0">
+            <a:schemeClr val="accent1"/>
+          </a:effectRef>
+          <a:fontRef idx="minor">
+            <a:schemeClr val="tx1"/>
+          </a:fontRef>
+        </p:style>
+      </p:cxnSp>
+      <p:sp>
+        <p:nvSpPr>
+          <p:cNvPr id="16" name="Rectangle 15">
+            <a:extLst>
+              <a:ext uri="{FF2B5EF4-FFF2-40B4-BE49-F238E27FC236}">
+                <a16:creationId xmlns:a16="http://schemas.microsoft.com/office/drawing/2014/main" id="{70D3843C-4D24-288F-71D6-9B4556A760D4}"/>
+              </a:ext>
+            </a:extLst>
+          </p:cNvPr>
+          <p:cNvSpPr/>
+          <p:nvPr/>
+        </p:nvSpPr>
+        <p:spPr>
+          <a:xfrm>
+            <a:off x="234488" y="2427565"/>
+            <a:ext cx="993123" cy="813887"/>
+          </a:xfrm>
+          <a:prstGeom prst="rect">
+            <a:avLst/>
+          </a:prstGeom>
+        </p:spPr>
+        <p:style>
+          <a:lnRef idx="2">
+            <a:schemeClr val="accent1">
+              <a:shade val="15000"/>
+            </a:schemeClr>
+          </a:lnRef>
+          <a:fillRef idx="1">
+            <a:schemeClr val="accent1"/>
+          </a:fillRef>
+          <a:effectRef idx="0">
+            <a:schemeClr val="accent1"/>
+          </a:effectRef>
+          <a:fontRef idx="minor">
+            <a:schemeClr val="lt1"/>
+          </a:fontRef>
+        </p:style>
+        <p:txBody>
+          <a:bodyPr rtlCol="0" anchor="ctr"/>
+          <a:lstStyle/>
+          <a:p>
+            <a:pPr algn="ctr"/>
+            <a:r>
+              <a:rPr lang="nl-NL" dirty="0"/>
+              <a:t>wereld Fasen</a:t>
+            </a:r>
+          </a:p>
+        </p:txBody>
+      </p:sp>
+      <p:cxnSp>
+        <p:nvCxnSpPr>
+          <p:cNvPr id="18" name="Straight Arrow Connector 17">
+            <a:extLst>
+              <a:ext uri="{FF2B5EF4-FFF2-40B4-BE49-F238E27FC236}">
+                <a16:creationId xmlns:a16="http://schemas.microsoft.com/office/drawing/2014/main" id="{B34CD9BF-9570-1141-746E-DE23AA7D2A75}"/>
+              </a:ext>
+            </a:extLst>
+          </p:cNvPr>
+          <p:cNvCxnSpPr>
+            <a:stCxn id="16" idx="2"/>
+            <a:endCxn id="12" idx="1"/>
+          </p:cNvCxnSpPr>
+          <p:nvPr/>
+        </p:nvCxnSpPr>
+        <p:spPr>
+          <a:xfrm>
+            <a:off x="731050" y="3241452"/>
+            <a:ext cx="254750" cy="406944"/>
+          </a:xfrm>
+          <a:prstGeom prst="straightConnector1">
+            <a:avLst/>
+          </a:prstGeom>
+          <a:ln>
+            <a:tailEnd type="triangle"/>
+          </a:ln>
+        </p:spPr>
+        <p:style>
+          <a:lnRef idx="1">
+            <a:schemeClr val="accent1"/>
+          </a:lnRef>
+          <a:fillRef idx="0">
+            <a:schemeClr val="accent1"/>
+          </a:fillRef>
+          <a:effectRef idx="0">
+            <a:schemeClr val="accent1"/>
+          </a:effectRef>
+          <a:fontRef idx="minor">
+            <a:schemeClr val="tx1"/>
+          </a:fontRef>
+        </p:style>
+      </p:cxnSp>
+    </p:spTree>
+    <p:extLst>
+      <p:ext uri="{BB962C8B-B14F-4D97-AF65-F5344CB8AC3E}">
+        <p14:creationId xmlns:p14="http://schemas.microsoft.com/office/powerpoint/2010/main" val="2519883662"/>
       </p:ext>
     </p:extLst>
   </p:cSld>
